--- a/src/main/java/com/microsoft/demo/Release Process.pptx
+++ b/src/main/java/com/microsoft/demo/Release Process.pptx
@@ -5,7 +5,7 @@
     <p:sldMasterId id="2147483648" r:id="rId1"/>
   </p:sldMasterIdLst>
   <p:notesMasterIdLst>
-    <p:notesMasterId r:id="rId19"/>
+    <p:notesMasterId r:id="rId27"/>
   </p:notesMasterIdLst>
   <p:sldIdLst>
     <p:sldId id="256" r:id="rId2"/>
@@ -25,6 +25,14 @@
     <p:sldId id="448" r:id="rId16"/>
     <p:sldId id="456" r:id="rId17"/>
     <p:sldId id="457" r:id="rId18"/>
+    <p:sldId id="2147377806" r:id="rId19"/>
+    <p:sldId id="2147377807" r:id="rId20"/>
+    <p:sldId id="2147377820" r:id="rId21"/>
+    <p:sldId id="2147377839" r:id="rId22"/>
+    <p:sldId id="2147377845" r:id="rId23"/>
+    <p:sldId id="2998" r:id="rId24"/>
+    <p:sldId id="2147377829" r:id="rId25"/>
+    <p:sldId id="2147377809" r:id="rId26"/>
   </p:sldIdLst>
   <p:sldSz cx="12192000" cy="6858000"/>
   <p:notesSz cx="6858000" cy="9144000"/>
@@ -123,13 +131,62 @@
       </a:defRPr>
     </a:lvl9pPr>
   </p:defaultTextStyle>
+  <p:extLst>
+    <p:ext uri="{521415D9-36F7-43E2-AB2F-B90AF26B5E84}">
+      <p14:sectionLst xmlns:p14="http://schemas.microsoft.com/office/powerpoint/2010/main">
+        <p14:section name="Release Train with Environment" id="{A69036B2-611F-46A0-9F83-A01EE23A56D8}">
+          <p14:sldIdLst>
+            <p14:sldId id="256"/>
+            <p14:sldId id="257"/>
+            <p14:sldId id="453"/>
+            <p14:sldId id="258"/>
+            <p14:sldId id="259"/>
+            <p14:sldId id="260"/>
+            <p14:sldId id="442"/>
+            <p14:sldId id="444"/>
+            <p14:sldId id="449"/>
+            <p14:sldId id="445"/>
+            <p14:sldId id="451"/>
+            <p14:sldId id="446"/>
+            <p14:sldId id="447"/>
+            <p14:sldId id="450"/>
+            <p14:sldId id="448"/>
+            <p14:sldId id="456"/>
+            <p14:sldId id="457"/>
+          </p14:sldIdLst>
+        </p14:section>
+        <p14:section name="Testing" id="{AF4E5F21-92D8-43AB-A867-DB83120FFE55}">
+          <p14:sldIdLst>
+            <p14:sldId id="2147377806"/>
+            <p14:sldId id="2147377807"/>
+            <p14:sldId id="2147377820"/>
+            <p14:sldId id="2147377839"/>
+            <p14:sldId id="2147377845"/>
+            <p14:sldId id="2998"/>
+            <p14:sldId id="2147377829"/>
+            <p14:sldId id="2147377809"/>
+          </p14:sldIdLst>
+        </p14:section>
+      </p14:sectionLst>
+    </p:ext>
+    <p:ext uri="{EFAFB233-063F-42B5-8137-9DF3F51BA10A}">
+      <p15:sldGuideLst xmlns:p15="http://schemas.microsoft.com/office/powerpoint/2012/main"/>
+    </p:ext>
+  </p:extLst>
 </p:presentation>
+</file>
+
+<file path=ppt/authors.xml><?xml version="1.0" encoding="utf-8"?>
+<p188:authorLst xmlns:a="http://schemas.openxmlformats.org/drawingml/2006/main" xmlns:r="http://schemas.openxmlformats.org/officeDocument/2006/relationships" xmlns:p188="http://schemas.microsoft.com/office/powerpoint/2018/8/main">
+  <p188:author id="{FC53C126-BB3B-4CB6-809D-A3F3B752AA99}" name="Janssen, E.W. (Erik)" initials="J(" userId="S::erik.janssen3@ing.com::ae09e0e6-e71f-4178-bee8-66c7e5f477d4" providerId="AD"/>
+  <p188:author id="{6AC6D880-304B-920D-0B53-67BFB57AF92E}" name="Vermeulen, A. (Alessandro)" initials="VA(" userId="S::alessandro.vermeulen@ing.com::4b6f2a18-d3ac-4c18-a5ee-12e22c2930d0" providerId="AD"/>
+</p188:authorLst>
 </file>
 
 <file path=ppt/revisionInfo.xml><?xml version="1.0" encoding="utf-8"?>
 <p1510:revInfo xmlns:a="http://schemas.openxmlformats.org/drawingml/2006/main" xmlns:r="http://schemas.openxmlformats.org/officeDocument/2006/relationships" xmlns:p1510="http://schemas.microsoft.com/office/powerpoint/2015/10/main">
   <p1510:revLst>
-    <p1510:client id="{786D1E46-0D93-41C2-A501-8D3622364BDA}" v="18" dt="2024-10-02T07:55:18.988"/>
+    <p1510:client id="{786D1E46-0D93-41C2-A501-8D3622364BDA}" v="19" dt="2024-10-02T08:11:45.627"/>
   </p1510:revLst>
 </p1510:revInfo>
 </file>
@@ -138,8 +195,8 @@
 <pc:chgInfo xmlns:a="http://schemas.openxmlformats.org/drawingml/2006/main" xmlns:r="http://schemas.openxmlformats.org/officeDocument/2006/relationships" xmlns:ac="http://schemas.microsoft.com/office/drawing/2013/main/command" xmlns:pc="http://schemas.microsoft.com/office/powerpoint/2013/main/command">
   <pc:docChgLst>
     <pc:chgData name="Gao, H. (Henry)" userId="4ee73f77-4da4-428e-af9f-6b0ea4d09f92" providerId="ADAL" clId="{786D1E46-0D93-41C2-A501-8D3622364BDA}"/>
-    <pc:docChg chg="undo custSel addSld delSld modSld">
-      <pc:chgData name="Gao, H. (Henry)" userId="4ee73f77-4da4-428e-af9f-6b0ea4d09f92" providerId="ADAL" clId="{786D1E46-0D93-41C2-A501-8D3622364BDA}" dt="2024-10-02T07:56:12.574" v="99" actId="47"/>
+    <pc:docChg chg="undo custSel addSld delSld modSld addSection modSection">
+      <pc:chgData name="Gao, H. (Henry)" userId="4ee73f77-4da4-428e-af9f-6b0ea4d09f92" providerId="ADAL" clId="{786D1E46-0D93-41C2-A501-8D3622364BDA}" dt="2024-10-02T08:12:49.408" v="110" actId="17846"/>
       <pc:docMkLst>
         <pc:docMk/>
       </pc:docMkLst>
@@ -1477,9 +1534,418 @@
           </ac:spMkLst>
         </pc:spChg>
       </pc:sldChg>
+      <pc:sldChg chg="modSp add mod">
+        <pc:chgData name="Gao, H. (Henry)" userId="4ee73f77-4da4-428e-af9f-6b0ea4d09f92" providerId="ADAL" clId="{786D1E46-0D93-41C2-A501-8D3622364BDA}" dt="2024-10-02T08:11:45.776" v="102" actId="27636"/>
+        <pc:sldMkLst>
+          <pc:docMk/>
+          <pc:sldMk cId="104278889" sldId="2998"/>
+        </pc:sldMkLst>
+        <pc:spChg chg="mod">
+          <ac:chgData name="Gao, H. (Henry)" userId="4ee73f77-4da4-428e-af9f-6b0ea4d09f92" providerId="ADAL" clId="{786D1E46-0D93-41C2-A501-8D3622364BDA}" dt="2024-10-02T08:11:45.776" v="102" actId="27636"/>
+          <ac:spMkLst>
+            <pc:docMk/>
+            <pc:sldMk cId="104278889" sldId="2998"/>
+            <ac:spMk id="6" creationId="{00000000-0000-0000-0000-000000000000}"/>
+          </ac:spMkLst>
+        </pc:spChg>
+      </pc:sldChg>
+      <pc:sldChg chg="modSp add mod">
+        <pc:chgData name="Gao, H. (Henry)" userId="4ee73f77-4da4-428e-af9f-6b0ea4d09f92" providerId="ADAL" clId="{786D1E46-0D93-41C2-A501-8D3622364BDA}" dt="2024-10-02T08:11:45.683" v="101" actId="27636"/>
+        <pc:sldMkLst>
+          <pc:docMk/>
+          <pc:sldMk cId="3222095246" sldId="2147377806"/>
+        </pc:sldMkLst>
+        <pc:spChg chg="mod">
+          <ac:chgData name="Gao, H. (Henry)" userId="4ee73f77-4da4-428e-af9f-6b0ea4d09f92" providerId="ADAL" clId="{786D1E46-0D93-41C2-A501-8D3622364BDA}" dt="2024-10-02T08:11:45.683" v="101" actId="27636"/>
+          <ac:spMkLst>
+            <pc:docMk/>
+            <pc:sldMk cId="3222095246" sldId="2147377806"/>
+            <ac:spMk id="3" creationId="{352A6F1E-657B-93E3-70D0-B7EBEC22B3F0}"/>
+          </ac:spMkLst>
+        </pc:spChg>
+      </pc:sldChg>
+      <pc:sldChg chg="add">
+        <pc:chgData name="Gao, H. (Henry)" userId="4ee73f77-4da4-428e-af9f-6b0ea4d09f92" providerId="ADAL" clId="{786D1E46-0D93-41C2-A501-8D3622364BDA}" dt="2024-10-02T08:11:45.615" v="100"/>
+        <pc:sldMkLst>
+          <pc:docMk/>
+          <pc:sldMk cId="2957628181" sldId="2147377807"/>
+        </pc:sldMkLst>
+      </pc:sldChg>
+      <pc:sldChg chg="modSp add mod">
+        <pc:chgData name="Gao, H. (Henry)" userId="4ee73f77-4da4-428e-af9f-6b0ea4d09f92" providerId="ADAL" clId="{786D1E46-0D93-41C2-A501-8D3622364BDA}" dt="2024-10-02T08:11:45.882" v="106" actId="27636"/>
+        <pc:sldMkLst>
+          <pc:docMk/>
+          <pc:sldMk cId="3861439253" sldId="2147377809"/>
+        </pc:sldMkLst>
+        <pc:spChg chg="mod">
+          <ac:chgData name="Gao, H. (Henry)" userId="4ee73f77-4da4-428e-af9f-6b0ea4d09f92" providerId="ADAL" clId="{786D1E46-0D93-41C2-A501-8D3622364BDA}" dt="2024-10-02T08:11:45.834" v="105" actId="27636"/>
+          <ac:spMkLst>
+            <pc:docMk/>
+            <pc:sldMk cId="3861439253" sldId="2147377809"/>
+            <ac:spMk id="2" creationId="{55A9FB6F-0728-3269-8D7F-FC1859966CC3}"/>
+          </ac:spMkLst>
+        </pc:spChg>
+        <pc:spChg chg="mod">
+          <ac:chgData name="Gao, H. (Henry)" userId="4ee73f77-4da4-428e-af9f-6b0ea4d09f92" providerId="ADAL" clId="{786D1E46-0D93-41C2-A501-8D3622364BDA}" dt="2024-10-02T08:11:45.882" v="106" actId="27636"/>
+          <ac:spMkLst>
+            <pc:docMk/>
+            <pc:sldMk cId="3861439253" sldId="2147377809"/>
+            <ac:spMk id="3" creationId="{D8F222BC-7DAB-2980-33DA-82744E4B9670}"/>
+          </ac:spMkLst>
+        </pc:spChg>
+      </pc:sldChg>
+      <pc:sldChg chg="add">
+        <pc:chgData name="Gao, H. (Henry)" userId="4ee73f77-4da4-428e-af9f-6b0ea4d09f92" providerId="ADAL" clId="{786D1E46-0D93-41C2-A501-8D3622364BDA}" dt="2024-10-02T08:11:45.615" v="100"/>
+        <pc:sldMkLst>
+          <pc:docMk/>
+          <pc:sldMk cId="680569052" sldId="2147377820"/>
+        </pc:sldMkLst>
+      </pc:sldChg>
+      <pc:sldChg chg="modSp add mod">
+        <pc:chgData name="Gao, H. (Henry)" userId="4ee73f77-4da4-428e-af9f-6b0ea4d09f92" providerId="ADAL" clId="{786D1E46-0D93-41C2-A501-8D3622364BDA}" dt="2024-10-02T08:11:45.827" v="104" actId="27636"/>
+        <pc:sldMkLst>
+          <pc:docMk/>
+          <pc:sldMk cId="2743235038" sldId="2147377829"/>
+        </pc:sldMkLst>
+        <pc:spChg chg="mod">
+          <ac:chgData name="Gao, H. (Henry)" userId="4ee73f77-4da4-428e-af9f-6b0ea4d09f92" providerId="ADAL" clId="{786D1E46-0D93-41C2-A501-8D3622364BDA}" dt="2024-10-02T08:11:45.794" v="103" actId="27636"/>
+          <ac:spMkLst>
+            <pc:docMk/>
+            <pc:sldMk cId="2743235038" sldId="2147377829"/>
+            <ac:spMk id="2" creationId="{B0D76003-846C-8373-17A3-AF4452543986}"/>
+          </ac:spMkLst>
+        </pc:spChg>
+        <pc:spChg chg="mod">
+          <ac:chgData name="Gao, H. (Henry)" userId="4ee73f77-4da4-428e-af9f-6b0ea4d09f92" providerId="ADAL" clId="{786D1E46-0D93-41C2-A501-8D3622364BDA}" dt="2024-10-02T08:11:45.827" v="104" actId="27636"/>
+          <ac:spMkLst>
+            <pc:docMk/>
+            <pc:sldMk cId="2743235038" sldId="2147377829"/>
+            <ac:spMk id="3" creationId="{09CB6A80-6D7B-666D-5977-58D66836C154}"/>
+          </ac:spMkLst>
+        </pc:spChg>
+      </pc:sldChg>
+      <pc:sldChg chg="add">
+        <pc:chgData name="Gao, H. (Henry)" userId="4ee73f77-4da4-428e-af9f-6b0ea4d09f92" providerId="ADAL" clId="{786D1E46-0D93-41C2-A501-8D3622364BDA}" dt="2024-10-02T08:11:45.615" v="100"/>
+        <pc:sldMkLst>
+          <pc:docMk/>
+          <pc:sldMk cId="77516380" sldId="2147377839"/>
+        </pc:sldMkLst>
+      </pc:sldChg>
+      <pc:sldChg chg="add">
+        <pc:chgData name="Gao, H. (Henry)" userId="4ee73f77-4da4-428e-af9f-6b0ea4d09f92" providerId="ADAL" clId="{786D1E46-0D93-41C2-A501-8D3622364BDA}" dt="2024-10-02T08:11:45.615" v="100"/>
+        <pc:sldMkLst>
+          <pc:docMk/>
+          <pc:sldMk cId="2701163081" sldId="2147377845"/>
+        </pc:sldMkLst>
+      </pc:sldChg>
     </pc:docChg>
   </pc:docChgLst>
 </pc:chgInfo>
+</file>
+
+<file path=ppt/comments/modernComment_7FFE628E_C00D458E.xml><?xml version="1.0" encoding="utf-8"?>
+<p188:cmLst xmlns:a="http://schemas.openxmlformats.org/drawingml/2006/main" xmlns:r="http://schemas.openxmlformats.org/officeDocument/2006/relationships" xmlns:p188="http://schemas.microsoft.com/office/powerpoint/2018/8/main">
+  <p188:cm id="{CF4DE09B-0DCD-C649-8807-777AEC8C2939}" authorId="{6AC6D880-304B-920D-0B53-67BFB57AF92E}" created="2024-05-02T13:30:33.677">
+    <ac:txMkLst xmlns:ac="http://schemas.microsoft.com/office/drawing/2013/main/command">
+      <pc:docMk xmlns:pc="http://schemas.microsoft.com/office/powerpoint/2013/main/command"/>
+      <pc:sldMk xmlns:pc="http://schemas.microsoft.com/office/powerpoint/2013/main/command" cId="3222095246" sldId="2147377806"/>
+      <ac:spMk id="3" creationId="{352A6F1E-657B-93E3-70D0-B7EBEC22B3F0}"/>
+      <ac:txMk cp="232" len="10">
+        <ac:context len="334" hash="825292294"/>
+      </ac:txMk>
+    </ac:txMkLst>
+    <p188:pos x="6330637" y="2445573"/>
+    <p188:txBody>
+      <a:bodyPr/>
+      <a:lstStyle/>
+      <a:p>
+        <a:r>
+          <a:rPr lang="en-NL"/>
+          <a:t>My notes say 261</a:t>
+        </a:r>
+      </a:p>
+    </p188:txBody>
+    <p188:extLst>
+      <p:ext xmlns:p="http://schemas.openxmlformats.org/presentationml/2006/main" uri="{57CB4572-C831-44C2-8A1C-0ADB6CCDFE69}">
+        <p223:reactions xmlns:p223="http://schemas.microsoft.com/office/powerpoint/2022/03/main" xmlns="">
+          <p223:rxn type="👍">
+            <p223:instance time="2024-05-10T12:28:40.149" authorId="{AFFD2FF6-EE11-11FE-EF11-CFC89CD50385}"/>
+          </p223:rxn>
+        </p223:reactions>
+      </p:ext>
+    </p188:extLst>
+  </p188:cm>
+</p188:cmLst>
+</file>
+
+<file path=ppt/comments/modernComment_7FFE628F_B049D315.xml><?xml version="1.0" encoding="utf-8"?>
+<p188:cmLst xmlns:a="http://schemas.openxmlformats.org/drawingml/2006/main" xmlns:r="http://schemas.openxmlformats.org/officeDocument/2006/relationships" xmlns:p188="http://schemas.microsoft.com/office/powerpoint/2018/8/main">
+  <p188:cm id="{89E3DB47-23AD-423D-ADC0-A208FA9F11EC}" authorId="{FC53C126-BB3B-4CB6-809D-A3F3B752AA99}" created="2024-06-18T07:42:50.760">
+    <pc:sldMkLst xmlns:pc="http://schemas.microsoft.com/office/powerpoint/2013/main/command">
+      <pc:docMk/>
+      <pc:sldMk cId="2957628181" sldId="2147377807"/>
+    </pc:sldMkLst>
+    <p188:txBody>
+      <a:bodyPr/>
+      <a:lstStyle/>
+      <a:p>
+        <a:r>
+          <a:rPr lang="en-US"/>
+          <a:t>Pro of shared env: resembles the current way of working</a:t>
+        </a:r>
+      </a:p>
+    </p188:txBody>
+  </p188:cm>
+</p188:cmLst>
+</file>
+
+<file path=ppt/comments/modernComment_7FFE6291_E628E315.xml><?xml version="1.0" encoding="utf-8"?>
+<p188:cmLst xmlns:a="http://schemas.openxmlformats.org/drawingml/2006/main" xmlns:r="http://schemas.openxmlformats.org/officeDocument/2006/relationships" xmlns:p188="http://schemas.microsoft.com/office/powerpoint/2018/8/main">
+  <p188:cm id="{E3273D3D-7600-CA46-A2A7-81DB7F4FA2DB}" authorId="{6AC6D880-304B-920D-0B53-67BFB57AF92E}" created="2024-05-02T13:35:35.558">
+    <ac:txMkLst xmlns:ac="http://schemas.microsoft.com/office/drawing/2013/main/command">
+      <pc:docMk xmlns:pc="http://schemas.microsoft.com/office/powerpoint/2013/main/command"/>
+      <pc:sldMk xmlns:pc="http://schemas.microsoft.com/office/powerpoint/2013/main/command" cId="3861439253" sldId="2147377809"/>
+      <ac:spMk id="3" creationId="{D8F222BC-7DAB-2980-33DA-82744E4B9670}"/>
+      <ac:txMk cp="114" len="29">
+        <ac:context len="516" hash="140081181"/>
+      </ac:txMk>
+    </ac:txMkLst>
+    <p188:pos x="10917799" y="650556"/>
+    <p188:txBody>
+      <a:bodyPr/>
+      <a:lstStyle/>
+      <a:p>
+        <a:r>
+          <a:rPr lang="en-NL"/>
+          <a:t>Run when deploying? Or when creating the artefact that will be deployed, and we can only deploy tested artefacts?</a:t>
+        </a:r>
+      </a:p>
+    </p188:txBody>
+  </p188:cm>
+  <p188:cm id="{F9B80082-D6A6-7F41-BB42-E6E5D90BC935}" authorId="{6AC6D880-304B-920D-0B53-67BFB57AF92E}" created="2024-05-02T13:35:53.390">
+    <ac:txMkLst xmlns:ac="http://schemas.microsoft.com/office/drawing/2013/main/command">
+      <pc:docMk xmlns:pc="http://schemas.microsoft.com/office/powerpoint/2013/main/command"/>
+      <pc:sldMk xmlns:pc="http://schemas.microsoft.com/office/powerpoint/2013/main/command" cId="3861439253" sldId="2147377809"/>
+      <ac:spMk id="3" creationId="{D8F222BC-7DAB-2980-33DA-82744E4B9670}"/>
+      <ac:txMk cp="298" len="10">
+        <ac:context len="516" hash="140081181"/>
+      </ac:txMk>
+    </ac:txMkLst>
+    <p188:pos x="1253682" y="2034739"/>
+    <p188:replyLst>
+      <p188:reply id="{5D6AFBD5-DA84-5341-9E8C-72CD11C1E368}" authorId="{6AC6D880-304B-920D-0B53-67BFB57AF92E}" created="2024-05-02T13:36:52.852">
+        <p188:txBody>
+          <a:bodyPr/>
+          <a:lstStyle/>
+          <a:p>
+            <a:r>
+              <a:rPr lang="en-NL"/>
+              <a:t>It is under the section `Test`. Do we still expect Test environments to stay? Why are we putting load there? Today we only do that on A.</a:t>
+            </a:r>
+          </a:p>
+        </p188:txBody>
+      </p188:reply>
+    </p188:replyLst>
+    <p188:txBody>
+      <a:bodyPr/>
+      <a:lstStyle/>
+      <a:p>
+        <a:r>
+          <a:rPr lang="en-NL"/>
+          <a:t>Load test is under a separate env? Called staging?</a:t>
+        </a:r>
+      </a:p>
+    </p188:txBody>
+  </p188:cm>
+  <p188:cm id="{C4F7C5C0-EEF2-964C-97A4-C7C44151B595}" authorId="{6AC6D880-304B-920D-0B53-67BFB57AF92E}" created="2024-05-02T13:36:19.555">
+    <ac:txMkLst xmlns:ac="http://schemas.microsoft.com/office/drawing/2013/main/command">
+      <pc:docMk xmlns:pc="http://schemas.microsoft.com/office/powerpoint/2013/main/command"/>
+      <pc:sldMk xmlns:pc="http://schemas.microsoft.com/office/powerpoint/2013/main/command" cId="3861439253" sldId="2147377809"/>
+      <ac:spMk id="3" creationId="{D8F222BC-7DAB-2980-33DA-82744E4B9670}"/>
+      <ac:txMk cp="309" len="86">
+        <ac:context len="516" hash="140081181"/>
+      </ac:txMk>
+    </ac:txMkLst>
+    <p188:pos x="7025308" y="2345132"/>
+    <p188:txBody>
+      <a:bodyPr/>
+      <a:lstStyle/>
+      <a:p>
+        <a:r>
+          <a:rPr lang="en-NL"/>
+          <a:t>Why not local? Aren’t UI tests *extremely* suited to be run “offlne”?</a:t>
+        </a:r>
+      </a:p>
+    </p188:txBody>
+  </p188:cm>
+  <p188:cm id="{6145F7B3-1037-0441-B558-2FC24BD8E53D}" authorId="{6AC6D880-304B-920D-0B53-67BFB57AF92E}" created="2024-05-02T13:37:26.191">
+    <ac:txMkLst xmlns:ac="http://schemas.microsoft.com/office/drawing/2013/main/command">
+      <pc:docMk xmlns:pc="http://schemas.microsoft.com/office/powerpoint/2013/main/command"/>
+      <pc:sldMk xmlns:pc="http://schemas.microsoft.com/office/powerpoint/2013/main/command" cId="3861439253" sldId="2147377809"/>
+      <ac:spMk id="3" creationId="{D8F222BC-7DAB-2980-33DA-82744E4B9670}"/>
+      <ac:txMk cp="504" len="11">
+        <ac:context len="516" hash="140081181"/>
+      </ac:txMk>
+    </ac:txMkLst>
+    <p188:pos x="1455018" y="4794717"/>
+    <p188:replyLst>
+      <p188:reply id="{2198896F-D658-4988-8E13-97859B99008C}" authorId="{FC53C126-BB3B-4CB6-809D-A3F3B752AA99}" created="2024-06-18T08:32:41.234">
+        <p188:txBody>
+          <a:bodyPr/>
+          <a:lstStyle/>
+          <a:p>
+            <a:r>
+              <a:rPr lang="en-US"/>
+              <a:t>Canary deployment instead of A/B test? </a:t>
+            </a:r>
+          </a:p>
+        </p188:txBody>
+      </p188:reply>
+    </p188:replyLst>
+    <p188:txBody>
+      <a:bodyPr/>
+      <a:lstStyle/>
+      <a:p>
+        <a:r>
+          <a:rPr lang="en-NL"/>
+          <a:t>A/B tests are really a whole other category of tests and have nothing to do with the tests as described here. Perhaps these should have been name A/B pilots.</a:t>
+        </a:r>
+      </a:p>
+    </p188:txBody>
+  </p188:cm>
+</p188:cmLst>
+</file>
+
+<file path=ppt/comments/modernComment_7FFE62A5_A38271DE.xml><?xml version="1.0" encoding="utf-8"?>
+<p188:cmLst xmlns:a="http://schemas.openxmlformats.org/drawingml/2006/main" xmlns:r="http://schemas.openxmlformats.org/officeDocument/2006/relationships" xmlns:p188="http://schemas.microsoft.com/office/powerpoint/2018/8/main">
+  <p188:cm id="{EB8CCB52-D102-A741-8398-46E853841221}" authorId="{6AC6D880-304B-920D-0B53-67BFB57AF92E}" created="2024-05-02T13:34:49.761">
+    <ac:txMkLst xmlns:ac="http://schemas.microsoft.com/office/drawing/2013/main/command">
+      <pc:docMk xmlns:pc="http://schemas.microsoft.com/office/powerpoint/2013/main/command"/>
+      <pc:sldMk xmlns:pc="http://schemas.microsoft.com/office/powerpoint/2013/main/command" cId="2743235038" sldId="2147377829"/>
+      <ac:spMk id="3" creationId="{09CB6A80-6D7B-666D-5977-58D66836C154}"/>
+      <ac:txMk cp="134" len="57">
+        <ac:context len="368" hash="527038293"/>
+      </ac:txMk>
+    </ac:txMkLst>
+    <p188:pos x="6422917" y="1945620"/>
+    <p188:txBody>
+      <a:bodyPr/>
+      <a:lstStyle/>
+      <a:p>
+        <a:r>
+          <a:rPr lang="en-NL"/>
+          <a:t>What is a mock test? Mocking is a technique, not a specific form of testing.</a:t>
+        </a:r>
+      </a:p>
+    </p188:txBody>
+  </p188:cm>
+</p188:cmLst>
+</file>
+
+<file path=ppt/comments/modernComment_7FFE62B5_A1007A49.xml><?xml version="1.0" encoding="utf-8"?>
+<p188:cmLst xmlns:a="http://schemas.openxmlformats.org/drawingml/2006/main" xmlns:r="http://schemas.openxmlformats.org/officeDocument/2006/relationships" xmlns:p188="http://schemas.microsoft.com/office/powerpoint/2018/8/main">
+  <p188:cm id="{97945E92-5BC4-8943-9190-FA82E4D46C0E}" authorId="{6AC6D880-304B-920D-0B53-67BFB57AF92E}" created="2024-05-02T13:33:41.561">
+    <pc:sldMkLst xmlns:pc="http://schemas.microsoft.com/office/powerpoint/2013/main/command">
+      <pc:docMk/>
+      <pc:sldMk cId="2701163081" sldId="2147377845"/>
+    </pc:sldMkLst>
+    <p188:txBody>
+      <a:bodyPr/>
+      <a:lstStyle/>
+      <a:p>
+        <a:r>
+          <a:rPr lang="en-NL"/>
+          <a:t>I always use this image: https://ing-my.sharepoint.com/:i:/p/alessandro_vermeulen/EWcwupdnJ8tEt8Oo9FEvZyoBC_TD5vpWn3KYUDTH9ydABg?e=BbVPF0</a:t>
+        </a:r>
+      </a:p>
+    </p188:txBody>
+  </p188:cm>
+</p188:cmLst>
+</file>
+
+<file path=ppt/comments/modernComment_BB6_6372B69.xml><?xml version="1.0" encoding="utf-8"?>
+<p188:cmLst xmlns:a="http://schemas.openxmlformats.org/drawingml/2006/main" xmlns:r="http://schemas.openxmlformats.org/officeDocument/2006/relationships" xmlns:p188="http://schemas.microsoft.com/office/powerpoint/2018/8/main">
+  <p188:cm id="{BB798675-8AAD-4AC0-8ABD-19B4E465FB0A}" authorId="{FC53C126-BB3B-4CB6-809D-A3F3B752AA99}" created="2024-06-18T08:00:00.347">
+    <ac:deMkLst xmlns:ac="http://schemas.microsoft.com/office/drawing/2013/main/command">
+      <pc:docMk xmlns:pc="http://schemas.microsoft.com/office/powerpoint/2013/main/command"/>
+      <pc:sldMk xmlns:pc="http://schemas.microsoft.com/office/powerpoint/2013/main/command" cId="104278889" sldId="2998"/>
+      <ac:spMk id="52" creationId="{00000000-0000-0000-0000-000000000000}"/>
+    </ac:deMkLst>
+    <p188:replyLst>
+      <p188:reply id="{059939CA-BA0A-49DE-B7C0-83C76428BC5B}" authorId="{FC53C126-BB3B-4CB6-809D-A3F3B752AA99}" created="2024-06-18T08:00:26.161">
+        <p188:txBody>
+          <a:bodyPr/>
+          <a:lstStyle/>
+          <a:p>
+            <a:r>
+              <a:rPr lang="en-US"/>
+              <a:t>i.e. CTK? </a:t>
+            </a:r>
+          </a:p>
+        </p188:txBody>
+      </p188:reply>
+    </p188:replyLst>
+    <p188:txBody>
+      <a:bodyPr/>
+      <a:lstStyle/>
+      <a:p>
+        <a:r>
+          <a:rPr lang="en-US"/>
+          <a:t>The cards under Docker / K8s logos are done locally on laptop? </a:t>
+        </a:r>
+      </a:p>
+    </p188:txBody>
+  </p188:cm>
+  <p188:cm id="{34EA56F4-71B1-4D39-86CA-147B8A08FE0B}" authorId="{FC53C126-BB3B-4CB6-809D-A3F3B752AA99}" created="2024-06-18T08:12:54.213">
+    <pc:sldMkLst xmlns:pc="http://schemas.microsoft.com/office/powerpoint/2013/main/command">
+      <pc:docMk/>
+      <pc:sldMk cId="104278889" sldId="2998"/>
+    </pc:sldMkLst>
+    <p188:txBody>
+      <a:bodyPr/>
+      <a:lstStyle/>
+      <a:p>
+        <a:r>
+          <a:rPr lang="en-US"/>
+          <a:t>changed Canary Release to Deployment</a:t>
+        </a:r>
+      </a:p>
+    </p188:txBody>
+  </p188:cm>
+  <p188:cm id="{09C20ACD-1CE5-4EBE-AB20-5A27DFB00DE0}" authorId="{FC53C126-BB3B-4CB6-809D-A3F3B752AA99}" created="2024-06-18T08:16:17.102">
+    <ac:deMkLst xmlns:ac="http://schemas.microsoft.com/office/drawing/2013/main/command">
+      <pc:docMk xmlns:pc="http://schemas.microsoft.com/office/powerpoint/2013/main/command"/>
+      <pc:sldMk xmlns:pc="http://schemas.microsoft.com/office/powerpoint/2013/main/command" cId="104278889" sldId="2998"/>
+      <ac:grpSpMk id="156" creationId="{311D1F66-9724-40D4-DB4B-A191D57A42E2}"/>
+    </ac:deMkLst>
+    <p188:txBody>
+      <a:bodyPr/>
+      <a:lstStyle/>
+      <a:p>
+        <a:r>
+          <a:rPr lang="en-US"/>
+          <a:t>What to do with non containerized applications? </a:t>
+        </a:r>
+      </a:p>
+    </p188:txBody>
+  </p188:cm>
+  <p188:cm id="{10D8E2B0-442C-4FC6-A097-F0A8FBDA0FA6}" authorId="{FC53C126-BB3B-4CB6-809D-A3F3B752AA99}" created="2024-06-18T08:17:29.451">
+    <pc:sldMkLst xmlns:pc="http://schemas.microsoft.com/office/powerpoint/2013/main/command">
+      <pc:docMk/>
+      <pc:sldMk cId="104278889" sldId="2998"/>
+    </pc:sldMkLst>
+    <p188:txBody>
+      <a:bodyPr/>
+      <a:lstStyle/>
+      <a:p>
+        <a:r>
+          <a:rPr lang="en-US"/>
+          <a:t>How to go about chain testing of Critical business services scenarios? </a:t>
+        </a:r>
+      </a:p>
+    </p188:txBody>
+  </p188:cm>
+</p188:cmLst>
 </file>
 
 <file path=ppt/diagrams/colors1.xml><?xml version="1.0" encoding="utf-8"?>
@@ -12564,6 +13030,96 @@
 </p:notes>
 </file>
 
+<file path=ppt/notesSlides/notesSlide13.xml><?xml version="1.0" encoding="utf-8"?>
+<p:notes xmlns:a="http://schemas.openxmlformats.org/drawingml/2006/main" xmlns:r="http://schemas.openxmlformats.org/officeDocument/2006/relationships" xmlns:p="http://schemas.openxmlformats.org/presentationml/2006/main">
+  <p:cSld>
+    <p:spTree>
+      <p:nvGrpSpPr>
+        <p:cNvPr id="1" name=""/>
+        <p:cNvGrpSpPr/>
+        <p:nvPr/>
+      </p:nvGrpSpPr>
+      <p:grpSpPr>
+        <a:xfrm>
+          <a:off x="0" y="0"/>
+          <a:ext cx="0" cy="0"/>
+          <a:chOff x="0" y="0"/>
+          <a:chExt cx="0" cy="0"/>
+        </a:xfrm>
+      </p:grpSpPr>
+      <p:sp>
+        <p:nvSpPr>
+          <p:cNvPr id="2" name="Slide Image Placeholder 1"/>
+          <p:cNvSpPr>
+            <a:spLocks noGrp="1" noRot="1" noChangeAspect="1"/>
+          </p:cNvSpPr>
+          <p:nvPr>
+            <p:ph type="sldImg"/>
+          </p:nvPr>
+        </p:nvSpPr>
+        <p:spPr>
+          <a:xfrm>
+            <a:off x="685800" y="681038"/>
+            <a:ext cx="5486400" cy="3086100"/>
+          </a:xfrm>
+        </p:spPr>
+      </p:sp>
+      <p:sp>
+        <p:nvSpPr>
+          <p:cNvPr id="3" name="Notes Placeholder 2"/>
+          <p:cNvSpPr>
+            <a:spLocks noGrp="1"/>
+          </p:cNvSpPr>
+          <p:nvPr>
+            <p:ph type="body" idx="1"/>
+          </p:nvPr>
+        </p:nvSpPr>
+        <p:spPr/>
+        <p:txBody>
+          <a:bodyPr/>
+          <a:lstStyle/>
+          <a:p>
+            <a:endParaRPr lang="en-US"/>
+          </a:p>
+        </p:txBody>
+      </p:sp>
+      <p:sp>
+        <p:nvSpPr>
+          <p:cNvPr id="4" name="Slide Number Placeholder 3"/>
+          <p:cNvSpPr>
+            <a:spLocks noGrp="1"/>
+          </p:cNvSpPr>
+          <p:nvPr>
+            <p:ph type="sldNum" sz="quarter" idx="5"/>
+          </p:nvPr>
+        </p:nvSpPr>
+        <p:spPr/>
+        <p:txBody>
+          <a:bodyPr/>
+          <a:lstStyle/>
+          <a:p>
+            <a:fld id="{E762DFE1-544E-4AD0-8AE2-9ADF9877B110}" type="slidenum">
+              <a:rPr lang="en-GB" smtClean="0"/>
+              <a:pPr/>
+              <a:t>23</a:t>
+            </a:fld>
+            <a:endParaRPr lang="en-GB"/>
+          </a:p>
+        </p:txBody>
+      </p:sp>
+    </p:spTree>
+    <p:extLst>
+      <p:ext uri="{BB962C8B-B14F-4D97-AF65-F5344CB8AC3E}">
+        <p14:creationId xmlns:p14="http://schemas.microsoft.com/office/powerpoint/2010/main" val="3089088385"/>
+      </p:ext>
+    </p:extLst>
+  </p:cSld>
+  <p:clrMapOvr>
+    <a:masterClrMapping/>
+  </p:clrMapOvr>
+</p:notes>
+</file>
+
 <file path=ppt/notesSlides/notesSlide2.xml><?xml version="1.0" encoding="utf-8"?>
 <p:notes xmlns:a="http://schemas.openxmlformats.org/drawingml/2006/main" xmlns:r="http://schemas.openxmlformats.org/officeDocument/2006/relationships" xmlns:p="http://schemas.openxmlformats.org/presentationml/2006/main">
   <p:cSld>
@@ -14139,6 +14695,1918 @@
       <p15:sldGuideLst xmlns:p15="http://schemas.microsoft.com/office/powerpoint/2012/main"/>
     </p:ext>
   </p:extLst>
+</p:sldLayout>
+</file>
+
+<file path=ppt/slideLayouts/slideLayout13.xml><?xml version="1.0" encoding="utf-8"?>
+<p:sldLayout xmlns:a="http://schemas.openxmlformats.org/drawingml/2006/main" xmlns:r="http://schemas.openxmlformats.org/officeDocument/2006/relationships" xmlns:p="http://schemas.openxmlformats.org/presentationml/2006/main">
+  <p:cSld name="30_6 split">
+    <p:spTree>
+      <p:nvGrpSpPr>
+        <p:cNvPr id="1" name=""/>
+        <p:cNvGrpSpPr/>
+        <p:nvPr/>
+      </p:nvGrpSpPr>
+      <p:grpSpPr>
+        <a:xfrm>
+          <a:off x="0" y="0"/>
+          <a:ext cx="0" cy="0"/>
+          <a:chOff x="0" y="0"/>
+          <a:chExt cx="0" cy="0"/>
+        </a:xfrm>
+      </p:grpSpPr>
+      <p:sp>
+        <p:nvSpPr>
+          <p:cNvPr id="4" name="Rectangle 3">
+            <a:extLst>
+              <a:ext uri="{FF2B5EF4-FFF2-40B4-BE49-F238E27FC236}">
+                <a16:creationId xmlns:a16="http://schemas.microsoft.com/office/drawing/2014/main" id="{E53346EE-5907-C448-934B-E27371623248}"/>
+              </a:ext>
+            </a:extLst>
+          </p:cNvPr>
+          <p:cNvSpPr/>
+          <p:nvPr/>
+        </p:nvSpPr>
+        <p:spPr>
+          <a:xfrm>
+            <a:off x="0" y="1416818"/>
+            <a:ext cx="12192000" cy="5441182"/>
+          </a:xfrm>
+          <a:prstGeom prst="rect">
+            <a:avLst/>
+          </a:prstGeom>
+          <a:solidFill>
+            <a:schemeClr val="bg1">
+              <a:lumMod val="95000"/>
+            </a:schemeClr>
+          </a:solidFill>
+          <a:ln w="6350">
+            <a:solidFill>
+              <a:schemeClr val="bg1">
+                <a:lumMod val="95000"/>
+              </a:schemeClr>
+            </a:solidFill>
+          </a:ln>
+        </p:spPr>
+        <p:style>
+          <a:lnRef idx="2">
+            <a:schemeClr val="accent1">
+              <a:shade val="50000"/>
+            </a:schemeClr>
+          </a:lnRef>
+          <a:fillRef idx="1">
+            <a:schemeClr val="accent1"/>
+          </a:fillRef>
+          <a:effectRef idx="0">
+            <a:schemeClr val="accent1"/>
+          </a:effectRef>
+          <a:fontRef idx="minor">
+            <a:schemeClr val="lt1"/>
+          </a:fontRef>
+        </p:style>
+        <p:txBody>
+          <a:bodyPr rot="0" spcFirstLastPara="0" vertOverflow="overflow" horzOverflow="overflow" vert="horz" wrap="square" lIns="36000" tIns="36000" rIns="36000" bIns="36000" numCol="1" spcCol="0" rtlCol="0" fromWordArt="0" anchor="t" anchorCtr="0" forceAA="0" compatLnSpc="1">
+            <a:prstTxWarp prst="textNoShape">
+              <a:avLst/>
+            </a:prstTxWarp>
+            <a:noAutofit/>
+          </a:bodyPr>
+          <a:lstStyle/>
+          <a:p>
+            <a:pPr algn="ctr">
+              <a:lnSpc>
+                <a:spcPct val="90000"/>
+              </a:lnSpc>
+            </a:pPr>
+            <a:endParaRPr lang="en-GB" sz="1600" err="1">
+              <a:solidFill>
+                <a:schemeClr val="tx1"/>
+              </a:solidFill>
+            </a:endParaRPr>
+          </a:p>
+        </p:txBody>
+      </p:sp>
+      <p:grpSp>
+        <p:nvGrpSpPr>
+          <p:cNvPr id="39" name="Group 38">
+            <a:extLst>
+              <a:ext uri="{FF2B5EF4-FFF2-40B4-BE49-F238E27FC236}">
+                <a16:creationId xmlns:a16="http://schemas.microsoft.com/office/drawing/2014/main" id="{9AF6D44A-0294-48EC-8B01-EA74305500DC}"/>
+              </a:ext>
+            </a:extLst>
+          </p:cNvPr>
+          <p:cNvGrpSpPr/>
+          <p:nvPr/>
+        </p:nvGrpSpPr>
+        <p:grpSpPr>
+          <a:xfrm>
+            <a:off x="-2368598" y="0"/>
+            <a:ext cx="1872000" cy="4379495"/>
+            <a:chOff x="-2025698" y="0"/>
+            <a:chExt cx="1872000" cy="4379495"/>
+          </a:xfrm>
+        </p:grpSpPr>
+        <p:grpSp>
+          <p:nvGrpSpPr>
+            <p:cNvPr id="40" name="Group 39">
+              <a:extLst>
+                <a:ext uri="{FF2B5EF4-FFF2-40B4-BE49-F238E27FC236}">
+                  <a16:creationId xmlns:a16="http://schemas.microsoft.com/office/drawing/2014/main" id="{64C5CFFD-F0C8-4A93-B89E-FB68A48F3825}"/>
+                </a:ext>
+              </a:extLst>
+            </p:cNvPr>
+            <p:cNvGrpSpPr/>
+            <p:nvPr/>
+          </p:nvGrpSpPr>
+          <p:grpSpPr>
+            <a:xfrm>
+              <a:off x="-2025698" y="0"/>
+              <a:ext cx="1872000" cy="4379495"/>
+              <a:chOff x="-2025698" y="0"/>
+              <a:chExt cx="1872000" cy="4379495"/>
+            </a:xfrm>
+          </p:grpSpPr>
+          <p:grpSp>
+            <p:nvGrpSpPr>
+              <p:cNvPr id="42" name="Group 41">
+                <a:extLst>
+                  <a:ext uri="{FF2B5EF4-FFF2-40B4-BE49-F238E27FC236}">
+                    <a16:creationId xmlns:a16="http://schemas.microsoft.com/office/drawing/2014/main" id="{E57FA918-40CA-44E1-B636-4EFDEF52933A}"/>
+                  </a:ext>
+                </a:extLst>
+              </p:cNvPr>
+              <p:cNvGrpSpPr/>
+              <p:nvPr/>
+            </p:nvGrpSpPr>
+            <p:grpSpPr>
+              <a:xfrm>
+                <a:off x="-2025698" y="0"/>
+                <a:ext cx="1872000" cy="4379495"/>
+                <a:chOff x="-2025698" y="0"/>
+                <a:chExt cx="1872000" cy="4379495"/>
+              </a:xfrm>
+            </p:grpSpPr>
+            <p:grpSp>
+              <p:nvGrpSpPr>
+                <p:cNvPr id="44" name="Group 43">
+                  <a:extLst>
+                    <a:ext uri="{FF2B5EF4-FFF2-40B4-BE49-F238E27FC236}">
+                      <a16:creationId xmlns:a16="http://schemas.microsoft.com/office/drawing/2014/main" id="{AE03D839-457C-4C20-BBFC-54D7BA6EDA83}"/>
+                    </a:ext>
+                  </a:extLst>
+                </p:cNvPr>
+                <p:cNvGrpSpPr/>
+                <p:nvPr/>
+              </p:nvGrpSpPr>
+              <p:grpSpPr>
+                <a:xfrm>
+                  <a:off x="-2025698" y="0"/>
+                  <a:ext cx="1872000" cy="4379495"/>
+                  <a:chOff x="-2025698" y="0"/>
+                  <a:chExt cx="1872000" cy="4379495"/>
+                </a:xfrm>
+              </p:grpSpPr>
+              <p:sp>
+                <p:nvSpPr>
+                  <p:cNvPr id="46" name="Rectangle 104">
+                    <a:extLst>
+                      <a:ext uri="{FF2B5EF4-FFF2-40B4-BE49-F238E27FC236}">
+                        <a16:creationId xmlns:a16="http://schemas.microsoft.com/office/drawing/2014/main" id="{E3F01C10-0FD6-49DE-9290-CC484C79E93A}"/>
+                      </a:ext>
+                    </a:extLst>
+                  </p:cNvPr>
+                  <p:cNvSpPr>
+                    <a:spLocks noChangeArrowheads="1"/>
+                  </p:cNvSpPr>
+                  <p:nvPr/>
+                </p:nvSpPr>
+                <p:spPr bwMode="gray">
+                  <a:xfrm>
+                    <a:off x="-2025698" y="0"/>
+                    <a:ext cx="1872000" cy="4379495"/>
+                  </a:xfrm>
+                  <a:prstGeom prst="rect">
+                    <a:avLst/>
+                  </a:prstGeom>
+                  <a:solidFill>
+                    <a:srgbClr val="EAEAEA"/>
+                  </a:solidFill>
+                  <a:ln>
+                    <a:noFill/>
+                  </a:ln>
+                  <a:effectLst/>
+                </p:spPr>
+                <p:txBody>
+                  <a:bodyPr wrap="square" lIns="180000" tIns="180000" rIns="180000" bIns="180000" anchor="ctr">
+                    <a:noAutofit/>
+                  </a:bodyPr>
+                  <a:lstStyle/>
+                  <a:p>
+                    <a:endParaRPr lang="en-GB" sz="1000"/>
+                  </a:p>
+                </p:txBody>
+              </p:sp>
+              <p:sp>
+                <p:nvSpPr>
+                  <p:cNvPr id="47" name="Rectangle 113">
+                    <a:extLst>
+                      <a:ext uri="{FF2B5EF4-FFF2-40B4-BE49-F238E27FC236}">
+                        <a16:creationId xmlns:a16="http://schemas.microsoft.com/office/drawing/2014/main" id="{55FF9082-9A8A-45AD-AA5A-65C6622A4B25}"/>
+                      </a:ext>
+                    </a:extLst>
+                  </p:cNvPr>
+                  <p:cNvSpPr>
+                    <a:spLocks noChangeArrowheads="1"/>
+                  </p:cNvSpPr>
+                  <p:nvPr/>
+                </p:nvSpPr>
+                <p:spPr bwMode="gray">
+                  <a:xfrm>
+                    <a:off x="-1893936" y="166884"/>
+                    <a:ext cx="1692000" cy="165100"/>
+                  </a:xfrm>
+                  <a:prstGeom prst="rect">
+                    <a:avLst/>
+                  </a:prstGeom>
+                  <a:noFill/>
+                  <a:ln>
+                    <a:noFill/>
+                  </a:ln>
+                  <a:effectLst/>
+                  <a:extLst>
+                    <a:ext uri="{909E8E84-426E-40DD-AFC4-6F175D3DCCD1}">
+                      <a14:hiddenFill xmlns:a14="http://schemas.microsoft.com/office/drawing/2010/main">
+                        <a:solidFill>
+                          <a:srgbClr val="C8DCF0"/>
+                        </a:solidFill>
+                      </a14:hiddenFill>
+                    </a:ext>
+                    <a:ext uri="{91240B29-F687-4F45-9708-019B960494DF}">
+                      <a14:hiddenLine xmlns:a14="http://schemas.microsoft.com/office/drawing/2010/main" w="9525" algn="ctr">
+                        <a:solidFill>
+                          <a:srgbClr val="000066"/>
+                        </a:solidFill>
+                        <a:miter lim="800000"/>
+                        <a:headEnd/>
+                        <a:tailEnd/>
+                      </a14:hiddenLine>
+                    </a:ext>
+                    <a:ext uri="{AF507438-7753-43E0-B8FC-AC1667EBCBE1}">
+                      <a14:hiddenEffects xmlns:a14="http://schemas.microsoft.com/office/drawing/2010/main">
+                        <a:effectLst>
+                          <a:outerShdw dist="35921" dir="2700000" algn="ctr" rotWithShape="0">
+                            <a:schemeClr val="bg2"/>
+                          </a:outerShdw>
+                        </a:effectLst>
+                      </a14:hiddenEffects>
+                    </a:ext>
+                  </a:extLst>
+                </p:spPr>
+                <p:txBody>
+                  <a:bodyPr wrap="square" lIns="0" tIns="0" rIns="0" bIns="0" anchor="t">
+                    <a:noAutofit/>
+                  </a:bodyPr>
+                  <a:lstStyle/>
+                  <a:p>
+                    <a:pPr>
+                      <a:lnSpc>
+                        <a:spcPct val="90000"/>
+                      </a:lnSpc>
+                      <a:spcBef>
+                        <a:spcPct val="20000"/>
+                      </a:spcBef>
+                      <a:spcAft>
+                        <a:spcPct val="20000"/>
+                      </a:spcAft>
+                    </a:pPr>
+                    <a:r>
+                      <a:rPr lang="en-GB" altLang="en-US" sz="1200" b="1">
+                        <a:solidFill>
+                          <a:srgbClr val="333333"/>
+                        </a:solidFill>
+                      </a:rPr>
+                      <a:t>Creating </a:t>
+                    </a:r>
+                    <a:br>
+                      <a:rPr lang="en-GB" altLang="en-US" sz="1200" b="1">
+                        <a:solidFill>
+                          <a:srgbClr val="333333"/>
+                        </a:solidFill>
+                      </a:rPr>
+                    </a:br>
+                    <a:r>
+                      <a:rPr lang="en-GB" altLang="en-US" sz="1200" b="1">
+                        <a:solidFill>
+                          <a:srgbClr val="333333"/>
+                        </a:solidFill>
+                      </a:rPr>
+                      <a:t>on-brand graphs</a:t>
+                    </a:r>
+                  </a:p>
+                </p:txBody>
+              </p:sp>
+            </p:grpSp>
+            <p:sp>
+              <p:nvSpPr>
+                <p:cNvPr id="45" name="Rectangle 106">
+                  <a:extLst>
+                    <a:ext uri="{FF2B5EF4-FFF2-40B4-BE49-F238E27FC236}">
+                      <a16:creationId xmlns:a16="http://schemas.microsoft.com/office/drawing/2014/main" id="{E9D5ED91-05AF-4DEC-929C-8DE1EF08461C}"/>
+                    </a:ext>
+                  </a:extLst>
+                </p:cNvPr>
+                <p:cNvSpPr>
+                  <a:spLocks noChangeArrowheads="1"/>
+                </p:cNvSpPr>
+                <p:nvPr/>
+              </p:nvSpPr>
+              <p:spPr bwMode="gray">
+                <a:xfrm>
+                  <a:off x="-1893936" y="671500"/>
+                  <a:ext cx="1658513" cy="3123466"/>
+                </a:xfrm>
+                <a:prstGeom prst="rect">
+                  <a:avLst/>
+                </a:prstGeom>
+                <a:noFill/>
+                <a:ln>
+                  <a:noFill/>
+                </a:ln>
+                <a:effectLst/>
+                <a:extLst>
+                  <a:ext uri="{909E8E84-426E-40DD-AFC4-6F175D3DCCD1}">
+                    <a14:hiddenFill xmlns:a14="http://schemas.microsoft.com/office/drawing/2010/main">
+                      <a:solidFill>
+                        <a:srgbClr val="C8DCF0"/>
+                      </a:solidFill>
+                    </a14:hiddenFill>
+                  </a:ext>
+                  <a:ext uri="{91240B29-F687-4F45-9708-019B960494DF}">
+                    <a14:hiddenLine xmlns:a14="http://schemas.microsoft.com/office/drawing/2010/main" w="9525" algn="ctr">
+                      <a:solidFill>
+                        <a:srgbClr val="000066"/>
+                      </a:solidFill>
+                      <a:miter lim="800000"/>
+                      <a:headEnd/>
+                      <a:tailEnd/>
+                    </a14:hiddenLine>
+                  </a:ext>
+                  <a:ext uri="{AF507438-7753-43E0-B8FC-AC1667EBCBE1}">
+                    <a14:hiddenEffects xmlns:a14="http://schemas.microsoft.com/office/drawing/2010/main">
+                      <a:effectLst>
+                        <a:outerShdw dist="35921" dir="2700000" algn="ctr" rotWithShape="0">
+                          <a:schemeClr val="bg2"/>
+                        </a:outerShdw>
+                      </a:effectLst>
+                    </a14:hiddenEffects>
+                  </a:ext>
+                </a:extLst>
+              </p:spPr>
+              <p:txBody>
+                <a:bodyPr wrap="square" lIns="0" tIns="0" rIns="0" bIns="0" anchor="t">
+                  <a:noAutofit/>
+                </a:bodyPr>
+                <a:lstStyle/>
+                <a:p>
+                  <a:pPr>
+                    <a:spcBef>
+                      <a:spcPct val="20000"/>
+                    </a:spcBef>
+                    <a:spcAft>
+                      <a:spcPct val="20000"/>
+                    </a:spcAft>
+                  </a:pPr>
+                  <a:r>
+                    <a:rPr lang="en-US" altLang="en-US" sz="1000" b="0"/>
+                    <a:t>Create your own graphs much easier and on brand by using graph templates.</a:t>
+                  </a:r>
+                  <a:br>
+                    <a:rPr lang="en-US" altLang="en-US" sz="1000" b="0"/>
+                  </a:br>
+                  <a:br>
+                    <a:rPr lang="en-US" altLang="en-US" sz="1000" b="0"/>
+                  </a:br>
+                  <a:r>
+                    <a:rPr lang="en-US" altLang="en-US" sz="1000" b="0"/>
+                    <a:t>After you click on the graph icon on your template slide, </a:t>
+                  </a:r>
+                  <a:br>
+                    <a:rPr lang="en-US" altLang="en-US" sz="1000" b="0"/>
+                  </a:br>
+                  <a:br>
+                    <a:rPr lang="en-US" altLang="en-US" sz="1000" b="0"/>
+                  </a:br>
+                  <a:br>
+                    <a:rPr lang="en-US" altLang="en-US" sz="1000" b="0"/>
+                  </a:br>
+                  <a:br>
+                    <a:rPr lang="en-US" altLang="en-US" sz="1000" b="0"/>
+                  </a:br>
+                  <a:br>
+                    <a:rPr lang="en-US" altLang="en-US" sz="1000" b="0"/>
+                  </a:br>
+                  <a:br>
+                    <a:rPr lang="en-US" altLang="en-US" sz="1000" b="0"/>
+                  </a:br>
+                  <a:br>
+                    <a:rPr lang="en-US" altLang="en-US" sz="1000" b="0"/>
+                  </a:br>
+                  <a:br>
+                    <a:rPr lang="en-US" altLang="en-US" sz="1000" b="0"/>
+                  </a:br>
+                  <a:br>
+                    <a:rPr lang="en-US" altLang="en-US" sz="1000" b="0"/>
+                  </a:br>
+                  <a:r>
+                    <a:rPr lang="en-US" altLang="en-US" sz="1000" b="0"/>
+                    <a:t>click on ‘Templates’ in the dialogue window that appears. There you can choose a graph template to create an on-brand graph.</a:t>
+                  </a:r>
+                </a:p>
+              </p:txBody>
+            </p:sp>
+          </p:grpSp>
+          <p:pic>
+            <p:nvPicPr>
+              <p:cNvPr id="43" name="Picture 42">
+                <a:extLst>
+                  <a:ext uri="{FF2B5EF4-FFF2-40B4-BE49-F238E27FC236}">
+                    <a16:creationId xmlns:a16="http://schemas.microsoft.com/office/drawing/2014/main" id="{28AADD23-D330-4589-8B81-8B8CEAA82A60}"/>
+                  </a:ext>
+                </a:extLst>
+              </p:cNvPr>
+              <p:cNvPicPr>
+                <a:picLocks noChangeAspect="1"/>
+              </p:cNvPicPr>
+              <p:nvPr/>
+            </p:nvPicPr>
+            <p:blipFill>
+              <a:blip r:embed="rId2"/>
+              <a:srcRect/>
+              <a:stretch/>
+            </p:blipFill>
+            <p:spPr>
+              <a:xfrm>
+                <a:off x="-1893936" y="1754883"/>
+                <a:ext cx="1046211" cy="788945"/>
+              </a:xfrm>
+              <a:prstGeom prst="rect">
+                <a:avLst/>
+              </a:prstGeom>
+            </p:spPr>
+          </p:pic>
+        </p:grpSp>
+        <p:sp>
+          <p:nvSpPr>
+            <p:cNvPr id="41" name="Rectangle 40">
+              <a:extLst>
+                <a:ext uri="{FF2B5EF4-FFF2-40B4-BE49-F238E27FC236}">
+                  <a16:creationId xmlns:a16="http://schemas.microsoft.com/office/drawing/2014/main" id="{A9FFDADA-1ECF-47A4-AB70-A5A3A174B857}"/>
+                </a:ext>
+              </a:extLst>
+            </p:cNvPr>
+            <p:cNvSpPr/>
+            <p:nvPr/>
+          </p:nvSpPr>
+          <p:spPr>
+            <a:xfrm>
+              <a:off x="-1526400" y="1821459"/>
+              <a:ext cx="302400" cy="297544"/>
+            </a:xfrm>
+            <a:prstGeom prst="rect">
+              <a:avLst/>
+            </a:prstGeom>
+            <a:noFill/>
+            <a:ln w="19050">
+              <a:solidFill>
+                <a:schemeClr val="tx2"/>
+              </a:solidFill>
+            </a:ln>
+          </p:spPr>
+          <p:style>
+            <a:lnRef idx="2">
+              <a:schemeClr val="accent1">
+                <a:shade val="50000"/>
+              </a:schemeClr>
+            </a:lnRef>
+            <a:fillRef idx="1">
+              <a:schemeClr val="accent1"/>
+            </a:fillRef>
+            <a:effectRef idx="0">
+              <a:schemeClr val="accent1"/>
+            </a:effectRef>
+            <a:fontRef idx="minor">
+              <a:schemeClr val="lt1"/>
+            </a:fontRef>
+          </p:style>
+          <p:txBody>
+            <a:bodyPr rot="0" spcFirstLastPara="0" vertOverflow="overflow" horzOverflow="overflow" vert="horz" wrap="square" lIns="36000" tIns="36000" rIns="36000" bIns="36000" numCol="1" spcCol="0" rtlCol="0" fromWordArt="0" anchor="t" anchorCtr="0" forceAA="0" compatLnSpc="1">
+              <a:prstTxWarp prst="textNoShape">
+                <a:avLst/>
+              </a:prstTxWarp>
+              <a:noAutofit/>
+            </a:bodyPr>
+            <a:lstStyle/>
+            <a:p>
+              <a:pPr algn="ctr">
+                <a:lnSpc>
+                  <a:spcPct val="90000"/>
+                </a:lnSpc>
+              </a:pPr>
+              <a:endParaRPr lang="en-US" sz="1600" err="1">
+                <a:solidFill>
+                  <a:schemeClr val="tx1"/>
+                </a:solidFill>
+              </a:endParaRPr>
+            </a:p>
+          </p:txBody>
+        </p:sp>
+      </p:grpSp>
+      <p:sp>
+        <p:nvSpPr>
+          <p:cNvPr id="13" name="Title 1">
+            <a:extLst>
+              <a:ext uri="{FF2B5EF4-FFF2-40B4-BE49-F238E27FC236}">
+                <a16:creationId xmlns:a16="http://schemas.microsoft.com/office/drawing/2014/main" id="{FAD63790-216B-7749-B44D-3D937C8BF986}"/>
+              </a:ext>
+            </a:extLst>
+          </p:cNvPr>
+          <p:cNvSpPr>
+            <a:spLocks noGrp="1"/>
+          </p:cNvSpPr>
+          <p:nvPr>
+            <p:ph type="title"/>
+          </p:nvPr>
+        </p:nvSpPr>
+        <p:spPr>
+          <a:xfrm>
+            <a:off x="659008" y="325235"/>
+            <a:ext cx="10873955" cy="817244"/>
+          </a:xfrm>
+        </p:spPr>
+        <p:txBody>
+          <a:bodyPr/>
+          <a:lstStyle>
+            <a:lvl1pPr>
+              <a:defRPr>
+                <a:solidFill>
+                  <a:schemeClr val="tx2"/>
+                </a:solidFill>
+              </a:defRPr>
+            </a:lvl1pPr>
+          </a:lstStyle>
+          <a:p>
+            <a:r>
+              <a:rPr lang="en-US"/>
+              <a:t>Click to edit Master title style</a:t>
+            </a:r>
+            <a:endParaRPr lang="en-GB"/>
+          </a:p>
+        </p:txBody>
+      </p:sp>
+      <p:sp>
+        <p:nvSpPr>
+          <p:cNvPr id="2" name="Text Placeholder 2">
+            <a:extLst>
+              <a:ext uri="{FF2B5EF4-FFF2-40B4-BE49-F238E27FC236}">
+                <a16:creationId xmlns:a16="http://schemas.microsoft.com/office/drawing/2014/main" id="{77E54A91-D437-3857-7445-3BF67D7A6850}"/>
+              </a:ext>
+            </a:extLst>
+          </p:cNvPr>
+          <p:cNvSpPr>
+            <a:spLocks noGrp="1"/>
+          </p:cNvSpPr>
+          <p:nvPr>
+            <p:ph idx="1" hasCustomPrompt="1"/>
+          </p:nvPr>
+        </p:nvSpPr>
+        <p:spPr bwMode="gray">
+          <a:xfrm>
+            <a:off x="659008" y="1754883"/>
+            <a:ext cx="10875600" cy="4777882"/>
+          </a:xfrm>
+          <a:prstGeom prst="rect">
+            <a:avLst/>
+          </a:prstGeom>
+        </p:spPr>
+        <p:txBody>
+          <a:bodyPr vert="horz" lIns="0" tIns="0" rIns="0" bIns="0" rtlCol="0">
+            <a:noAutofit/>
+          </a:bodyPr>
+          <a:lstStyle>
+            <a:lvl1pPr>
+              <a:defRPr/>
+            </a:lvl1pPr>
+            <a:lvl2pPr>
+              <a:defRPr/>
+            </a:lvl2pPr>
+            <a:lvl3pPr>
+              <a:defRPr/>
+            </a:lvl3pPr>
+            <a:lvl4pPr>
+              <a:defRPr/>
+            </a:lvl4pPr>
+            <a:lvl5pPr>
+              <a:defRPr/>
+            </a:lvl5pPr>
+          </a:lstStyle>
+          <a:p>
+            <a:pPr lvl="0"/>
+            <a:r>
+              <a:rPr lang="en-GB" noProof="0"/>
+              <a:t>Click to add text</a:t>
+            </a:r>
+          </a:p>
+          <a:p>
+            <a:pPr lvl="1"/>
+            <a:r>
+              <a:rPr lang="en-GB" noProof="0"/>
+              <a:t>Second level</a:t>
+            </a:r>
+          </a:p>
+          <a:p>
+            <a:pPr lvl="2"/>
+            <a:r>
+              <a:rPr lang="en-GB" noProof="0"/>
+              <a:t>Third level</a:t>
+            </a:r>
+          </a:p>
+          <a:p>
+            <a:pPr lvl="3"/>
+            <a:r>
+              <a:rPr lang="en-GB" noProof="0"/>
+              <a:t>Fourth level</a:t>
+            </a:r>
+          </a:p>
+          <a:p>
+            <a:pPr lvl="4"/>
+            <a:r>
+              <a:rPr lang="en-GB" noProof="0"/>
+              <a:t>Fifth level</a:t>
+            </a:r>
+          </a:p>
+        </p:txBody>
+      </p:sp>
+    </p:spTree>
+    <p:extLst>
+      <p:ext uri="{BB962C8B-B14F-4D97-AF65-F5344CB8AC3E}">
+        <p14:creationId xmlns:p14="http://schemas.microsoft.com/office/powerpoint/2010/main" val="3149630540"/>
+      </p:ext>
+    </p:extLst>
+  </p:cSld>
+  <p:clrMapOvr>
+    <a:masterClrMapping/>
+  </p:clrMapOvr>
+  <p:extLst>
+    <p:ext uri="{DCECCB84-F9BA-43D5-87BE-67443E8EF086}">
+      <p15:sldGuideLst xmlns:p15="http://schemas.microsoft.com/office/powerpoint/2012/main">
+        <p15:guide id="1" pos="2558">
+          <p15:clr>
+            <a:srgbClr val="FBAE40"/>
+          </p15:clr>
+        </p15:guide>
+        <p15:guide id="2" pos="2770">
+          <p15:clr>
+            <a:srgbClr val="FBAE40"/>
+          </p15:clr>
+        </p15:guide>
+        <p15:guide id="3" pos="4910">
+          <p15:clr>
+            <a:srgbClr val="FBAE40"/>
+          </p15:clr>
+        </p15:guide>
+        <p15:guide id="4" pos="5122">
+          <p15:clr>
+            <a:srgbClr val="FBAE40"/>
+          </p15:clr>
+        </p15:guide>
+        <p15:guide id="5" orient="horz" pos="2240">
+          <p15:clr>
+            <a:srgbClr val="FBAE40"/>
+          </p15:clr>
+        </p15:guide>
+        <p15:guide id="6" orient="horz" pos="2392">
+          <p15:clr>
+            <a:srgbClr val="FBAE40"/>
+          </p15:clr>
+        </p15:guide>
+      </p15:sldGuideLst>
+    </p:ext>
+  </p:extLst>
+</p:sldLayout>
+</file>
+
+<file path=ppt/slideLayouts/slideLayout14.xml><?xml version="1.0" encoding="utf-8"?>
+<p:sldLayout xmlns:a="http://schemas.openxmlformats.org/drawingml/2006/main" xmlns:r="http://schemas.openxmlformats.org/officeDocument/2006/relationships" xmlns:p="http://schemas.openxmlformats.org/presentationml/2006/main">
+  <p:cSld name="1_Chapter header picture">
+    <p:spTree>
+      <p:nvGrpSpPr>
+        <p:cNvPr id="1" name=""/>
+        <p:cNvGrpSpPr/>
+        <p:nvPr/>
+      </p:nvGrpSpPr>
+      <p:grpSpPr>
+        <a:xfrm>
+          <a:off x="0" y="0"/>
+          <a:ext cx="0" cy="0"/>
+          <a:chOff x="0" y="0"/>
+          <a:chExt cx="0" cy="0"/>
+        </a:xfrm>
+      </p:grpSpPr>
+      <p:sp>
+        <p:nvSpPr>
+          <p:cNvPr id="7" name="Picture Placeholder 42">
+            <a:extLst>
+              <a:ext uri="{FF2B5EF4-FFF2-40B4-BE49-F238E27FC236}">
+                <a16:creationId xmlns:a16="http://schemas.microsoft.com/office/drawing/2014/main" id="{C6F478FA-E472-48C9-BEDB-175C654577D2}"/>
+              </a:ext>
+            </a:extLst>
+          </p:cNvPr>
+          <p:cNvSpPr>
+            <a:spLocks noGrp="1"/>
+          </p:cNvSpPr>
+          <p:nvPr>
+            <p:ph type="pic" sz="quarter" idx="17"/>
+          </p:nvPr>
+        </p:nvSpPr>
+        <p:spPr bwMode="gray">
+          <a:xfrm flipH="1">
+            <a:off x="0" y="0"/>
+            <a:ext cx="12192000" cy="6858000"/>
+          </a:xfrm>
+          <a:prstGeom prst="rect">
+            <a:avLst/>
+          </a:prstGeom>
+          <a:solidFill>
+            <a:schemeClr val="accent2">
+              <a:lumMod val="20000"/>
+              <a:lumOff val="80000"/>
+              <a:alpha val="10000"/>
+            </a:schemeClr>
+          </a:solidFill>
+        </p:spPr>
+        <p:txBody>
+          <a:bodyPr wrap="square" lIns="2880000" tIns="36000" rIns="36000" bIns="36000" anchor="ctr" anchorCtr="0">
+            <a:noAutofit/>
+          </a:bodyPr>
+          <a:lstStyle>
+            <a:lvl1pPr algn="ctr">
+              <a:defRPr sz="1400" b="0"/>
+            </a:lvl1pPr>
+          </a:lstStyle>
+          <a:p>
+            <a:r>
+              <a:rPr lang="en-GB" noProof="0"/>
+              <a:t>Click icon to add picture</a:t>
+            </a:r>
+          </a:p>
+        </p:txBody>
+      </p:sp>
+      <p:sp>
+        <p:nvSpPr>
+          <p:cNvPr id="6" name="Title Placeholder 1"/>
+          <p:cNvSpPr>
+            <a:spLocks noGrp="1"/>
+          </p:cNvSpPr>
+          <p:nvPr>
+            <p:ph type="title" hasCustomPrompt="1"/>
+          </p:nvPr>
+        </p:nvSpPr>
+        <p:spPr bwMode="gray">
+          <a:xfrm>
+            <a:off x="658800" y="2448000"/>
+            <a:ext cx="5485801" cy="739574"/>
+          </a:xfrm>
+          <a:prstGeom prst="roundRect">
+            <a:avLst>
+              <a:gd name="adj" fmla="val 13738"/>
+            </a:avLst>
+          </a:prstGeom>
+          <a:solidFill>
+            <a:schemeClr val="tx1"/>
+          </a:solidFill>
+        </p:spPr>
+        <p:txBody>
+          <a:bodyPr vert="horz" wrap="none" lIns="108000" tIns="108000" rIns="108000" bIns="72000" rtlCol="0" anchor="t" anchorCtr="0">
+            <a:spAutoFit/>
+          </a:bodyPr>
+          <a:lstStyle>
+            <a:lvl1pPr>
+              <a:lnSpc>
+                <a:spcPct val="90000"/>
+              </a:lnSpc>
+              <a:defRPr sz="3600">
+                <a:solidFill>
+                  <a:schemeClr val="bg1"/>
+                </a:solidFill>
+              </a:defRPr>
+            </a:lvl1pPr>
+          </a:lstStyle>
+          <a:p>
+            <a:r>
+              <a:rPr lang="en-GB" noProof="0"/>
+              <a:t>Click to add chapter title</a:t>
+            </a:r>
+          </a:p>
+        </p:txBody>
+      </p:sp>
+      <p:sp>
+        <p:nvSpPr>
+          <p:cNvPr id="17" name="Text Placeholder 6">
+            <a:extLst>
+              <a:ext uri="{FF2B5EF4-FFF2-40B4-BE49-F238E27FC236}">
+                <a16:creationId xmlns:a16="http://schemas.microsoft.com/office/drawing/2014/main" id="{34E02287-585D-40F3-A1A8-FCA73640D47A}"/>
+              </a:ext>
+            </a:extLst>
+          </p:cNvPr>
+          <p:cNvSpPr>
+            <a:spLocks noGrp="1"/>
+          </p:cNvSpPr>
+          <p:nvPr>
+            <p:ph type="body" sz="quarter" idx="12" hasCustomPrompt="1"/>
+          </p:nvPr>
+        </p:nvSpPr>
+        <p:spPr bwMode="gray">
+          <a:xfrm>
+            <a:off x="990000" y="3265686"/>
+            <a:ext cx="7814741" cy="732995"/>
+          </a:xfrm>
+          <a:prstGeom prst="roundRect">
+            <a:avLst>
+              <a:gd name="adj" fmla="val 13767"/>
+            </a:avLst>
+          </a:prstGeom>
+          <a:solidFill>
+            <a:schemeClr val="tx1"/>
+          </a:solidFill>
+        </p:spPr>
+        <p:txBody>
+          <a:bodyPr wrap="none" lIns="108000" tIns="108000" rIns="108000" bIns="72000">
+            <a:spAutoFit/>
+          </a:bodyPr>
+          <a:lstStyle>
+            <a:lvl1pPr algn="l">
+              <a:lnSpc>
+                <a:spcPct val="90000"/>
+              </a:lnSpc>
+              <a:defRPr sz="3600" b="1">
+                <a:solidFill>
+                  <a:schemeClr val="bg1"/>
+                </a:solidFill>
+                <a:latin typeface="+mj-lt"/>
+              </a:defRPr>
+            </a:lvl1pPr>
+          </a:lstStyle>
+          <a:p>
+            <a:pPr lvl="0"/>
+            <a:r>
+              <a:rPr lang="en-GB" noProof="0"/>
+              <a:t>Click to add (sub)title or remove bar</a:t>
+            </a:r>
+          </a:p>
+        </p:txBody>
+      </p:sp>
+      <p:sp>
+        <p:nvSpPr>
+          <p:cNvPr id="9" name="TextBox 8">
+            <a:extLst>
+              <a:ext uri="{FF2B5EF4-FFF2-40B4-BE49-F238E27FC236}">
+                <a16:creationId xmlns:a16="http://schemas.microsoft.com/office/drawing/2014/main" id="{F8F7CF1A-99AC-42EE-A638-B3281CC1E31E}"/>
+              </a:ext>
+            </a:extLst>
+          </p:cNvPr>
+          <p:cNvSpPr txBox="1"/>
+          <p:nvPr/>
+        </p:nvSpPr>
+        <p:spPr>
+          <a:xfrm>
+            <a:off x="-2261849" y="0"/>
+            <a:ext cx="1826420" cy="3919910"/>
+          </a:xfrm>
+          <a:prstGeom prst="rect">
+            <a:avLst/>
+          </a:prstGeom>
+          <a:noFill/>
+        </p:spPr>
+        <p:txBody>
+          <a:bodyPr wrap="square" lIns="36000" tIns="36000" rIns="36000" bIns="36000" rtlCol="0">
+            <a:spAutoFit/>
+          </a:bodyPr>
+          <a:lstStyle/>
+          <a:p>
+            <a:pPr marL="0" marR="0" lvl="0" indent="0" algn="l" defTabSz="914400" rtl="0" eaLnBrk="1" fontAlgn="auto" latinLnBrk="0" hangingPunct="1">
+              <a:lnSpc>
+                <a:spcPct val="100000"/>
+              </a:lnSpc>
+              <a:spcBef>
+                <a:spcPts val="0"/>
+              </a:spcBef>
+              <a:spcAft>
+                <a:spcPts val="0"/>
+              </a:spcAft>
+              <a:buClrTx/>
+              <a:buSzTx/>
+              <a:buFont typeface="+mj-lt"/>
+              <a:buNone/>
+              <a:tabLst/>
+              <a:defRPr/>
+            </a:pPr>
+            <a:r>
+              <a:rPr lang="en-US" sz="1000" b="1">
+                <a:solidFill>
+                  <a:srgbClr val="696969"/>
+                </a:solidFill>
+              </a:rPr>
+              <a:t>Changing the photo</a:t>
+            </a:r>
+          </a:p>
+          <a:p>
+            <a:pPr marL="0" marR="0" lvl="0" indent="0" algn="l" defTabSz="914400" rtl="0" eaLnBrk="1" fontAlgn="auto" latinLnBrk="0" hangingPunct="1">
+              <a:lnSpc>
+                <a:spcPct val="100000"/>
+              </a:lnSpc>
+              <a:spcBef>
+                <a:spcPts val="0"/>
+              </a:spcBef>
+              <a:spcAft>
+                <a:spcPts val="0"/>
+              </a:spcAft>
+              <a:buClrTx/>
+              <a:buSzTx/>
+              <a:buFont typeface="+mj-lt"/>
+              <a:buNone/>
+              <a:tabLst/>
+              <a:defRPr/>
+            </a:pPr>
+            <a:endParaRPr lang="en-US" sz="1000" b="0">
+              <a:solidFill>
+                <a:srgbClr val="696969"/>
+              </a:solidFill>
+            </a:endParaRPr>
+          </a:p>
+          <a:p>
+            <a:pPr marL="0" marR="0" lvl="0" indent="0" algn="l" defTabSz="914400" rtl="0" eaLnBrk="1" fontAlgn="auto" latinLnBrk="0" hangingPunct="1">
+              <a:lnSpc>
+                <a:spcPct val="100000"/>
+              </a:lnSpc>
+              <a:spcBef>
+                <a:spcPts val="0"/>
+              </a:spcBef>
+              <a:spcAft>
+                <a:spcPts val="0"/>
+              </a:spcAft>
+              <a:buClrTx/>
+              <a:buSzTx/>
+              <a:buFontTx/>
+              <a:buNone/>
+              <a:tabLst/>
+              <a:defRPr/>
+            </a:pPr>
+            <a:r>
+              <a:rPr lang="en-US" sz="1000" b="0">
+                <a:solidFill>
+                  <a:srgbClr val="696969"/>
+                </a:solidFill>
+              </a:rPr>
+              <a:t>- Click on the existing photo, and choose 'Cut' via the right mouse button.</a:t>
+            </a:r>
+          </a:p>
+          <a:p>
+            <a:pPr marL="0" marR="0" lvl="0" indent="0" algn="l" defTabSz="914400" rtl="0" eaLnBrk="1" fontAlgn="auto" latinLnBrk="0" hangingPunct="1">
+              <a:lnSpc>
+                <a:spcPct val="100000"/>
+              </a:lnSpc>
+              <a:spcBef>
+                <a:spcPts val="0"/>
+              </a:spcBef>
+              <a:spcAft>
+                <a:spcPts val="0"/>
+              </a:spcAft>
+              <a:buClrTx/>
+              <a:buSzTx/>
+              <a:buFont typeface="+mj-lt"/>
+              <a:buNone/>
+              <a:tabLst/>
+              <a:defRPr/>
+            </a:pPr>
+            <a:endParaRPr lang="en-US" sz="1000" b="0">
+              <a:solidFill>
+                <a:srgbClr val="696969"/>
+              </a:solidFill>
+            </a:endParaRPr>
+          </a:p>
+          <a:p>
+            <a:pPr marL="0" marR="0" lvl="0" indent="0" algn="l" defTabSz="914400" rtl="0" eaLnBrk="1" fontAlgn="auto" latinLnBrk="0" hangingPunct="1">
+              <a:lnSpc>
+                <a:spcPct val="100000"/>
+              </a:lnSpc>
+              <a:spcBef>
+                <a:spcPts val="0"/>
+              </a:spcBef>
+              <a:spcAft>
+                <a:spcPts val="0"/>
+              </a:spcAft>
+              <a:buClrTx/>
+              <a:buSzTx/>
+              <a:buFont typeface="+mj-lt"/>
+              <a:buNone/>
+              <a:tabLst/>
+              <a:defRPr/>
+            </a:pPr>
+            <a:r>
+              <a:rPr lang="en-US" sz="1000" b="0">
+                <a:solidFill>
+                  <a:srgbClr val="696969"/>
+                </a:solidFill>
+              </a:rPr>
+              <a:t>- Select a photo from the last part of the PP file 'Useful elements, example slides and photos', or download a photo from the Media box &gt; Photos on the Brand Portal (https://brandportal.ing.com).</a:t>
+            </a:r>
+          </a:p>
+          <a:p>
+            <a:pPr marL="0" marR="0" lvl="0" indent="0" algn="l" defTabSz="914400" rtl="0" eaLnBrk="1" fontAlgn="auto" latinLnBrk="0" hangingPunct="1">
+              <a:lnSpc>
+                <a:spcPct val="100000"/>
+              </a:lnSpc>
+              <a:spcBef>
+                <a:spcPts val="0"/>
+              </a:spcBef>
+              <a:spcAft>
+                <a:spcPts val="0"/>
+              </a:spcAft>
+              <a:buClrTx/>
+              <a:buSzTx/>
+              <a:buFont typeface="+mj-lt"/>
+              <a:buNone/>
+              <a:tabLst/>
+              <a:defRPr/>
+            </a:pPr>
+            <a:endParaRPr lang="en-US" sz="1000" b="0">
+              <a:solidFill>
+                <a:srgbClr val="696969"/>
+              </a:solidFill>
+            </a:endParaRPr>
+          </a:p>
+          <a:p>
+            <a:pPr marL="0" marR="0" lvl="0" indent="0" algn="l" defTabSz="914400" rtl="0" eaLnBrk="1" fontAlgn="auto" latinLnBrk="0" hangingPunct="1">
+              <a:lnSpc>
+                <a:spcPct val="100000"/>
+              </a:lnSpc>
+              <a:spcBef>
+                <a:spcPts val="0"/>
+              </a:spcBef>
+              <a:spcAft>
+                <a:spcPts val="0"/>
+              </a:spcAft>
+              <a:buClrTx/>
+              <a:buSzTx/>
+              <a:buFont typeface="+mj-lt"/>
+              <a:buNone/>
+              <a:tabLst/>
+              <a:defRPr/>
+            </a:pPr>
+            <a:r>
+              <a:rPr lang="en-US" sz="1000" b="0">
+                <a:solidFill>
+                  <a:srgbClr val="696969"/>
+                </a:solidFill>
+              </a:rPr>
+              <a:t>- Copy the big picture on your screen with </a:t>
+            </a:r>
+            <a:r>
+              <a:rPr lang="en-US" sz="1000" b="0" err="1">
+                <a:solidFill>
+                  <a:srgbClr val="696969"/>
+                </a:solidFill>
+              </a:rPr>
+              <a:t>Ctrl+C</a:t>
+            </a:r>
+            <a:r>
+              <a:rPr lang="en-US" sz="1000" b="0">
+                <a:solidFill>
+                  <a:srgbClr val="696969"/>
+                </a:solidFill>
+              </a:rPr>
+              <a:t>, go back to the image placeholder on this page, and paste the photo with </a:t>
+            </a:r>
+            <a:r>
+              <a:rPr lang="en-US" sz="1000" b="0" err="1">
+                <a:solidFill>
+                  <a:srgbClr val="696969"/>
+                </a:solidFill>
+              </a:rPr>
+              <a:t>Ctrl+V</a:t>
+            </a:r>
+            <a:r>
+              <a:rPr lang="en-US" sz="1000" b="0">
+                <a:solidFill>
+                  <a:srgbClr val="696969"/>
+                </a:solidFill>
+              </a:rPr>
+              <a:t>.</a:t>
+            </a:r>
+          </a:p>
+          <a:p>
+            <a:pPr marL="0" marR="0" lvl="0" indent="0" algn="l" defTabSz="914400" rtl="0" eaLnBrk="1" fontAlgn="auto" latinLnBrk="0" hangingPunct="1">
+              <a:lnSpc>
+                <a:spcPct val="100000"/>
+              </a:lnSpc>
+              <a:spcBef>
+                <a:spcPts val="0"/>
+              </a:spcBef>
+              <a:spcAft>
+                <a:spcPts val="0"/>
+              </a:spcAft>
+              <a:buClrTx/>
+              <a:buSzTx/>
+              <a:buFont typeface="+mj-lt"/>
+              <a:buNone/>
+              <a:tabLst/>
+              <a:defRPr/>
+            </a:pPr>
+            <a:endParaRPr lang="en-US" sz="1000" b="0">
+              <a:solidFill>
+                <a:srgbClr val="696969"/>
+              </a:solidFill>
+            </a:endParaRPr>
+          </a:p>
+          <a:p>
+            <a:pPr marL="0" marR="0" lvl="0" indent="0" algn="l" defTabSz="914400" rtl="0" eaLnBrk="1" fontAlgn="auto" latinLnBrk="0" hangingPunct="1">
+              <a:lnSpc>
+                <a:spcPct val="100000"/>
+              </a:lnSpc>
+              <a:spcBef>
+                <a:spcPts val="0"/>
+              </a:spcBef>
+              <a:spcAft>
+                <a:spcPts val="0"/>
+              </a:spcAft>
+              <a:buClrTx/>
+              <a:buSzTx/>
+              <a:buFont typeface="+mj-lt"/>
+              <a:buNone/>
+              <a:tabLst/>
+              <a:defRPr/>
+            </a:pPr>
+            <a:r>
+              <a:rPr lang="en-US" sz="1000" b="0">
+                <a:solidFill>
+                  <a:srgbClr val="696969"/>
+                </a:solidFill>
+              </a:rPr>
+              <a:t>- Finally, click on the new picture and choose 'Move to Back' via the right mouse button to show the heading bars again.</a:t>
+            </a:r>
+            <a:endParaRPr lang="en-GB" sz="1000" b="0" err="1">
+              <a:solidFill>
+                <a:srgbClr val="696969"/>
+              </a:solidFill>
+            </a:endParaRPr>
+          </a:p>
+        </p:txBody>
+      </p:sp>
+    </p:spTree>
+    <p:extLst>
+      <p:ext uri="{BB962C8B-B14F-4D97-AF65-F5344CB8AC3E}">
+        <p14:creationId xmlns:p14="http://schemas.microsoft.com/office/powerpoint/2010/main" val="3913710373"/>
+      </p:ext>
+    </p:extLst>
+  </p:cSld>
+  <p:clrMapOvr>
+    <a:masterClrMapping/>
+  </p:clrMapOvr>
+  <p:extLst>
+    <p:ext uri="{DCECCB84-F9BA-43D5-87BE-67443E8EF086}">
+      <p15:sldGuideLst xmlns:p15="http://schemas.microsoft.com/office/powerpoint/2012/main">
+        <p15:guide id="1" pos="302">
+          <p15:clr>
+            <a:srgbClr val="FBAE40"/>
+          </p15:clr>
+        </p15:guide>
+        <p15:guide id="2" orient="horz" pos="1491">
+          <p15:clr>
+            <a:srgbClr val="FBAE40"/>
+          </p15:clr>
+        </p15:guide>
+        <p15:guide id="3" orient="horz" pos="1542">
+          <p15:clr>
+            <a:srgbClr val="FBAE40"/>
+          </p15:clr>
+        </p15:guide>
+        <p15:guide id="4" orient="horz" pos="2006">
+          <p15:clr>
+            <a:srgbClr val="FBAE40"/>
+          </p15:clr>
+        </p15:guide>
+        <p15:guide id="5" orient="horz" pos="2057">
+          <p15:clr>
+            <a:srgbClr val="FBAE40"/>
+          </p15:clr>
+        </p15:guide>
+      </p15:sldGuideLst>
+    </p:ext>
+  </p:extLst>
+</p:sldLayout>
+</file>
+
+<file path=ppt/slideLayouts/slideLayout15.xml><?xml version="1.0" encoding="utf-8"?>
+<p:sldLayout xmlns:a="http://schemas.openxmlformats.org/drawingml/2006/main" xmlns:r="http://schemas.openxmlformats.org/officeDocument/2006/relationships" xmlns:p="http://schemas.openxmlformats.org/presentationml/2006/main" userDrawn="1">
+  <p:cSld name="Bullet slide">
+    <p:spTree>
+      <p:nvGrpSpPr>
+        <p:cNvPr id="1" name=""/>
+        <p:cNvGrpSpPr/>
+        <p:nvPr/>
+      </p:nvGrpSpPr>
+      <p:grpSpPr>
+        <a:xfrm>
+          <a:off x="0" y="0"/>
+          <a:ext cx="0" cy="0"/>
+          <a:chOff x="0" y="0"/>
+          <a:chExt cx="0" cy="0"/>
+        </a:xfrm>
+      </p:grpSpPr>
+      <p:sp>
+        <p:nvSpPr>
+          <p:cNvPr id="9" name="Text Placeholder 2"/>
+          <p:cNvSpPr>
+            <a:spLocks noGrp="1"/>
+          </p:cNvSpPr>
+          <p:nvPr>
+            <p:ph idx="1" hasCustomPrompt="1"/>
+          </p:nvPr>
+        </p:nvSpPr>
+        <p:spPr bwMode="gray">
+          <a:xfrm>
+            <a:off x="659008" y="1141197"/>
+            <a:ext cx="10875600" cy="5058000"/>
+          </a:xfrm>
+          <a:prstGeom prst="rect">
+            <a:avLst/>
+          </a:prstGeom>
+        </p:spPr>
+        <p:txBody>
+          <a:bodyPr vert="horz" lIns="0" tIns="0" rIns="0" bIns="0" rtlCol="0">
+            <a:noAutofit/>
+          </a:bodyPr>
+          <a:lstStyle>
+            <a:lvl1pPr marL="180000" indent="-180000">
+              <a:buClr>
+                <a:schemeClr val="accent1"/>
+              </a:buClr>
+              <a:buFontTx/>
+              <a:buBlip>
+                <a:blip r:embed="rId2"/>
+              </a:buBlip>
+              <a:defRPr/>
+            </a:lvl1pPr>
+            <a:lvl2pPr marL="360000" indent="-180000">
+              <a:buClr>
+                <a:schemeClr val="accent2"/>
+              </a:buClr>
+              <a:buFontTx/>
+              <a:buBlip>
+                <a:blip r:embed="rId3"/>
+              </a:buBlip>
+              <a:defRPr/>
+            </a:lvl2pPr>
+            <a:lvl3pPr marL="540000" indent="-180000">
+              <a:buClr>
+                <a:schemeClr val="accent3"/>
+              </a:buClr>
+              <a:buFontTx/>
+              <a:buBlip>
+                <a:blip r:embed="rId4"/>
+              </a:buBlip>
+              <a:defRPr/>
+            </a:lvl3pPr>
+            <a:lvl4pPr marL="720000" indent="-180000">
+              <a:buClr>
+                <a:schemeClr val="accent4"/>
+              </a:buClr>
+              <a:buFontTx/>
+              <a:buBlip>
+                <a:blip r:embed="rId5"/>
+              </a:buBlip>
+              <a:defRPr/>
+            </a:lvl4pPr>
+            <a:lvl5pPr marL="900000" indent="-180000">
+              <a:buClr>
+                <a:schemeClr val="accent5"/>
+              </a:buClr>
+              <a:buFontTx/>
+              <a:buBlip>
+                <a:blip r:embed="rId6"/>
+              </a:buBlip>
+              <a:defRPr/>
+            </a:lvl5pPr>
+            <a:lvl6pPr marL="1080000" indent="-180000">
+              <a:lnSpc>
+                <a:spcPct val="93000"/>
+              </a:lnSpc>
+              <a:spcBef>
+                <a:spcPts val="0"/>
+              </a:spcBef>
+              <a:buFontTx/>
+              <a:buBlip>
+                <a:blip r:embed="rId7"/>
+              </a:buBlip>
+              <a:defRPr sz="2000"/>
+            </a:lvl6pPr>
+            <a:lvl7pPr marL="1260000" indent="-180000">
+              <a:lnSpc>
+                <a:spcPct val="93000"/>
+              </a:lnSpc>
+              <a:spcBef>
+                <a:spcPts val="0"/>
+              </a:spcBef>
+              <a:buFontTx/>
+              <a:buBlip>
+                <a:blip r:embed="rId8"/>
+              </a:buBlip>
+              <a:defRPr sz="2000"/>
+            </a:lvl7pPr>
+          </a:lstStyle>
+          <a:p>
+            <a:pPr lvl="0"/>
+            <a:r>
+              <a:rPr lang="en-GB" noProof="0"/>
+              <a:t>Click to add text</a:t>
+            </a:r>
+          </a:p>
+          <a:p>
+            <a:pPr lvl="1"/>
+            <a:r>
+              <a:rPr lang="en-GB" noProof="0"/>
+              <a:t>Second level</a:t>
+            </a:r>
+          </a:p>
+          <a:p>
+            <a:pPr lvl="2"/>
+            <a:r>
+              <a:rPr lang="en-GB" noProof="0"/>
+              <a:t>Third level</a:t>
+            </a:r>
+          </a:p>
+          <a:p>
+            <a:pPr lvl="3"/>
+            <a:r>
+              <a:rPr lang="en-GB" noProof="0"/>
+              <a:t>Fourth level</a:t>
+            </a:r>
+          </a:p>
+          <a:p>
+            <a:pPr lvl="4"/>
+            <a:r>
+              <a:rPr lang="en-GB" noProof="0"/>
+              <a:t>Fifth level</a:t>
+            </a:r>
+          </a:p>
+          <a:p>
+            <a:pPr lvl="5"/>
+            <a:r>
+              <a:rPr lang="en-GB" noProof="0"/>
+              <a:t>Sixth level</a:t>
+            </a:r>
+          </a:p>
+          <a:p>
+            <a:pPr lvl="6"/>
+            <a:r>
+              <a:rPr lang="en-GB" noProof="0"/>
+              <a:t>Seventh level</a:t>
+            </a:r>
+          </a:p>
+        </p:txBody>
+      </p:sp>
+      <p:sp>
+        <p:nvSpPr>
+          <p:cNvPr id="5" name="Slide Number Placeholder 4"/>
+          <p:cNvSpPr>
+            <a:spLocks noGrp="1"/>
+          </p:cNvSpPr>
+          <p:nvPr>
+            <p:ph type="sldNum" sz="quarter" idx="11"/>
+          </p:nvPr>
+        </p:nvSpPr>
+        <p:spPr/>
+        <p:txBody>
+          <a:bodyPr/>
+          <a:lstStyle/>
+          <a:p>
+            <a:fld id="{DDD2A080-DA64-4F5C-9131-47EB793B4410}" type="slidenum">
+              <a:rPr lang="en-GB" noProof="0" smtClean="0"/>
+              <a:pPr/>
+              <a:t>‹#›</a:t>
+            </a:fld>
+            <a:endParaRPr lang="en-GB" noProof="0"/>
+          </a:p>
+        </p:txBody>
+      </p:sp>
+      <p:sp>
+        <p:nvSpPr>
+          <p:cNvPr id="3" name="Footer Placeholder 2">
+            <a:extLst>
+              <a:ext uri="{FF2B5EF4-FFF2-40B4-BE49-F238E27FC236}">
+                <a16:creationId xmlns:a16="http://schemas.microsoft.com/office/drawing/2014/main" id="{D200E7AA-C44B-426E-B459-FAE63DF6B45E}"/>
+              </a:ext>
+            </a:extLst>
+          </p:cNvPr>
+          <p:cNvSpPr>
+            <a:spLocks noGrp="1"/>
+          </p:cNvSpPr>
+          <p:nvPr>
+            <p:ph type="ftr" sz="quarter" idx="12"/>
+          </p:nvPr>
+        </p:nvSpPr>
+        <p:spPr/>
+        <p:txBody>
+          <a:bodyPr/>
+          <a:lstStyle>
+            <a:lvl1pPr>
+              <a:defRPr/>
+            </a:lvl1pPr>
+          </a:lstStyle>
+          <a:p>
+            <a:endParaRPr lang="en-GB" noProof="0"/>
+          </a:p>
+        </p:txBody>
+      </p:sp>
+      <p:sp>
+        <p:nvSpPr>
+          <p:cNvPr id="7" name="Title 6">
+            <a:extLst>
+              <a:ext uri="{FF2B5EF4-FFF2-40B4-BE49-F238E27FC236}">
+                <a16:creationId xmlns:a16="http://schemas.microsoft.com/office/drawing/2014/main" id="{572D2BF4-B73D-41D9-ABBC-BA54F524221F}"/>
+              </a:ext>
+            </a:extLst>
+          </p:cNvPr>
+          <p:cNvSpPr>
+            <a:spLocks noGrp="1"/>
+          </p:cNvSpPr>
+          <p:nvPr>
+            <p:ph type="title"/>
+          </p:nvPr>
+        </p:nvSpPr>
+        <p:spPr>
+          <a:xfrm>
+            <a:off x="659008" y="325235"/>
+            <a:ext cx="10875600" cy="817244"/>
+          </a:xfrm>
+        </p:spPr>
+        <p:txBody>
+          <a:bodyPr/>
+          <a:lstStyle/>
+          <a:p>
+            <a:r>
+              <a:rPr lang="en-US" noProof="0"/>
+              <a:t>Click to edit Master title style</a:t>
+            </a:r>
+            <a:endParaRPr lang="en-GB" noProof="0"/>
+          </a:p>
+        </p:txBody>
+      </p:sp>
+      <p:grpSp>
+        <p:nvGrpSpPr>
+          <p:cNvPr id="6" name="Group 5">
+            <a:extLst>
+              <a:ext uri="{FF2B5EF4-FFF2-40B4-BE49-F238E27FC236}">
+                <a16:creationId xmlns:a16="http://schemas.microsoft.com/office/drawing/2014/main" id="{28518AE9-A05C-440E-B9E1-876EC28E1BD0}"/>
+              </a:ext>
+            </a:extLst>
+          </p:cNvPr>
+          <p:cNvGrpSpPr/>
+          <p:nvPr userDrawn="1"/>
+        </p:nvGrpSpPr>
+        <p:grpSpPr>
+          <a:xfrm>
+            <a:off x="-2368598" y="0"/>
+            <a:ext cx="1872000" cy="4379495"/>
+            <a:chOff x="-2025698" y="0"/>
+            <a:chExt cx="1872000" cy="4379495"/>
+          </a:xfrm>
+        </p:grpSpPr>
+        <p:grpSp>
+          <p:nvGrpSpPr>
+            <p:cNvPr id="8" name="Group 7">
+              <a:extLst>
+                <a:ext uri="{FF2B5EF4-FFF2-40B4-BE49-F238E27FC236}">
+                  <a16:creationId xmlns:a16="http://schemas.microsoft.com/office/drawing/2014/main" id="{D9DF109D-A8C2-4886-80B0-048F765CAB37}"/>
+                </a:ext>
+              </a:extLst>
+            </p:cNvPr>
+            <p:cNvGrpSpPr/>
+            <p:nvPr userDrawn="1"/>
+          </p:nvGrpSpPr>
+          <p:grpSpPr>
+            <a:xfrm>
+              <a:off x="-2025698" y="0"/>
+              <a:ext cx="1872000" cy="4379495"/>
+              <a:chOff x="-2025698" y="0"/>
+              <a:chExt cx="1872000" cy="4379495"/>
+            </a:xfrm>
+          </p:grpSpPr>
+          <p:grpSp>
+            <p:nvGrpSpPr>
+              <p:cNvPr id="11" name="Group 10">
+                <a:extLst>
+                  <a:ext uri="{FF2B5EF4-FFF2-40B4-BE49-F238E27FC236}">
+                    <a16:creationId xmlns:a16="http://schemas.microsoft.com/office/drawing/2014/main" id="{0480695D-2895-4499-A20D-9E1A9EEDC854}"/>
+                  </a:ext>
+                </a:extLst>
+              </p:cNvPr>
+              <p:cNvGrpSpPr/>
+              <p:nvPr userDrawn="1"/>
+            </p:nvGrpSpPr>
+            <p:grpSpPr>
+              <a:xfrm>
+                <a:off x="-2025698" y="0"/>
+                <a:ext cx="1872000" cy="4379495"/>
+                <a:chOff x="-2025698" y="0"/>
+                <a:chExt cx="1872000" cy="4379495"/>
+              </a:xfrm>
+            </p:grpSpPr>
+            <p:grpSp>
+              <p:nvGrpSpPr>
+                <p:cNvPr id="13" name="Group 12">
+                  <a:extLst>
+                    <a:ext uri="{FF2B5EF4-FFF2-40B4-BE49-F238E27FC236}">
+                      <a16:creationId xmlns:a16="http://schemas.microsoft.com/office/drawing/2014/main" id="{8FDDD35E-C14B-4A25-8CDC-FF3D2C373200}"/>
+                    </a:ext>
+                  </a:extLst>
+                </p:cNvPr>
+                <p:cNvGrpSpPr/>
+                <p:nvPr/>
+              </p:nvGrpSpPr>
+              <p:grpSpPr>
+                <a:xfrm>
+                  <a:off x="-2025698" y="0"/>
+                  <a:ext cx="1872000" cy="4379495"/>
+                  <a:chOff x="-2025698" y="0"/>
+                  <a:chExt cx="1872000" cy="4379495"/>
+                </a:xfrm>
+              </p:grpSpPr>
+              <p:sp>
+                <p:nvSpPr>
+                  <p:cNvPr id="15" name="Rectangle 104">
+                    <a:extLst>
+                      <a:ext uri="{FF2B5EF4-FFF2-40B4-BE49-F238E27FC236}">
+                        <a16:creationId xmlns:a16="http://schemas.microsoft.com/office/drawing/2014/main" id="{D5CE5D8E-9FD9-4A5B-89EB-A650D1C27FF4}"/>
+                      </a:ext>
+                    </a:extLst>
+                  </p:cNvPr>
+                  <p:cNvSpPr>
+                    <a:spLocks noChangeArrowheads="1"/>
+                  </p:cNvSpPr>
+                  <p:nvPr/>
+                </p:nvSpPr>
+                <p:spPr bwMode="gray">
+                  <a:xfrm>
+                    <a:off x="-2025698" y="0"/>
+                    <a:ext cx="1872000" cy="4379495"/>
+                  </a:xfrm>
+                  <a:prstGeom prst="rect">
+                    <a:avLst/>
+                  </a:prstGeom>
+                  <a:solidFill>
+                    <a:srgbClr val="EAEAEA"/>
+                  </a:solidFill>
+                  <a:ln>
+                    <a:noFill/>
+                  </a:ln>
+                  <a:effectLst/>
+                </p:spPr>
+                <p:txBody>
+                  <a:bodyPr wrap="square" lIns="180000" tIns="180000" rIns="180000" bIns="180000" anchor="ctr">
+                    <a:noAutofit/>
+                  </a:bodyPr>
+                  <a:lstStyle/>
+                  <a:p>
+                    <a:endParaRPr lang="en-GB" sz="1000"/>
+                  </a:p>
+                </p:txBody>
+              </p:sp>
+              <p:sp>
+                <p:nvSpPr>
+                  <p:cNvPr id="16" name="Rectangle 113">
+                    <a:extLst>
+                      <a:ext uri="{FF2B5EF4-FFF2-40B4-BE49-F238E27FC236}">
+                        <a16:creationId xmlns:a16="http://schemas.microsoft.com/office/drawing/2014/main" id="{A06B4935-D494-4304-AC9F-CD1905ED11B3}"/>
+                      </a:ext>
+                    </a:extLst>
+                  </p:cNvPr>
+                  <p:cNvSpPr>
+                    <a:spLocks noChangeArrowheads="1"/>
+                  </p:cNvSpPr>
+                  <p:nvPr userDrawn="1"/>
+                </p:nvSpPr>
+                <p:spPr bwMode="gray">
+                  <a:xfrm>
+                    <a:off x="-1893936" y="166884"/>
+                    <a:ext cx="1692000" cy="165100"/>
+                  </a:xfrm>
+                  <a:prstGeom prst="rect">
+                    <a:avLst/>
+                  </a:prstGeom>
+                  <a:noFill/>
+                  <a:ln>
+                    <a:noFill/>
+                  </a:ln>
+                  <a:effectLst/>
+                  <a:extLst>
+                    <a:ext uri="{909E8E84-426E-40DD-AFC4-6F175D3DCCD1}">
+                      <a14:hiddenFill xmlns:a14="http://schemas.microsoft.com/office/drawing/2010/main">
+                        <a:solidFill>
+                          <a:srgbClr val="C8DCF0"/>
+                        </a:solidFill>
+                      </a14:hiddenFill>
+                    </a:ext>
+                    <a:ext uri="{91240B29-F687-4F45-9708-019B960494DF}">
+                      <a14:hiddenLine xmlns:a14="http://schemas.microsoft.com/office/drawing/2010/main" w="9525" algn="ctr">
+                        <a:solidFill>
+                          <a:srgbClr val="000066"/>
+                        </a:solidFill>
+                        <a:miter lim="800000"/>
+                        <a:headEnd/>
+                        <a:tailEnd/>
+                      </a14:hiddenLine>
+                    </a:ext>
+                    <a:ext uri="{AF507438-7753-43E0-B8FC-AC1667EBCBE1}">
+                      <a14:hiddenEffects xmlns:a14="http://schemas.microsoft.com/office/drawing/2010/main">
+                        <a:effectLst>
+                          <a:outerShdw dist="35921" dir="2700000" algn="ctr" rotWithShape="0">
+                            <a:schemeClr val="bg2"/>
+                          </a:outerShdw>
+                        </a:effectLst>
+                      </a14:hiddenEffects>
+                    </a:ext>
+                  </a:extLst>
+                </p:spPr>
+                <p:txBody>
+                  <a:bodyPr wrap="square" lIns="0" tIns="0" rIns="0" bIns="0" anchor="t">
+                    <a:noAutofit/>
+                  </a:bodyPr>
+                  <a:lstStyle/>
+                  <a:p>
+                    <a:pPr>
+                      <a:lnSpc>
+                        <a:spcPct val="90000"/>
+                      </a:lnSpc>
+                      <a:spcBef>
+                        <a:spcPct val="20000"/>
+                      </a:spcBef>
+                      <a:spcAft>
+                        <a:spcPct val="20000"/>
+                      </a:spcAft>
+                    </a:pPr>
+                    <a:r>
+                      <a:rPr lang="en-GB" altLang="en-US" sz="1200" b="1">
+                        <a:solidFill>
+                          <a:srgbClr val="333333"/>
+                        </a:solidFill>
+                      </a:rPr>
+                      <a:t>Creating </a:t>
+                    </a:r>
+                    <a:br>
+                      <a:rPr lang="en-GB" altLang="en-US" sz="1200" b="1">
+                        <a:solidFill>
+                          <a:srgbClr val="333333"/>
+                        </a:solidFill>
+                      </a:rPr>
+                    </a:br>
+                    <a:r>
+                      <a:rPr lang="en-GB" altLang="en-US" sz="1200" b="1">
+                        <a:solidFill>
+                          <a:srgbClr val="333333"/>
+                        </a:solidFill>
+                      </a:rPr>
+                      <a:t>on-brand graphs</a:t>
+                    </a:r>
+                  </a:p>
+                </p:txBody>
+              </p:sp>
+            </p:grpSp>
+            <p:sp>
+              <p:nvSpPr>
+                <p:cNvPr id="14" name="Rectangle 106">
+                  <a:extLst>
+                    <a:ext uri="{FF2B5EF4-FFF2-40B4-BE49-F238E27FC236}">
+                      <a16:creationId xmlns:a16="http://schemas.microsoft.com/office/drawing/2014/main" id="{0FBBC0EA-00FB-4241-8D08-083F6FF05DB7}"/>
+                    </a:ext>
+                  </a:extLst>
+                </p:cNvPr>
+                <p:cNvSpPr>
+                  <a:spLocks noChangeArrowheads="1"/>
+                </p:cNvSpPr>
+                <p:nvPr/>
+              </p:nvSpPr>
+              <p:spPr bwMode="gray">
+                <a:xfrm>
+                  <a:off x="-1893936" y="671500"/>
+                  <a:ext cx="1658513" cy="3123466"/>
+                </a:xfrm>
+                <a:prstGeom prst="rect">
+                  <a:avLst/>
+                </a:prstGeom>
+                <a:noFill/>
+                <a:ln>
+                  <a:noFill/>
+                </a:ln>
+                <a:effectLst/>
+                <a:extLst>
+                  <a:ext uri="{909E8E84-426E-40DD-AFC4-6F175D3DCCD1}">
+                    <a14:hiddenFill xmlns:a14="http://schemas.microsoft.com/office/drawing/2010/main">
+                      <a:solidFill>
+                        <a:srgbClr val="C8DCF0"/>
+                      </a:solidFill>
+                    </a14:hiddenFill>
+                  </a:ext>
+                  <a:ext uri="{91240B29-F687-4F45-9708-019B960494DF}">
+                    <a14:hiddenLine xmlns:a14="http://schemas.microsoft.com/office/drawing/2010/main" w="9525" algn="ctr">
+                      <a:solidFill>
+                        <a:srgbClr val="000066"/>
+                      </a:solidFill>
+                      <a:miter lim="800000"/>
+                      <a:headEnd/>
+                      <a:tailEnd/>
+                    </a14:hiddenLine>
+                  </a:ext>
+                  <a:ext uri="{AF507438-7753-43E0-B8FC-AC1667EBCBE1}">
+                    <a14:hiddenEffects xmlns:a14="http://schemas.microsoft.com/office/drawing/2010/main">
+                      <a:effectLst>
+                        <a:outerShdw dist="35921" dir="2700000" algn="ctr" rotWithShape="0">
+                          <a:schemeClr val="bg2"/>
+                        </a:outerShdw>
+                      </a:effectLst>
+                    </a14:hiddenEffects>
+                  </a:ext>
+                </a:extLst>
+              </p:spPr>
+              <p:txBody>
+                <a:bodyPr wrap="square" lIns="0" tIns="0" rIns="0" bIns="0" anchor="t">
+                  <a:noAutofit/>
+                </a:bodyPr>
+                <a:lstStyle/>
+                <a:p>
+                  <a:pPr>
+                    <a:spcBef>
+                      <a:spcPct val="20000"/>
+                    </a:spcBef>
+                    <a:spcAft>
+                      <a:spcPct val="20000"/>
+                    </a:spcAft>
+                  </a:pPr>
+                  <a:r>
+                    <a:rPr lang="en-US" altLang="en-US" sz="1000" b="0"/>
+                    <a:t>Create your own graphs much easier and on brand by using graph templates.</a:t>
+                  </a:r>
+                  <a:br>
+                    <a:rPr lang="en-US" altLang="en-US" sz="1000" b="0"/>
+                  </a:br>
+                  <a:br>
+                    <a:rPr lang="en-US" altLang="en-US" sz="1000" b="0"/>
+                  </a:br>
+                  <a:r>
+                    <a:rPr lang="en-US" altLang="en-US" sz="1000" b="0"/>
+                    <a:t>After you click on the graph icon on your template slide, </a:t>
+                  </a:r>
+                  <a:br>
+                    <a:rPr lang="en-US" altLang="en-US" sz="1000" b="0"/>
+                  </a:br>
+                  <a:br>
+                    <a:rPr lang="en-US" altLang="en-US" sz="1000" b="0"/>
+                  </a:br>
+                  <a:br>
+                    <a:rPr lang="en-US" altLang="en-US" sz="1000" b="0"/>
+                  </a:br>
+                  <a:br>
+                    <a:rPr lang="en-US" altLang="en-US" sz="1000" b="0"/>
+                  </a:br>
+                  <a:br>
+                    <a:rPr lang="en-US" altLang="en-US" sz="1000" b="0"/>
+                  </a:br>
+                  <a:br>
+                    <a:rPr lang="en-US" altLang="en-US" sz="1000" b="0"/>
+                  </a:br>
+                  <a:br>
+                    <a:rPr lang="en-US" altLang="en-US" sz="1000" b="0"/>
+                  </a:br>
+                  <a:br>
+                    <a:rPr lang="en-US" altLang="en-US" sz="1000" b="0"/>
+                  </a:br>
+                  <a:br>
+                    <a:rPr lang="en-US" altLang="en-US" sz="1000" b="0"/>
+                  </a:br>
+                  <a:r>
+                    <a:rPr lang="en-US" altLang="en-US" sz="1000" b="0"/>
+                    <a:t>click on ‘Templates’ in the dialogue window that appears. There you can choose a graph template to create an on-brand graph.</a:t>
+                  </a:r>
+                </a:p>
+              </p:txBody>
+            </p:sp>
+          </p:grpSp>
+          <p:pic>
+            <p:nvPicPr>
+              <p:cNvPr id="12" name="Picture 11">
+                <a:extLst>
+                  <a:ext uri="{FF2B5EF4-FFF2-40B4-BE49-F238E27FC236}">
+                    <a16:creationId xmlns:a16="http://schemas.microsoft.com/office/drawing/2014/main" id="{3BEBDEE9-4DE3-4572-9ED1-61CE6B32A511}"/>
+                  </a:ext>
+                </a:extLst>
+              </p:cNvPr>
+              <p:cNvPicPr>
+                <a:picLocks noChangeAspect="1"/>
+              </p:cNvPicPr>
+              <p:nvPr userDrawn="1"/>
+            </p:nvPicPr>
+            <p:blipFill>
+              <a:blip r:embed="rId9"/>
+              <a:srcRect/>
+              <a:stretch/>
+            </p:blipFill>
+            <p:spPr>
+              <a:xfrm>
+                <a:off x="-1893936" y="1754883"/>
+                <a:ext cx="1046211" cy="788945"/>
+              </a:xfrm>
+              <a:prstGeom prst="rect">
+                <a:avLst/>
+              </a:prstGeom>
+            </p:spPr>
+          </p:pic>
+        </p:grpSp>
+        <p:sp>
+          <p:nvSpPr>
+            <p:cNvPr id="10" name="Rectangle 9">
+              <a:extLst>
+                <a:ext uri="{FF2B5EF4-FFF2-40B4-BE49-F238E27FC236}">
+                  <a16:creationId xmlns:a16="http://schemas.microsoft.com/office/drawing/2014/main" id="{2FFB253F-6D46-44AA-A75D-74AAE0E0BC05}"/>
+                </a:ext>
+              </a:extLst>
+            </p:cNvPr>
+            <p:cNvSpPr/>
+            <p:nvPr userDrawn="1"/>
+          </p:nvSpPr>
+          <p:spPr>
+            <a:xfrm>
+              <a:off x="-1526400" y="1821459"/>
+              <a:ext cx="302400" cy="297544"/>
+            </a:xfrm>
+            <a:prstGeom prst="rect">
+              <a:avLst/>
+            </a:prstGeom>
+            <a:noFill/>
+            <a:ln w="19050">
+              <a:solidFill>
+                <a:schemeClr val="tx2"/>
+              </a:solidFill>
+            </a:ln>
+          </p:spPr>
+          <p:style>
+            <a:lnRef idx="2">
+              <a:schemeClr val="accent1">
+                <a:shade val="50000"/>
+              </a:schemeClr>
+            </a:lnRef>
+            <a:fillRef idx="1">
+              <a:schemeClr val="accent1"/>
+            </a:fillRef>
+            <a:effectRef idx="0">
+              <a:schemeClr val="accent1"/>
+            </a:effectRef>
+            <a:fontRef idx="minor">
+              <a:schemeClr val="lt1"/>
+            </a:fontRef>
+          </p:style>
+          <p:txBody>
+            <a:bodyPr rot="0" spcFirstLastPara="0" vertOverflow="overflow" horzOverflow="overflow" vert="horz" wrap="square" lIns="36000" tIns="36000" rIns="36000" bIns="36000" numCol="1" spcCol="0" rtlCol="0" fromWordArt="0" anchor="t" anchorCtr="0" forceAA="0" compatLnSpc="1">
+              <a:prstTxWarp prst="textNoShape">
+                <a:avLst/>
+              </a:prstTxWarp>
+              <a:noAutofit/>
+            </a:bodyPr>
+            <a:lstStyle/>
+            <a:p>
+              <a:pPr algn="ctr">
+                <a:lnSpc>
+                  <a:spcPct val="90000"/>
+                </a:lnSpc>
+              </a:pPr>
+              <a:endParaRPr lang="en-US" sz="1600" err="1">
+                <a:solidFill>
+                  <a:schemeClr val="tx1"/>
+                </a:solidFill>
+              </a:endParaRPr>
+            </a:p>
+          </p:txBody>
+        </p:sp>
+      </p:grpSp>
+    </p:spTree>
+    <p:extLst>
+      <p:ext uri="{BB962C8B-B14F-4D97-AF65-F5344CB8AC3E}">
+        <p14:creationId xmlns:p14="http://schemas.microsoft.com/office/powerpoint/2010/main" val="2501900058"/>
+      </p:ext>
+    </p:extLst>
+  </p:cSld>
+  <p:clrMapOvr>
+    <a:masterClrMapping/>
+  </p:clrMapOvr>
 </p:sldLayout>
 </file>
 
@@ -16445,6 +18913,9 @@
     <p:sldLayoutId id="2147483658" r:id="rId10"/>
     <p:sldLayoutId id="2147483659" r:id="rId11"/>
     <p:sldLayoutId id="2147483660" r:id="rId12"/>
+    <p:sldLayoutId id="2147483661" r:id="rId13"/>
+    <p:sldLayoutId id="2147483662" r:id="rId14"/>
+    <p:sldLayoutId id="2147483663" r:id="rId15"/>
   </p:sldLayoutIdLst>
   <p:txStyles>
     <p:titleStyle>
@@ -20916,6 +23387,1248 @@
 </p:sld>
 </file>
 
+<file path=ppt/slides/slide18.xml><?xml version="1.0" encoding="utf-8"?>
+<p:sld xmlns:a="http://schemas.openxmlformats.org/drawingml/2006/main" xmlns:r="http://schemas.openxmlformats.org/officeDocument/2006/relationships" xmlns:p="http://schemas.openxmlformats.org/presentationml/2006/main">
+  <p:cSld>
+    <p:spTree>
+      <p:nvGrpSpPr>
+        <p:cNvPr id="1" name="">
+          <a:extLst>
+            <a:ext uri="{FF2B5EF4-FFF2-40B4-BE49-F238E27FC236}">
+              <a16:creationId xmlns:a16="http://schemas.microsoft.com/office/drawing/2014/main" id="{690F89EA-6DA3-3422-8559-142951899E56}"/>
+            </a:ext>
+          </a:extLst>
+        </p:cNvPr>
+        <p:cNvGrpSpPr/>
+        <p:nvPr/>
+      </p:nvGrpSpPr>
+      <p:grpSpPr>
+        <a:xfrm>
+          <a:off x="0" y="0"/>
+          <a:ext cx="0" cy="0"/>
+          <a:chOff x="0" y="0"/>
+          <a:chExt cx="0" cy="0"/>
+        </a:xfrm>
+      </p:grpSpPr>
+      <p:sp>
+        <p:nvSpPr>
+          <p:cNvPr id="2" name="Title 1">
+            <a:extLst>
+              <a:ext uri="{FF2B5EF4-FFF2-40B4-BE49-F238E27FC236}">
+                <a16:creationId xmlns:a16="http://schemas.microsoft.com/office/drawing/2014/main" id="{22D1D253-1BCB-3829-760D-25023D077B77}"/>
+              </a:ext>
+            </a:extLst>
+          </p:cNvPr>
+          <p:cNvSpPr>
+            <a:spLocks noGrp="1"/>
+          </p:cNvSpPr>
+          <p:nvPr>
+            <p:ph type="title"/>
+          </p:nvPr>
+        </p:nvSpPr>
+        <p:spPr/>
+        <p:txBody>
+          <a:bodyPr/>
+          <a:lstStyle/>
+          <a:p>
+            <a:pPr>
+              <a:lnSpc>
+                <a:spcPct val="150000"/>
+              </a:lnSpc>
+            </a:pPr>
+            <a:r>
+              <a:rPr lang="en-NL" sz="2800">
+                <a:latin typeface="+mj-lt"/>
+              </a:rPr>
+              <a:t>Today’s landscape of test envs </a:t>
+            </a:r>
+            <a:r>
+              <a:rPr lang="en-NL" sz="2800"/>
+              <a:t>@ ING</a:t>
+            </a:r>
+            <a:endParaRPr lang="en-NL" sz="2800">
+              <a:latin typeface="+mj-lt"/>
+            </a:endParaRPr>
+          </a:p>
+        </p:txBody>
+      </p:sp>
+      <p:sp>
+        <p:nvSpPr>
+          <p:cNvPr id="3" name="Content Placeholder 2">
+            <a:extLst>
+              <a:ext uri="{FF2B5EF4-FFF2-40B4-BE49-F238E27FC236}">
+                <a16:creationId xmlns:a16="http://schemas.microsoft.com/office/drawing/2014/main" id="{352A6F1E-657B-93E3-70D0-B7EBEC22B3F0}"/>
+              </a:ext>
+            </a:extLst>
+          </p:cNvPr>
+          <p:cNvSpPr>
+            <a:spLocks noGrp="1"/>
+          </p:cNvSpPr>
+          <p:nvPr>
+            <p:ph idx="1"/>
+          </p:nvPr>
+        </p:nvSpPr>
+        <p:spPr>
+          <a:xfrm>
+            <a:off x="657392" y="2822713"/>
+            <a:ext cx="11298677" cy="3263142"/>
+          </a:xfrm>
+        </p:spPr>
+        <p:txBody>
+          <a:bodyPr vert="horz" lIns="0" tIns="0" rIns="0" bIns="0" rtlCol="0" anchor="t">
+            <a:normAutofit fontScale="85000" lnSpcReduction="20000"/>
+          </a:bodyPr>
+          <a:lstStyle/>
+          <a:p>
+            <a:pPr>
+              <a:lnSpc>
+                <a:spcPct val="170000"/>
+              </a:lnSpc>
+            </a:pPr>
+            <a:endParaRPr lang="en-NL"/>
+          </a:p>
+          <a:p>
+            <a:pPr>
+              <a:lnSpc>
+                <a:spcPct val="170000"/>
+              </a:lnSpc>
+            </a:pPr>
+            <a:r>
+              <a:rPr lang="en-NL">
+                <a:cs typeface="ING Me"/>
+              </a:rPr>
+              <a:t>Test strategies differ from country to country; </a:t>
+            </a:r>
+            <a:r>
+              <a:rPr lang="en-GB">
+                <a:cs typeface="ING Me"/>
+              </a:rPr>
+              <a:t>2</a:t>
+            </a:r>
+            <a:r>
+              <a:rPr lang="en-NL">
+                <a:cs typeface="ING Me"/>
+              </a:rPr>
+              <a:t> extremes of this spectrum, both with pros and cons:</a:t>
+            </a:r>
+          </a:p>
+          <a:p>
+            <a:pPr marL="636905" lvl="1" indent="-457200">
+              <a:lnSpc>
+                <a:spcPct val="170000"/>
+              </a:lnSpc>
+              <a:buFont typeface="+mj-lt"/>
+              <a:buAutoNum type="arabicPeriod"/>
+            </a:pPr>
+            <a:r>
+              <a:rPr lang="en-NL">
+                <a:cs typeface="ING Me"/>
+              </a:rPr>
+              <a:t>AUS tests using a “bank-in-a-box” (BIAB) model, with isolated and separate test </a:t>
+            </a:r>
+            <a:r>
+              <a:rPr lang="en-NL" err="1">
+                <a:cs typeface="ING Me"/>
+              </a:rPr>
+              <a:t>envs</a:t>
+            </a:r>
+            <a:r>
+              <a:rPr lang="en-NL">
+                <a:cs typeface="ING Me"/>
+              </a:rPr>
+              <a:t> for each application/project; there can be 200+ BIABs and counting.</a:t>
+            </a:r>
+          </a:p>
+          <a:p>
+            <a:pPr marL="636905" lvl="1" indent="-457200">
+              <a:lnSpc>
+                <a:spcPct val="170000"/>
+              </a:lnSpc>
+              <a:buFont typeface="+mj-lt"/>
+              <a:buAutoNum type="arabicPeriod"/>
+            </a:pPr>
+            <a:r>
+              <a:rPr lang="en-NL">
+                <a:cs typeface="ING Me"/>
+              </a:rPr>
+              <a:t>NL</a:t>
+            </a:r>
+            <a:r>
+              <a:rPr lang="en-NL" baseline="30000">
+                <a:solidFill>
+                  <a:srgbClr val="FF6200"/>
+                </a:solidFill>
+                <a:cs typeface="ING Me"/>
+              </a:rPr>
+              <a:t>*</a:t>
+            </a:r>
+            <a:r>
+              <a:rPr lang="en-NL">
+                <a:solidFill>
+                  <a:srgbClr val="FF6200"/>
+                </a:solidFill>
+                <a:cs typeface="ING Me"/>
+              </a:rPr>
+              <a:t> </a:t>
+            </a:r>
+            <a:r>
+              <a:rPr lang="en-NL">
+                <a:cs typeface="ING Me"/>
+              </a:rPr>
+              <a:t>has a single centrally shared test env for *everyone* to test their stuff</a:t>
+            </a:r>
+          </a:p>
+        </p:txBody>
+      </p:sp>
+      <p:sp>
+        <p:nvSpPr>
+          <p:cNvPr id="4" name="Rectangle 3">
+            <a:extLst>
+              <a:ext uri="{FF2B5EF4-FFF2-40B4-BE49-F238E27FC236}">
+                <a16:creationId xmlns:a16="http://schemas.microsoft.com/office/drawing/2014/main" id="{D291A240-9689-D481-8747-226F499EF258}"/>
+              </a:ext>
+            </a:extLst>
+          </p:cNvPr>
+          <p:cNvSpPr/>
+          <p:nvPr/>
+        </p:nvSpPr>
+        <p:spPr>
+          <a:xfrm>
+            <a:off x="1007165" y="2584194"/>
+            <a:ext cx="9197009" cy="221708"/>
+          </a:xfrm>
+          <a:prstGeom prst="rect">
+            <a:avLst/>
+          </a:prstGeom>
+          <a:gradFill flip="none" rotWithShape="1">
+            <a:gsLst>
+              <a:gs pos="0">
+                <a:srgbClr val="525199"/>
+              </a:gs>
+              <a:gs pos="34000">
+                <a:schemeClr val="accent1">
+                  <a:lumMod val="45000"/>
+                  <a:lumOff val="55000"/>
+                </a:schemeClr>
+              </a:gs>
+              <a:gs pos="61000">
+                <a:schemeClr val="accent1">
+                  <a:lumMod val="45000"/>
+                  <a:lumOff val="55000"/>
+                </a:schemeClr>
+              </a:gs>
+              <a:gs pos="100000">
+                <a:srgbClr val="D0D93C"/>
+              </a:gs>
+            </a:gsLst>
+            <a:lin ang="0" scaled="1"/>
+            <a:tileRect/>
+          </a:gradFill>
+          <a:ln w="6350">
+            <a:solidFill>
+              <a:srgbClr val="333333"/>
+            </a:solidFill>
+          </a:ln>
+        </p:spPr>
+        <p:style>
+          <a:lnRef idx="2">
+            <a:schemeClr val="accent1">
+              <a:shade val="50000"/>
+            </a:schemeClr>
+          </a:lnRef>
+          <a:fillRef idx="1">
+            <a:schemeClr val="accent1"/>
+          </a:fillRef>
+          <a:effectRef idx="0">
+            <a:schemeClr val="accent1"/>
+          </a:effectRef>
+          <a:fontRef idx="minor">
+            <a:schemeClr val="lt1"/>
+          </a:fontRef>
+        </p:style>
+        <p:txBody>
+          <a:bodyPr rot="0" spcFirstLastPara="0" vertOverflow="overflow" horzOverflow="overflow" vert="horz" wrap="square" lIns="36000" tIns="36000" rIns="36000" bIns="36000" numCol="1" spcCol="0" rtlCol="0" fromWordArt="0" anchor="t" anchorCtr="0" forceAA="0" compatLnSpc="1">
+            <a:prstTxWarp prst="textNoShape">
+              <a:avLst/>
+            </a:prstTxWarp>
+            <a:noAutofit/>
+          </a:bodyPr>
+          <a:lstStyle/>
+          <a:p>
+            <a:pPr algn="ctr">
+              <a:lnSpc>
+                <a:spcPct val="90000"/>
+              </a:lnSpc>
+            </a:pPr>
+            <a:endParaRPr lang="en-NL" sz="1600" err="1">
+              <a:solidFill>
+                <a:schemeClr val="tx1"/>
+              </a:solidFill>
+            </a:endParaRPr>
+          </a:p>
+        </p:txBody>
+      </p:sp>
+      <p:sp>
+        <p:nvSpPr>
+          <p:cNvPr id="5" name="Triangle 4">
+            <a:extLst>
+              <a:ext uri="{FF2B5EF4-FFF2-40B4-BE49-F238E27FC236}">
+                <a16:creationId xmlns:a16="http://schemas.microsoft.com/office/drawing/2014/main" id="{2ED977D5-7F25-D967-F87C-EDDF684E40D4}"/>
+              </a:ext>
+            </a:extLst>
+          </p:cNvPr>
+          <p:cNvSpPr/>
+          <p:nvPr/>
+        </p:nvSpPr>
+        <p:spPr>
+          <a:xfrm>
+            <a:off x="1020417" y="2327125"/>
+            <a:ext cx="304800" cy="249449"/>
+          </a:xfrm>
+          <a:prstGeom prst="triangle">
+            <a:avLst/>
+          </a:prstGeom>
+          <a:solidFill>
+            <a:srgbClr val="525199"/>
+          </a:solidFill>
+          <a:ln w="6350">
+            <a:solidFill>
+              <a:srgbClr val="525199"/>
+            </a:solidFill>
+          </a:ln>
+        </p:spPr>
+        <p:style>
+          <a:lnRef idx="2">
+            <a:schemeClr val="accent1">
+              <a:shade val="50000"/>
+            </a:schemeClr>
+          </a:lnRef>
+          <a:fillRef idx="1">
+            <a:schemeClr val="accent1"/>
+          </a:fillRef>
+          <a:effectRef idx="0">
+            <a:schemeClr val="accent1"/>
+          </a:effectRef>
+          <a:fontRef idx="minor">
+            <a:schemeClr val="lt1"/>
+          </a:fontRef>
+        </p:style>
+        <p:txBody>
+          <a:bodyPr rot="0" spcFirstLastPara="0" vertOverflow="overflow" horzOverflow="overflow" vert="horz" wrap="square" lIns="36000" tIns="36000" rIns="36000" bIns="36000" numCol="1" spcCol="0" rtlCol="0" fromWordArt="0" anchor="t" anchorCtr="0" forceAA="0" compatLnSpc="1">
+            <a:prstTxWarp prst="textNoShape">
+              <a:avLst/>
+            </a:prstTxWarp>
+            <a:noAutofit/>
+          </a:bodyPr>
+          <a:lstStyle/>
+          <a:p>
+            <a:pPr algn="ctr">
+              <a:lnSpc>
+                <a:spcPct val="90000"/>
+              </a:lnSpc>
+            </a:pPr>
+            <a:endParaRPr lang="en-NL" sz="1600" err="1">
+              <a:solidFill>
+                <a:schemeClr val="tx1"/>
+              </a:solidFill>
+            </a:endParaRPr>
+          </a:p>
+        </p:txBody>
+      </p:sp>
+      <p:sp>
+        <p:nvSpPr>
+          <p:cNvPr id="6" name="Triangle 5">
+            <a:extLst>
+              <a:ext uri="{FF2B5EF4-FFF2-40B4-BE49-F238E27FC236}">
+                <a16:creationId xmlns:a16="http://schemas.microsoft.com/office/drawing/2014/main" id="{A5E36ABA-9A54-103D-8172-B46D81741503}"/>
+              </a:ext>
+            </a:extLst>
+          </p:cNvPr>
+          <p:cNvSpPr/>
+          <p:nvPr/>
+        </p:nvSpPr>
+        <p:spPr>
+          <a:xfrm>
+            <a:off x="9899374" y="2327125"/>
+            <a:ext cx="304800" cy="249449"/>
+          </a:xfrm>
+          <a:prstGeom prst="triangle">
+            <a:avLst/>
+          </a:prstGeom>
+          <a:solidFill>
+            <a:srgbClr val="D0D93C"/>
+          </a:solidFill>
+          <a:ln w="6350">
+            <a:solidFill>
+              <a:srgbClr val="D0D93C"/>
+            </a:solidFill>
+          </a:ln>
+        </p:spPr>
+        <p:style>
+          <a:lnRef idx="2">
+            <a:schemeClr val="accent1">
+              <a:shade val="50000"/>
+            </a:schemeClr>
+          </a:lnRef>
+          <a:fillRef idx="1">
+            <a:schemeClr val="accent1"/>
+          </a:fillRef>
+          <a:effectRef idx="0">
+            <a:schemeClr val="accent1"/>
+          </a:effectRef>
+          <a:fontRef idx="minor">
+            <a:schemeClr val="lt1"/>
+          </a:fontRef>
+        </p:style>
+        <p:txBody>
+          <a:bodyPr rot="0" spcFirstLastPara="0" vertOverflow="overflow" horzOverflow="overflow" vert="horz" wrap="square" lIns="36000" tIns="36000" rIns="36000" bIns="36000" numCol="1" spcCol="0" rtlCol="0" fromWordArt="0" anchor="t" anchorCtr="0" forceAA="0" compatLnSpc="1">
+            <a:prstTxWarp prst="textNoShape">
+              <a:avLst/>
+            </a:prstTxWarp>
+            <a:noAutofit/>
+          </a:bodyPr>
+          <a:lstStyle/>
+          <a:p>
+            <a:pPr algn="ctr">
+              <a:lnSpc>
+                <a:spcPct val="90000"/>
+              </a:lnSpc>
+            </a:pPr>
+            <a:endParaRPr lang="en-NL" sz="1600" err="1">
+              <a:solidFill>
+                <a:schemeClr val="tx1"/>
+              </a:solidFill>
+            </a:endParaRPr>
+          </a:p>
+        </p:txBody>
+      </p:sp>
+      <p:sp>
+        <p:nvSpPr>
+          <p:cNvPr id="7" name="TextBox 6">
+            <a:extLst>
+              <a:ext uri="{FF2B5EF4-FFF2-40B4-BE49-F238E27FC236}">
+                <a16:creationId xmlns:a16="http://schemas.microsoft.com/office/drawing/2014/main" id="{EADC59D4-05E2-5D3A-29D6-0DFC2E231998}"/>
+              </a:ext>
+            </a:extLst>
+          </p:cNvPr>
+          <p:cNvSpPr txBox="1"/>
+          <p:nvPr/>
+        </p:nvSpPr>
+        <p:spPr>
+          <a:xfrm>
+            <a:off x="737504" y="1806724"/>
+            <a:ext cx="2337000" cy="565146"/>
+          </a:xfrm>
+          <a:prstGeom prst="rect">
+            <a:avLst/>
+          </a:prstGeom>
+          <a:noFill/>
+        </p:spPr>
+        <p:txBody>
+          <a:bodyPr wrap="square" lIns="36000" tIns="36000" rIns="36000" bIns="36000" rtlCol="0">
+            <a:spAutoFit/>
+          </a:bodyPr>
+          <a:lstStyle/>
+          <a:p>
+            <a:r>
+              <a:rPr lang="en-NL" sz="1600" b="1"/>
+              <a:t>Shared test env </a:t>
+            </a:r>
+            <a:r>
+              <a:rPr lang="en-NL" sz="1600"/>
+              <a:t>for platforms + consumers</a:t>
+            </a:r>
+          </a:p>
+        </p:txBody>
+      </p:sp>
+      <p:sp>
+        <p:nvSpPr>
+          <p:cNvPr id="8" name="TextBox 7">
+            <a:extLst>
+              <a:ext uri="{FF2B5EF4-FFF2-40B4-BE49-F238E27FC236}">
+                <a16:creationId xmlns:a16="http://schemas.microsoft.com/office/drawing/2014/main" id="{D1760CDA-52D1-6C11-ADBB-BB89917FFA78}"/>
+              </a:ext>
+            </a:extLst>
+          </p:cNvPr>
+          <p:cNvSpPr txBox="1"/>
+          <p:nvPr/>
+        </p:nvSpPr>
+        <p:spPr>
+          <a:xfrm>
+            <a:off x="8702827" y="1696020"/>
+            <a:ext cx="3002693" cy="811367"/>
+          </a:xfrm>
+          <a:prstGeom prst="rect">
+            <a:avLst/>
+          </a:prstGeom>
+          <a:noFill/>
+        </p:spPr>
+        <p:txBody>
+          <a:bodyPr wrap="square" lIns="36000" tIns="36000" rIns="36000" bIns="36000" rtlCol="0">
+            <a:spAutoFit/>
+          </a:bodyPr>
+          <a:lstStyle/>
+          <a:p>
+            <a:r>
+              <a:rPr lang="en-NL" sz="1600" b="1"/>
+              <a:t>Bank-in-a-box</a:t>
+            </a:r>
+            <a:r>
+              <a:rPr lang="en-NL" sz="1600"/>
+              <a:t>: separate test env for every project or logical deliverable</a:t>
+            </a:r>
+          </a:p>
+        </p:txBody>
+      </p:sp>
+      <p:sp>
+        <p:nvSpPr>
+          <p:cNvPr id="9" name="TextBox 8">
+            <a:extLst>
+              <a:ext uri="{FF2B5EF4-FFF2-40B4-BE49-F238E27FC236}">
+                <a16:creationId xmlns:a16="http://schemas.microsoft.com/office/drawing/2014/main" id="{5E5B4954-784C-EB5E-5348-62F1A3A59B74}"/>
+              </a:ext>
+            </a:extLst>
+          </p:cNvPr>
+          <p:cNvSpPr txBox="1"/>
+          <p:nvPr/>
+        </p:nvSpPr>
+        <p:spPr>
+          <a:xfrm>
+            <a:off x="657392" y="6388691"/>
+            <a:ext cx="7063409" cy="257369"/>
+          </a:xfrm>
+          <a:prstGeom prst="rect">
+            <a:avLst/>
+          </a:prstGeom>
+          <a:noFill/>
+        </p:spPr>
+        <p:txBody>
+          <a:bodyPr wrap="square" lIns="36000" tIns="36000" rIns="36000" bIns="36000" rtlCol="0">
+            <a:spAutoFit/>
+          </a:bodyPr>
+          <a:lstStyle/>
+          <a:p>
+            <a:r>
+              <a:rPr lang="en-NL" sz="1200">
+                <a:solidFill>
+                  <a:srgbClr val="FF6200"/>
+                </a:solidFill>
+              </a:rPr>
+              <a:t>* for the purpose of this deck, not listing all the variations in other ING EU countries</a:t>
+            </a:r>
+          </a:p>
+        </p:txBody>
+      </p:sp>
+    </p:spTree>
+    <p:extLst>
+      <p:ext uri="{BB962C8B-B14F-4D97-AF65-F5344CB8AC3E}">
+        <p14:creationId xmlns:p14="http://schemas.microsoft.com/office/powerpoint/2010/main" val="3222095246"/>
+      </p:ext>
+    </p:extLst>
+  </p:cSld>
+  <p:clrMapOvr>
+    <a:masterClrMapping/>
+  </p:clrMapOvr>
+  <p:extLst>
+    <p:ext uri="{6950BFC3-D8DA-4A85-94F7-54DA5524770B}">
+      <p188:commentRel xmlns:p188="http://schemas.microsoft.com/office/powerpoint/2018/8/main" r:id="rId2"/>
+    </p:ext>
+  </p:extLst>
+</p:sld>
+</file>
+
+<file path=ppt/slides/slide19.xml><?xml version="1.0" encoding="utf-8"?>
+<p:sld xmlns:a="http://schemas.openxmlformats.org/drawingml/2006/main" xmlns:r="http://schemas.openxmlformats.org/officeDocument/2006/relationships" xmlns:p="http://schemas.openxmlformats.org/presentationml/2006/main">
+  <p:cSld>
+    <p:spTree>
+      <p:nvGrpSpPr>
+        <p:cNvPr id="1" name="">
+          <a:extLst>
+            <a:ext uri="{FF2B5EF4-FFF2-40B4-BE49-F238E27FC236}">
+              <a16:creationId xmlns:a16="http://schemas.microsoft.com/office/drawing/2014/main" id="{FE5EC440-0464-F059-714A-2B590DE4AD66}"/>
+            </a:ext>
+          </a:extLst>
+        </p:cNvPr>
+        <p:cNvGrpSpPr/>
+        <p:nvPr/>
+      </p:nvGrpSpPr>
+      <p:grpSpPr>
+        <a:xfrm>
+          <a:off x="0" y="0"/>
+          <a:ext cx="0" cy="0"/>
+          <a:chOff x="0" y="0"/>
+          <a:chExt cx="0" cy="0"/>
+        </a:xfrm>
+      </p:grpSpPr>
+      <p:sp>
+        <p:nvSpPr>
+          <p:cNvPr id="2" name="Title 1">
+            <a:extLst>
+              <a:ext uri="{FF2B5EF4-FFF2-40B4-BE49-F238E27FC236}">
+                <a16:creationId xmlns:a16="http://schemas.microsoft.com/office/drawing/2014/main" id="{C52BAEEC-6847-AA85-E351-47351DD144E8}"/>
+              </a:ext>
+            </a:extLst>
+          </p:cNvPr>
+          <p:cNvSpPr>
+            <a:spLocks noGrp="1"/>
+          </p:cNvSpPr>
+          <p:nvPr>
+            <p:ph type="title"/>
+          </p:nvPr>
+        </p:nvSpPr>
+        <p:spPr/>
+        <p:txBody>
+          <a:bodyPr/>
+          <a:lstStyle/>
+          <a:p>
+            <a:pPr>
+              <a:lnSpc>
+                <a:spcPct val="150000"/>
+              </a:lnSpc>
+            </a:pPr>
+            <a:r>
+              <a:rPr lang="en-NL" sz="2800">
+                <a:latin typeface="+mj-lt"/>
+              </a:rPr>
+              <a:t>Pros and Cons of the shared env vs BIAB models</a:t>
+            </a:r>
+          </a:p>
+        </p:txBody>
+      </p:sp>
+      <p:graphicFrame>
+        <p:nvGraphicFramePr>
+          <p:cNvPr id="5" name="Content Placeholder 4">
+            <a:extLst>
+              <a:ext uri="{FF2B5EF4-FFF2-40B4-BE49-F238E27FC236}">
+                <a16:creationId xmlns:a16="http://schemas.microsoft.com/office/drawing/2014/main" id="{6D0CBC5E-8FD5-C751-4331-D58BBBD44340}"/>
+              </a:ext>
+            </a:extLst>
+          </p:cNvPr>
+          <p:cNvGraphicFramePr>
+            <a:graphicFrameLocks noGrp="1"/>
+          </p:cNvGraphicFramePr>
+          <p:nvPr>
+            <p:ph idx="1"/>
+          </p:nvPr>
+        </p:nvGraphicFramePr>
+        <p:xfrm>
+          <a:off x="657199" y="1470991"/>
+          <a:ext cx="10633655" cy="5165698"/>
+        </p:xfrm>
+        <a:graphic>
+          <a:graphicData uri="http://schemas.openxmlformats.org/drawingml/2006/table">
+            <a:tbl>
+              <a:tblPr firstRow="1" bandRow="1">
+                <a:tableStyleId>{5C22544A-7EE6-4342-B048-85BDC9FD1C3A}</a:tableStyleId>
+              </a:tblPr>
+              <a:tblGrid>
+                <a:gridCol w="1545422">
+                  <a:extLst>
+                    <a:ext uri="{9D8B030D-6E8A-4147-A177-3AD203B41FA5}">
+                      <a16:colId xmlns:a16="http://schemas.microsoft.com/office/drawing/2014/main" val="2684416875"/>
+                    </a:ext>
+                  </a:extLst>
+                </a:gridCol>
+                <a:gridCol w="1945309">
+                  <a:extLst>
+                    <a:ext uri="{9D8B030D-6E8A-4147-A177-3AD203B41FA5}">
+                      <a16:colId xmlns:a16="http://schemas.microsoft.com/office/drawing/2014/main" val="3611106931"/>
+                    </a:ext>
+                  </a:extLst>
+                </a:gridCol>
+                <a:gridCol w="2486041">
+                  <a:extLst>
+                    <a:ext uri="{9D8B030D-6E8A-4147-A177-3AD203B41FA5}">
+                      <a16:colId xmlns:a16="http://schemas.microsoft.com/office/drawing/2014/main" val="2821650749"/>
+                    </a:ext>
+                  </a:extLst>
+                </a:gridCol>
+                <a:gridCol w="2311246">
+                  <a:extLst>
+                    <a:ext uri="{9D8B030D-6E8A-4147-A177-3AD203B41FA5}">
+                      <a16:colId xmlns:a16="http://schemas.microsoft.com/office/drawing/2014/main" val="3888737061"/>
+                    </a:ext>
+                  </a:extLst>
+                </a:gridCol>
+                <a:gridCol w="2345637">
+                  <a:extLst>
+                    <a:ext uri="{9D8B030D-6E8A-4147-A177-3AD203B41FA5}">
+                      <a16:colId xmlns:a16="http://schemas.microsoft.com/office/drawing/2014/main" val="3167833722"/>
+                    </a:ext>
+                  </a:extLst>
+                </a:gridCol>
+              </a:tblGrid>
+              <a:tr h="359769">
+                <a:tc>
+                  <a:txBody>
+                    <a:bodyPr/>
+                    <a:lstStyle/>
+                    <a:p>
+                      <a:pPr algn="ctr"/>
+                      <a:r>
+                        <a:rPr lang="en-NL" sz="1600">
+                          <a:latin typeface="+mj-lt"/>
+                        </a:rPr>
+                        <a:t>Dimension</a:t>
+                      </a:r>
+                    </a:p>
+                  </a:txBody>
+                  <a:tcPr/>
+                </a:tc>
+                <a:tc gridSpan="2">
+                  <a:txBody>
+                    <a:bodyPr/>
+                    <a:lstStyle/>
+                    <a:p>
+                      <a:pPr algn="ctr"/>
+                      <a:r>
+                        <a:rPr lang="en-NL" sz="1600">
+                          <a:latin typeface="+mj-lt"/>
+                        </a:rPr>
+                        <a:t>Shared test env</a:t>
+                      </a:r>
+                    </a:p>
+                  </a:txBody>
+                  <a:tcPr/>
+                </a:tc>
+                <a:tc hMerge="1">
+                  <a:txBody>
+                    <a:bodyPr/>
+                    <a:lstStyle/>
+                    <a:p>
+                      <a:endParaRPr lang="en-NL"/>
+                    </a:p>
+                  </a:txBody>
+                  <a:tcPr/>
+                </a:tc>
+                <a:tc gridSpan="2">
+                  <a:txBody>
+                    <a:bodyPr/>
+                    <a:lstStyle/>
+                    <a:p>
+                      <a:pPr algn="ctr"/>
+                      <a:r>
+                        <a:rPr lang="en-NL" sz="1600">
+                          <a:latin typeface="+mj-lt"/>
+                        </a:rPr>
+                        <a:t>Bank-in-a-box (BIAB)</a:t>
+                      </a:r>
+                    </a:p>
+                  </a:txBody>
+                  <a:tcPr/>
+                </a:tc>
+                <a:tc hMerge="1">
+                  <a:txBody>
+                    <a:bodyPr/>
+                    <a:lstStyle/>
+                    <a:p>
+                      <a:endParaRPr lang="en-NL"/>
+                    </a:p>
+                  </a:txBody>
+                  <a:tcPr/>
+                </a:tc>
+                <a:extLst>
+                  <a:ext uri="{0D108BD9-81ED-4DB2-BD59-A6C34878D82A}">
+                    <a16:rowId xmlns:a16="http://schemas.microsoft.com/office/drawing/2014/main" val="2256143124"/>
+                  </a:ext>
+                </a:extLst>
+              </a:tr>
+              <a:tr h="331680">
+                <a:tc>
+                  <a:txBody>
+                    <a:bodyPr/>
+                    <a:lstStyle/>
+                    <a:p>
+                      <a:endParaRPr lang="en-NL" sz="1200" b="1">
+                        <a:latin typeface="+mj-lt"/>
+                      </a:endParaRPr>
+                    </a:p>
+                  </a:txBody>
+                  <a:tcPr/>
+                </a:tc>
+                <a:tc>
+                  <a:txBody>
+                    <a:bodyPr/>
+                    <a:lstStyle/>
+                    <a:p>
+                      <a:r>
+                        <a:rPr lang="en-NL" sz="1200" b="1">
+                          <a:latin typeface="+mj-lt"/>
+                        </a:rPr>
+                        <a:t>Pros</a:t>
+                      </a:r>
+                    </a:p>
+                  </a:txBody>
+                  <a:tcPr/>
+                </a:tc>
+                <a:tc>
+                  <a:txBody>
+                    <a:bodyPr/>
+                    <a:lstStyle/>
+                    <a:p>
+                      <a:r>
+                        <a:rPr lang="en-NL" sz="1200" b="1">
+                          <a:latin typeface="+mj-lt"/>
+                        </a:rPr>
+                        <a:t>Cons</a:t>
+                      </a:r>
+                    </a:p>
+                  </a:txBody>
+                  <a:tcPr/>
+                </a:tc>
+                <a:tc>
+                  <a:txBody>
+                    <a:bodyPr/>
+                    <a:lstStyle/>
+                    <a:p>
+                      <a:r>
+                        <a:rPr lang="en-NL" sz="1200" b="1">
+                          <a:latin typeface="+mj-lt"/>
+                        </a:rPr>
+                        <a:t>Pros</a:t>
+                      </a:r>
+                    </a:p>
+                  </a:txBody>
+                  <a:tcPr/>
+                </a:tc>
+                <a:tc>
+                  <a:txBody>
+                    <a:bodyPr/>
+                    <a:lstStyle/>
+                    <a:p>
+                      <a:r>
+                        <a:rPr lang="en-NL" sz="1200" b="1">
+                          <a:latin typeface="+mj-lt"/>
+                        </a:rPr>
+                        <a:t>Cons</a:t>
+                      </a:r>
+                    </a:p>
+                  </a:txBody>
+                  <a:tcPr/>
+                </a:tc>
+                <a:extLst>
+                  <a:ext uri="{0D108BD9-81ED-4DB2-BD59-A6C34878D82A}">
+                    <a16:rowId xmlns:a16="http://schemas.microsoft.com/office/drawing/2014/main" val="2080707249"/>
+                  </a:ext>
+                </a:extLst>
+              </a:tr>
+              <a:tr h="845102">
+                <a:tc>
+                  <a:txBody>
+                    <a:bodyPr/>
+                    <a:lstStyle/>
+                    <a:p>
+                      <a:r>
+                        <a:rPr lang="en-NL" sz="1200" b="1"/>
+                        <a:t>Flexibility</a:t>
+                      </a:r>
+                    </a:p>
+                  </a:txBody>
+                  <a:tcPr/>
+                </a:tc>
+                <a:tc>
+                  <a:txBody>
+                    <a:bodyPr/>
+                    <a:lstStyle/>
+                    <a:p>
+                      <a:r>
+                        <a:rPr lang="en-NL" sz="1200" b="1"/>
+                        <a:t>Flexible</a:t>
+                      </a:r>
+                      <a:r>
+                        <a:rPr lang="en-NL" sz="1200"/>
+                        <a:t>: </a:t>
+                      </a:r>
+                      <a:r>
+                        <a:rPr lang="en-US" sz="1200"/>
+                        <a:t>platform teams, consumers, all deploy as and when they want</a:t>
+                      </a:r>
+                      <a:endParaRPr lang="en-NL" sz="1200"/>
+                    </a:p>
+                  </a:txBody>
+                  <a:tcPr/>
+                </a:tc>
+                <a:tc>
+                  <a:txBody>
+                    <a:bodyPr/>
+                    <a:lstStyle/>
+                    <a:p>
+                      <a:endParaRPr lang="en-NL" sz="1200"/>
+                    </a:p>
+                  </a:txBody>
+                  <a:tcPr/>
+                </a:tc>
+                <a:tc>
+                  <a:txBody>
+                    <a:bodyPr/>
+                    <a:lstStyle/>
+                    <a:p>
+                      <a:r>
+                        <a:rPr lang="en-NL" sz="1200" b="1"/>
+                        <a:t>Flexible:</a:t>
+                      </a:r>
+                      <a:r>
+                        <a:rPr lang="en-NL" sz="1200"/>
+                        <a:t> Each project or team is able to move at their own pace since they can test independent of the rest.</a:t>
+                      </a:r>
+                    </a:p>
+                  </a:txBody>
+                  <a:tcPr/>
+                </a:tc>
+                <a:tc>
+                  <a:txBody>
+                    <a:bodyPr/>
+                    <a:lstStyle/>
+                    <a:p>
+                      <a:endParaRPr lang="en-NL" sz="1200"/>
+                    </a:p>
+                  </a:txBody>
+                  <a:tcPr/>
+                </a:tc>
+                <a:extLst>
+                  <a:ext uri="{0D108BD9-81ED-4DB2-BD59-A6C34878D82A}">
+                    <a16:rowId xmlns:a16="http://schemas.microsoft.com/office/drawing/2014/main" val="1049392884"/>
+                  </a:ext>
+                </a:extLst>
+              </a:tr>
+              <a:tr h="1617467">
+                <a:tc>
+                  <a:txBody>
+                    <a:bodyPr/>
+                    <a:lstStyle/>
+                    <a:p>
+                      <a:r>
+                        <a:rPr lang="en-NL" sz="1200" b="1"/>
+                        <a:t>Stability</a:t>
+                      </a:r>
+                    </a:p>
+                  </a:txBody>
+                  <a:tcPr/>
+                </a:tc>
+                <a:tc>
+                  <a:txBody>
+                    <a:bodyPr/>
+                    <a:lstStyle/>
+                    <a:p>
+                      <a:endParaRPr lang="en-NL" sz="1200"/>
+                    </a:p>
+                  </a:txBody>
+                  <a:tcPr/>
+                </a:tc>
+                <a:tc>
+                  <a:txBody>
+                    <a:bodyPr/>
+                    <a:lstStyle/>
+                    <a:p>
+                      <a:pPr marL="0" marR="0" lvl="0" indent="0" algn="l" defTabSz="914400" rtl="0" eaLnBrk="1" fontAlgn="auto" latinLnBrk="0" hangingPunct="1">
+                        <a:lnSpc>
+                          <a:spcPct val="100000"/>
+                        </a:lnSpc>
+                        <a:spcBef>
+                          <a:spcPts val="0"/>
+                        </a:spcBef>
+                        <a:spcAft>
+                          <a:spcPts val="0"/>
+                        </a:spcAft>
+                        <a:buClrTx/>
+                        <a:buSzTx/>
+                        <a:buFontTx/>
+                        <a:buNone/>
+                        <a:tabLst/>
+                        <a:defRPr/>
+                      </a:pPr>
+                      <a:r>
+                        <a:rPr lang="en-NL" sz="1200" b="1"/>
+                        <a:t>Unpredictable/chaotic</a:t>
+                      </a:r>
+                      <a:r>
+                        <a:rPr lang="en-NL" sz="1200"/>
+                        <a:t>: no guarantee of any microservice to be in stable state</a:t>
+                      </a:r>
+                    </a:p>
+                    <a:p>
+                      <a:pPr marL="0" marR="0" lvl="0" indent="0" algn="l" defTabSz="914400" rtl="0" eaLnBrk="1" fontAlgn="auto" latinLnBrk="0" hangingPunct="1">
+                        <a:lnSpc>
+                          <a:spcPct val="100000"/>
+                        </a:lnSpc>
+                        <a:spcBef>
+                          <a:spcPts val="0"/>
+                        </a:spcBef>
+                        <a:spcAft>
+                          <a:spcPts val="0"/>
+                        </a:spcAft>
+                        <a:buClrTx/>
+                        <a:buSzTx/>
+                        <a:buFontTx/>
+                        <a:buNone/>
+                        <a:tabLst/>
+                        <a:defRPr/>
+                      </a:pPr>
+                      <a:r>
+                        <a:rPr lang="en-NL" sz="1200"/>
+                        <a:t>Data is shared, and hence you can affect each other’s test data and stability.</a:t>
+                      </a:r>
+                    </a:p>
+                  </a:txBody>
+                  <a:tcPr/>
+                </a:tc>
+                <a:tc>
+                  <a:txBody>
+                    <a:bodyPr/>
+                    <a:lstStyle/>
+                    <a:p>
+                      <a:r>
+                        <a:rPr lang="en-NL" sz="1200" b="1"/>
+                        <a:t>Test data is independent</a:t>
+                      </a:r>
+                      <a:r>
+                        <a:rPr lang="en-NL" sz="1200"/>
+                        <a:t>: You know that y</a:t>
+                      </a:r>
+                      <a:r>
+                        <a:rPr lang="en-GB" sz="1200" err="1"/>
+                        <a:t>ou</a:t>
+                      </a:r>
+                      <a:r>
+                        <a:rPr lang="en-NL" sz="1200"/>
+                        <a:t>r own box is not affected by anyone else’s tests or state</a:t>
+                      </a:r>
+                    </a:p>
+                  </a:txBody>
+                  <a:tcPr/>
+                </a:tc>
+                <a:tc>
+                  <a:txBody>
+                    <a:bodyPr/>
+                    <a:lstStyle/>
+                    <a:p>
+                      <a:pPr marL="0" marR="0" lvl="0" indent="0" algn="l" defTabSz="914400" rtl="0" eaLnBrk="1" fontAlgn="auto" latinLnBrk="0" hangingPunct="1">
+                        <a:lnSpc>
+                          <a:spcPct val="100000"/>
+                        </a:lnSpc>
+                        <a:spcBef>
+                          <a:spcPts val="0"/>
+                        </a:spcBef>
+                        <a:spcAft>
+                          <a:spcPts val="0"/>
+                        </a:spcAft>
+                        <a:buClrTx/>
+                        <a:buSzTx/>
+                        <a:buFontTx/>
+                        <a:buNone/>
+                        <a:tabLst/>
+                        <a:defRPr/>
+                      </a:pPr>
+                      <a:r>
+                        <a:rPr lang="en-NL" sz="1200"/>
+                        <a:t>BIAB only as stable as the platforms’ code and bundled base data within your box.</a:t>
+                      </a:r>
+                    </a:p>
+                  </a:txBody>
+                  <a:tcPr/>
+                </a:tc>
+                <a:extLst>
+                  <a:ext uri="{0D108BD9-81ED-4DB2-BD59-A6C34878D82A}">
+                    <a16:rowId xmlns:a16="http://schemas.microsoft.com/office/drawing/2014/main" val="2222612837"/>
+                  </a:ext>
+                </a:extLst>
+              </a:tr>
+              <a:tr h="845102">
+                <a:tc>
+                  <a:txBody>
+                    <a:bodyPr/>
+                    <a:lstStyle/>
+                    <a:p>
+                      <a:r>
+                        <a:rPr lang="en-NL" sz="1200" b="1"/>
+                        <a:t>Maintainability &amp; accountability</a:t>
+                      </a:r>
+                    </a:p>
+                  </a:txBody>
+                  <a:tcPr/>
+                </a:tc>
+                <a:tc>
+                  <a:txBody>
+                    <a:bodyPr/>
+                    <a:lstStyle/>
+                    <a:p>
+                      <a:endParaRPr lang="en-NL" sz="1200"/>
+                    </a:p>
+                  </a:txBody>
+                  <a:tcPr/>
+                </a:tc>
+                <a:tc>
+                  <a:txBody>
+                    <a:bodyPr/>
+                    <a:lstStyle/>
+                    <a:p>
+                      <a:r>
+                        <a:rPr lang="en-NL" sz="1200" b="1"/>
+                        <a:t>Poor</a:t>
+                      </a:r>
+                      <a:r>
+                        <a:rPr lang="en-NL" sz="1200"/>
+                        <a:t>. No one responsible or accountable for central shared env. If the shared env is broken, it is not clear who should fix it. Time consuming to debug</a:t>
+                      </a:r>
+                    </a:p>
+                  </a:txBody>
+                  <a:tcPr/>
+                </a:tc>
+                <a:tc>
+                  <a:txBody>
+                    <a:bodyPr/>
+                    <a:lstStyle/>
+                    <a:p>
+                      <a:endParaRPr lang="en-NL" sz="1200"/>
+                    </a:p>
+                  </a:txBody>
+                  <a:tcPr/>
+                </a:tc>
+                <a:tc>
+                  <a:txBody>
+                    <a:bodyPr/>
+                    <a:lstStyle/>
+                    <a:p>
+                      <a:pPr marL="0" marR="0" lvl="0" indent="0" algn="l" defTabSz="914400" rtl="0" eaLnBrk="1" fontAlgn="auto" latinLnBrk="0" hangingPunct="1">
+                        <a:lnSpc>
+                          <a:spcPct val="100000"/>
+                        </a:lnSpc>
+                        <a:spcBef>
+                          <a:spcPts val="0"/>
+                        </a:spcBef>
+                        <a:spcAft>
+                          <a:spcPts val="0"/>
+                        </a:spcAft>
+                        <a:buClrTx/>
+                        <a:buSzTx/>
+                        <a:buFontTx/>
+                        <a:buNone/>
+                        <a:tabLst/>
+                        <a:defRPr/>
+                      </a:pPr>
+                      <a:r>
+                        <a:rPr lang="en-NL" sz="1200"/>
+                        <a:t>If the box containing 3 platforms is “broken” or unusable for a particular project, it is not clear where the problem lies and who should fix it</a:t>
+                      </a:r>
+                    </a:p>
+                  </a:txBody>
+                  <a:tcPr/>
+                </a:tc>
+                <a:extLst>
+                  <a:ext uri="{0D108BD9-81ED-4DB2-BD59-A6C34878D82A}">
+                    <a16:rowId xmlns:a16="http://schemas.microsoft.com/office/drawing/2014/main" val="1326303239"/>
+                  </a:ext>
+                </a:extLst>
+              </a:tr>
+              <a:tr h="811419">
+                <a:tc>
+                  <a:txBody>
+                    <a:bodyPr/>
+                    <a:lstStyle/>
+                    <a:p>
+                      <a:r>
+                        <a:rPr lang="en-NL" sz="1200" b="1"/>
+                        <a:t>Scalability</a:t>
+                      </a:r>
+                    </a:p>
+                  </a:txBody>
+                  <a:tcPr/>
+                </a:tc>
+                <a:tc>
+                  <a:txBody>
+                    <a:bodyPr/>
+                    <a:lstStyle/>
+                    <a:p>
+                      <a:endParaRPr lang="en-NL" sz="1200"/>
+                    </a:p>
+                  </a:txBody>
+                  <a:tcPr/>
+                </a:tc>
+                <a:tc>
+                  <a:txBody>
+                    <a:bodyPr/>
+                    <a:lstStyle/>
+                    <a:p>
+                      <a:r>
+                        <a:rPr lang="en-NL" sz="1200"/>
+                        <a:t>More microservices =&gt; more chaos</a:t>
+                      </a:r>
+                    </a:p>
+                  </a:txBody>
+                  <a:tcPr/>
+                </a:tc>
+                <a:tc>
+                  <a:txBody>
+                    <a:bodyPr/>
+                    <a:lstStyle/>
+                    <a:p>
+                      <a:endParaRPr lang="en-NL" sz="1200"/>
+                    </a:p>
+                  </a:txBody>
+                  <a:tcPr/>
+                </a:tc>
+                <a:tc>
+                  <a:txBody>
+                    <a:bodyPr/>
+                    <a:lstStyle/>
+                    <a:p>
+                      <a:pPr marL="0" marR="0" lvl="0" indent="0" algn="l" defTabSz="914400" rtl="0" eaLnBrk="1" fontAlgn="auto" latinLnBrk="0" hangingPunct="1">
+                        <a:lnSpc>
+                          <a:spcPct val="100000"/>
+                        </a:lnSpc>
+                        <a:spcBef>
+                          <a:spcPts val="0"/>
+                        </a:spcBef>
+                        <a:spcAft>
+                          <a:spcPts val="0"/>
+                        </a:spcAft>
+                        <a:buClrTx/>
+                        <a:buSzTx/>
+                        <a:buFontTx/>
+                        <a:buNone/>
+                        <a:tabLst/>
+                        <a:defRPr/>
+                      </a:pPr>
+                      <a:r>
+                        <a:rPr lang="en-GB" sz="1200"/>
+                        <a:t>Provider</a:t>
+                      </a:r>
+                      <a:r>
+                        <a:rPr lang="en-NL" sz="1200"/>
+                        <a:t> teams cannot maintain 100s of APIs across 100s of boxes – it is not realistic.</a:t>
+                      </a:r>
+                    </a:p>
+                  </a:txBody>
+                  <a:tcPr/>
+                </a:tc>
+                <a:extLst>
+                  <a:ext uri="{0D108BD9-81ED-4DB2-BD59-A6C34878D82A}">
+                    <a16:rowId xmlns:a16="http://schemas.microsoft.com/office/drawing/2014/main" val="4061193688"/>
+                  </a:ext>
+                </a:extLst>
+              </a:tr>
+            </a:tbl>
+          </a:graphicData>
+        </a:graphic>
+      </p:graphicFrame>
+    </p:spTree>
+    <p:extLst>
+      <p:ext uri="{BB962C8B-B14F-4D97-AF65-F5344CB8AC3E}">
+        <p14:creationId xmlns:p14="http://schemas.microsoft.com/office/powerpoint/2010/main" val="2957628181"/>
+      </p:ext>
+    </p:extLst>
+  </p:cSld>
+  <p:clrMapOvr>
+    <a:masterClrMapping/>
+  </p:clrMapOvr>
+  <p:extLst>
+    <p:ext uri="{6950BFC3-D8DA-4A85-94F7-54DA5524770B}">
+      <p188:commentRel xmlns:p188="http://schemas.microsoft.com/office/powerpoint/2018/8/main" r:id="rId2"/>
+    </p:ext>
+  </p:extLst>
+</p:sld>
+</file>
+
 <file path=ppt/slides/slide2.xml><?xml version="1.0" encoding="utf-8"?>
 <p:sld xmlns:a="http://schemas.openxmlformats.org/drawingml/2006/main" xmlns:r="http://schemas.openxmlformats.org/officeDocument/2006/relationships" xmlns:p="http://schemas.openxmlformats.org/presentationml/2006/main">
   <p:cSld>
@@ -23682,6 +27395,4845 @@
   <p:clrMapOvr>
     <a:masterClrMapping/>
   </p:clrMapOvr>
+</p:sld>
+</file>
+
+<file path=ppt/slides/slide20.xml><?xml version="1.0" encoding="utf-8"?>
+<p:sld xmlns:a="http://schemas.openxmlformats.org/drawingml/2006/main" xmlns:r="http://schemas.openxmlformats.org/officeDocument/2006/relationships" xmlns:p="http://schemas.openxmlformats.org/presentationml/2006/main">
+  <p:cSld>
+    <p:spTree>
+      <p:nvGrpSpPr>
+        <p:cNvPr id="1" name="">
+          <a:extLst>
+            <a:ext uri="{FF2B5EF4-FFF2-40B4-BE49-F238E27FC236}">
+              <a16:creationId xmlns:a16="http://schemas.microsoft.com/office/drawing/2014/main" id="{960DB29F-4180-1C08-B604-468E380C1CE4}"/>
+            </a:ext>
+          </a:extLst>
+        </p:cNvPr>
+        <p:cNvGrpSpPr/>
+        <p:nvPr/>
+      </p:nvGrpSpPr>
+      <p:grpSpPr>
+        <a:xfrm>
+          <a:off x="0" y="0"/>
+          <a:ext cx="0" cy="0"/>
+          <a:chOff x="0" y="0"/>
+          <a:chExt cx="0" cy="0"/>
+        </a:xfrm>
+      </p:grpSpPr>
+      <p:sp>
+        <p:nvSpPr>
+          <p:cNvPr id="2" name="Title 1">
+            <a:extLst>
+              <a:ext uri="{FF2B5EF4-FFF2-40B4-BE49-F238E27FC236}">
+                <a16:creationId xmlns:a16="http://schemas.microsoft.com/office/drawing/2014/main" id="{0BF323B9-DD6E-5D78-610B-C4649713C367}"/>
+              </a:ext>
+            </a:extLst>
+          </p:cNvPr>
+          <p:cNvSpPr>
+            <a:spLocks noGrp="1"/>
+          </p:cNvSpPr>
+          <p:nvPr>
+            <p:ph type="title"/>
+          </p:nvPr>
+        </p:nvSpPr>
+        <p:spPr/>
+        <p:txBody>
+          <a:bodyPr/>
+          <a:lstStyle/>
+          <a:p>
+            <a:pPr>
+              <a:lnSpc>
+                <a:spcPct val="150000"/>
+              </a:lnSpc>
+            </a:pPr>
+            <a:r>
+              <a:rPr lang="en-NL" sz="2800">
+                <a:latin typeface="+mj-lt"/>
+              </a:rPr>
+              <a:t>Both extremes today have limitations – how to proceed?</a:t>
+            </a:r>
+          </a:p>
+        </p:txBody>
+      </p:sp>
+      <p:sp>
+        <p:nvSpPr>
+          <p:cNvPr id="3" name="Content Placeholder 2">
+            <a:extLst>
+              <a:ext uri="{FF2B5EF4-FFF2-40B4-BE49-F238E27FC236}">
+                <a16:creationId xmlns:a16="http://schemas.microsoft.com/office/drawing/2014/main" id="{3AE6787A-BABC-3BF8-9A13-8FAF45AA9ABD}"/>
+              </a:ext>
+            </a:extLst>
+          </p:cNvPr>
+          <p:cNvSpPr>
+            <a:spLocks noGrp="1"/>
+          </p:cNvSpPr>
+          <p:nvPr>
+            <p:ph idx="1"/>
+          </p:nvPr>
+        </p:nvSpPr>
+        <p:spPr>
+          <a:xfrm>
+            <a:off x="657392" y="2822713"/>
+            <a:ext cx="11298677" cy="3263142"/>
+          </a:xfrm>
+        </p:spPr>
+        <p:txBody>
+          <a:bodyPr>
+            <a:normAutofit/>
+          </a:bodyPr>
+          <a:lstStyle/>
+          <a:p>
+            <a:pPr>
+              <a:lnSpc>
+                <a:spcPct val="170000"/>
+              </a:lnSpc>
+            </a:pPr>
+            <a:endParaRPr lang="en-NL"/>
+          </a:p>
+          <a:p>
+            <a:pPr>
+              <a:lnSpc>
+                <a:spcPct val="170000"/>
+              </a:lnSpc>
+            </a:pPr>
+            <a:r>
+              <a:rPr lang="en-US"/>
+              <a:t>Keep the current strategies at the back of our minds, and come up with some good practices that will help us be more robust and predictable.</a:t>
+            </a:r>
+            <a:endParaRPr lang="en-NL"/>
+          </a:p>
+        </p:txBody>
+      </p:sp>
+      <p:sp>
+        <p:nvSpPr>
+          <p:cNvPr id="4" name="Rectangle 3">
+            <a:extLst>
+              <a:ext uri="{FF2B5EF4-FFF2-40B4-BE49-F238E27FC236}">
+                <a16:creationId xmlns:a16="http://schemas.microsoft.com/office/drawing/2014/main" id="{6930D11D-3F43-CF6B-666F-08244EB7C097}"/>
+              </a:ext>
+            </a:extLst>
+          </p:cNvPr>
+          <p:cNvSpPr/>
+          <p:nvPr/>
+        </p:nvSpPr>
+        <p:spPr>
+          <a:xfrm>
+            <a:off x="1007165" y="2584194"/>
+            <a:ext cx="9197009" cy="221708"/>
+          </a:xfrm>
+          <a:prstGeom prst="rect">
+            <a:avLst/>
+          </a:prstGeom>
+          <a:gradFill flip="none" rotWithShape="1">
+            <a:gsLst>
+              <a:gs pos="0">
+                <a:srgbClr val="525199"/>
+              </a:gs>
+              <a:gs pos="34000">
+                <a:schemeClr val="accent1">
+                  <a:lumMod val="45000"/>
+                  <a:lumOff val="55000"/>
+                </a:schemeClr>
+              </a:gs>
+              <a:gs pos="61000">
+                <a:schemeClr val="accent1">
+                  <a:lumMod val="45000"/>
+                  <a:lumOff val="55000"/>
+                </a:schemeClr>
+              </a:gs>
+              <a:gs pos="100000">
+                <a:srgbClr val="D0D93C"/>
+              </a:gs>
+            </a:gsLst>
+            <a:lin ang="0" scaled="1"/>
+            <a:tileRect/>
+          </a:gradFill>
+          <a:ln w="6350">
+            <a:solidFill>
+              <a:srgbClr val="333333"/>
+            </a:solidFill>
+          </a:ln>
+        </p:spPr>
+        <p:style>
+          <a:lnRef idx="2">
+            <a:schemeClr val="accent1">
+              <a:shade val="50000"/>
+            </a:schemeClr>
+          </a:lnRef>
+          <a:fillRef idx="1">
+            <a:schemeClr val="accent1"/>
+          </a:fillRef>
+          <a:effectRef idx="0">
+            <a:schemeClr val="accent1"/>
+          </a:effectRef>
+          <a:fontRef idx="minor">
+            <a:schemeClr val="lt1"/>
+          </a:fontRef>
+        </p:style>
+        <p:txBody>
+          <a:bodyPr rot="0" spcFirstLastPara="0" vertOverflow="overflow" horzOverflow="overflow" vert="horz" wrap="square" lIns="36000" tIns="36000" rIns="36000" bIns="36000" numCol="1" spcCol="0" rtlCol="0" fromWordArt="0" anchor="t" anchorCtr="0" forceAA="0" compatLnSpc="1">
+            <a:prstTxWarp prst="textNoShape">
+              <a:avLst/>
+            </a:prstTxWarp>
+            <a:noAutofit/>
+          </a:bodyPr>
+          <a:lstStyle/>
+          <a:p>
+            <a:pPr algn="ctr">
+              <a:lnSpc>
+                <a:spcPct val="90000"/>
+              </a:lnSpc>
+            </a:pPr>
+            <a:endParaRPr lang="en-NL" sz="1600" err="1">
+              <a:solidFill>
+                <a:schemeClr val="tx1"/>
+              </a:solidFill>
+            </a:endParaRPr>
+          </a:p>
+        </p:txBody>
+      </p:sp>
+      <p:sp>
+        <p:nvSpPr>
+          <p:cNvPr id="5" name="Triangle 4">
+            <a:extLst>
+              <a:ext uri="{FF2B5EF4-FFF2-40B4-BE49-F238E27FC236}">
+                <a16:creationId xmlns:a16="http://schemas.microsoft.com/office/drawing/2014/main" id="{E2C2DF59-D727-0FF2-CBC0-57E5821A9FC6}"/>
+              </a:ext>
+            </a:extLst>
+          </p:cNvPr>
+          <p:cNvSpPr/>
+          <p:nvPr/>
+        </p:nvSpPr>
+        <p:spPr>
+          <a:xfrm>
+            <a:off x="1020417" y="2327125"/>
+            <a:ext cx="304800" cy="249449"/>
+          </a:xfrm>
+          <a:prstGeom prst="triangle">
+            <a:avLst/>
+          </a:prstGeom>
+          <a:solidFill>
+            <a:srgbClr val="525199"/>
+          </a:solidFill>
+          <a:ln w="6350">
+            <a:solidFill>
+              <a:srgbClr val="525199"/>
+            </a:solidFill>
+          </a:ln>
+        </p:spPr>
+        <p:style>
+          <a:lnRef idx="2">
+            <a:schemeClr val="accent1">
+              <a:shade val="50000"/>
+            </a:schemeClr>
+          </a:lnRef>
+          <a:fillRef idx="1">
+            <a:schemeClr val="accent1"/>
+          </a:fillRef>
+          <a:effectRef idx="0">
+            <a:schemeClr val="accent1"/>
+          </a:effectRef>
+          <a:fontRef idx="minor">
+            <a:schemeClr val="lt1"/>
+          </a:fontRef>
+        </p:style>
+        <p:txBody>
+          <a:bodyPr rot="0" spcFirstLastPara="0" vertOverflow="overflow" horzOverflow="overflow" vert="horz" wrap="square" lIns="36000" tIns="36000" rIns="36000" bIns="36000" numCol="1" spcCol="0" rtlCol="0" fromWordArt="0" anchor="t" anchorCtr="0" forceAA="0" compatLnSpc="1">
+            <a:prstTxWarp prst="textNoShape">
+              <a:avLst/>
+            </a:prstTxWarp>
+            <a:noAutofit/>
+          </a:bodyPr>
+          <a:lstStyle/>
+          <a:p>
+            <a:pPr algn="ctr">
+              <a:lnSpc>
+                <a:spcPct val="90000"/>
+              </a:lnSpc>
+            </a:pPr>
+            <a:endParaRPr lang="en-NL" sz="1600" err="1">
+              <a:solidFill>
+                <a:schemeClr val="tx1"/>
+              </a:solidFill>
+            </a:endParaRPr>
+          </a:p>
+        </p:txBody>
+      </p:sp>
+      <p:sp>
+        <p:nvSpPr>
+          <p:cNvPr id="6" name="Triangle 5">
+            <a:extLst>
+              <a:ext uri="{FF2B5EF4-FFF2-40B4-BE49-F238E27FC236}">
+                <a16:creationId xmlns:a16="http://schemas.microsoft.com/office/drawing/2014/main" id="{A104DF80-4BEE-511F-23A2-DBA929E96923}"/>
+              </a:ext>
+            </a:extLst>
+          </p:cNvPr>
+          <p:cNvSpPr/>
+          <p:nvPr/>
+        </p:nvSpPr>
+        <p:spPr>
+          <a:xfrm>
+            <a:off x="9899374" y="2327125"/>
+            <a:ext cx="304800" cy="249449"/>
+          </a:xfrm>
+          <a:prstGeom prst="triangle">
+            <a:avLst/>
+          </a:prstGeom>
+          <a:solidFill>
+            <a:srgbClr val="D0D93C"/>
+          </a:solidFill>
+          <a:ln w="6350">
+            <a:solidFill>
+              <a:srgbClr val="D0D93C"/>
+            </a:solidFill>
+          </a:ln>
+        </p:spPr>
+        <p:style>
+          <a:lnRef idx="2">
+            <a:schemeClr val="accent1">
+              <a:shade val="50000"/>
+            </a:schemeClr>
+          </a:lnRef>
+          <a:fillRef idx="1">
+            <a:schemeClr val="accent1"/>
+          </a:fillRef>
+          <a:effectRef idx="0">
+            <a:schemeClr val="accent1"/>
+          </a:effectRef>
+          <a:fontRef idx="minor">
+            <a:schemeClr val="lt1"/>
+          </a:fontRef>
+        </p:style>
+        <p:txBody>
+          <a:bodyPr rot="0" spcFirstLastPara="0" vertOverflow="overflow" horzOverflow="overflow" vert="horz" wrap="square" lIns="36000" tIns="36000" rIns="36000" bIns="36000" numCol="1" spcCol="0" rtlCol="0" fromWordArt="0" anchor="t" anchorCtr="0" forceAA="0" compatLnSpc="1">
+            <a:prstTxWarp prst="textNoShape">
+              <a:avLst/>
+            </a:prstTxWarp>
+            <a:noAutofit/>
+          </a:bodyPr>
+          <a:lstStyle/>
+          <a:p>
+            <a:pPr algn="ctr">
+              <a:lnSpc>
+                <a:spcPct val="90000"/>
+              </a:lnSpc>
+            </a:pPr>
+            <a:endParaRPr lang="en-NL" sz="1600" err="1">
+              <a:solidFill>
+                <a:schemeClr val="tx1"/>
+              </a:solidFill>
+            </a:endParaRPr>
+          </a:p>
+        </p:txBody>
+      </p:sp>
+      <p:sp>
+        <p:nvSpPr>
+          <p:cNvPr id="7" name="TextBox 6">
+            <a:extLst>
+              <a:ext uri="{FF2B5EF4-FFF2-40B4-BE49-F238E27FC236}">
+                <a16:creationId xmlns:a16="http://schemas.microsoft.com/office/drawing/2014/main" id="{8732334B-D40F-3E30-FD5A-0C927DD87295}"/>
+              </a:ext>
+            </a:extLst>
+          </p:cNvPr>
+          <p:cNvSpPr txBox="1"/>
+          <p:nvPr/>
+        </p:nvSpPr>
+        <p:spPr>
+          <a:xfrm>
+            <a:off x="737504" y="1806724"/>
+            <a:ext cx="2337000" cy="565146"/>
+          </a:xfrm>
+          <a:prstGeom prst="rect">
+            <a:avLst/>
+          </a:prstGeom>
+          <a:noFill/>
+        </p:spPr>
+        <p:txBody>
+          <a:bodyPr wrap="square" lIns="36000" tIns="36000" rIns="36000" bIns="36000" rtlCol="0">
+            <a:spAutoFit/>
+          </a:bodyPr>
+          <a:lstStyle/>
+          <a:p>
+            <a:r>
+              <a:rPr lang="en-NL" sz="1600" b="1"/>
+              <a:t>Shared test env </a:t>
+            </a:r>
+            <a:r>
+              <a:rPr lang="en-NL" sz="1600"/>
+              <a:t>for platforms + consumers</a:t>
+            </a:r>
+          </a:p>
+        </p:txBody>
+      </p:sp>
+      <p:sp>
+        <p:nvSpPr>
+          <p:cNvPr id="8" name="TextBox 7">
+            <a:extLst>
+              <a:ext uri="{FF2B5EF4-FFF2-40B4-BE49-F238E27FC236}">
+                <a16:creationId xmlns:a16="http://schemas.microsoft.com/office/drawing/2014/main" id="{380328BE-E78D-0E56-57CA-D66C49502485}"/>
+              </a:ext>
+            </a:extLst>
+          </p:cNvPr>
+          <p:cNvSpPr txBox="1"/>
+          <p:nvPr/>
+        </p:nvSpPr>
+        <p:spPr>
+          <a:xfrm>
+            <a:off x="8702827" y="1696020"/>
+            <a:ext cx="3002693" cy="811367"/>
+          </a:xfrm>
+          <a:prstGeom prst="rect">
+            <a:avLst/>
+          </a:prstGeom>
+          <a:noFill/>
+        </p:spPr>
+        <p:txBody>
+          <a:bodyPr wrap="square" lIns="36000" tIns="36000" rIns="36000" bIns="36000" rtlCol="0">
+            <a:spAutoFit/>
+          </a:bodyPr>
+          <a:lstStyle/>
+          <a:p>
+            <a:r>
+              <a:rPr lang="en-NL" sz="1600" b="1"/>
+              <a:t>Bank-in-a-box</a:t>
+            </a:r>
+            <a:r>
+              <a:rPr lang="en-NL" sz="1600"/>
+              <a:t>: separate test env for every project or logical deliverable</a:t>
+            </a:r>
+          </a:p>
+        </p:txBody>
+      </p:sp>
+      <p:sp>
+        <p:nvSpPr>
+          <p:cNvPr id="9" name="TextBox 8">
+            <a:extLst>
+              <a:ext uri="{FF2B5EF4-FFF2-40B4-BE49-F238E27FC236}">
+                <a16:creationId xmlns:a16="http://schemas.microsoft.com/office/drawing/2014/main" id="{BBC3E302-2B8A-135D-FC7C-5F77CAB93413}"/>
+              </a:ext>
+            </a:extLst>
+          </p:cNvPr>
+          <p:cNvSpPr txBox="1"/>
+          <p:nvPr/>
+        </p:nvSpPr>
+        <p:spPr>
+          <a:xfrm>
+            <a:off x="657392" y="6388691"/>
+            <a:ext cx="7063409" cy="257369"/>
+          </a:xfrm>
+          <a:prstGeom prst="rect">
+            <a:avLst/>
+          </a:prstGeom>
+          <a:noFill/>
+        </p:spPr>
+        <p:txBody>
+          <a:bodyPr wrap="square" lIns="36000" tIns="36000" rIns="36000" bIns="36000" rtlCol="0">
+            <a:spAutoFit/>
+          </a:bodyPr>
+          <a:lstStyle/>
+          <a:p>
+            <a:r>
+              <a:rPr lang="en-NL" sz="1200">
+                <a:solidFill>
+                  <a:srgbClr val="FF6200"/>
+                </a:solidFill>
+              </a:rPr>
+              <a:t>* - for the purpose of this deck, not listing all the variations in other ING EU countries</a:t>
+            </a:r>
+          </a:p>
+        </p:txBody>
+      </p:sp>
+      <p:pic>
+        <p:nvPicPr>
+          <p:cNvPr id="11" name="Graphic 10" descr="Dizzy face with solid fill with solid fill">
+            <a:extLst>
+              <a:ext uri="{FF2B5EF4-FFF2-40B4-BE49-F238E27FC236}">
+                <a16:creationId xmlns:a16="http://schemas.microsoft.com/office/drawing/2014/main" id="{7BCF872A-9640-A83A-B730-CCCBD1356103}"/>
+              </a:ext>
+            </a:extLst>
+          </p:cNvPr>
+          <p:cNvPicPr>
+            <a:picLocks noChangeAspect="1"/>
+          </p:cNvPicPr>
+          <p:nvPr/>
+        </p:nvPicPr>
+        <p:blipFill>
+          <a:blip r:embed="rId2">
+            <a:extLst>
+              <a:ext uri="{96DAC541-7B7A-43D3-8B79-37D633B846F1}">
+                <asvg:svgBlip xmlns:asvg="http://schemas.microsoft.com/office/drawing/2016/SVG/main" r:embed="rId3"/>
+              </a:ext>
+            </a:extLst>
+          </a:blip>
+          <a:stretch>
+            <a:fillRect/>
+          </a:stretch>
+        </p:blipFill>
+        <p:spPr>
+          <a:xfrm>
+            <a:off x="4990612" y="929009"/>
+            <a:ext cx="1805071" cy="1805071"/>
+          </a:xfrm>
+          <a:prstGeom prst="rect">
+            <a:avLst/>
+          </a:prstGeom>
+        </p:spPr>
+      </p:pic>
+    </p:spTree>
+    <p:extLst>
+      <p:ext uri="{BB962C8B-B14F-4D97-AF65-F5344CB8AC3E}">
+        <p14:creationId xmlns:p14="http://schemas.microsoft.com/office/powerpoint/2010/main" val="680569052"/>
+      </p:ext>
+    </p:extLst>
+  </p:cSld>
+  <p:clrMapOvr>
+    <a:masterClrMapping/>
+  </p:clrMapOvr>
+</p:sld>
+</file>
+
+<file path=ppt/slides/slide21.xml><?xml version="1.0" encoding="utf-8"?>
+<p:sld xmlns:a="http://schemas.openxmlformats.org/drawingml/2006/main" xmlns:r="http://schemas.openxmlformats.org/officeDocument/2006/relationships" xmlns:p="http://schemas.openxmlformats.org/presentationml/2006/main">
+  <p:cSld>
+    <p:spTree>
+      <p:nvGrpSpPr>
+        <p:cNvPr id="1" name="">
+          <a:extLst>
+            <a:ext uri="{FF2B5EF4-FFF2-40B4-BE49-F238E27FC236}">
+              <a16:creationId xmlns:a16="http://schemas.microsoft.com/office/drawing/2014/main" id="{9E3F9446-3BD4-603B-FA84-FDF289B5DD35}"/>
+            </a:ext>
+          </a:extLst>
+        </p:cNvPr>
+        <p:cNvGrpSpPr/>
+        <p:nvPr/>
+      </p:nvGrpSpPr>
+      <p:grpSpPr>
+        <a:xfrm>
+          <a:off x="0" y="0"/>
+          <a:ext cx="0" cy="0"/>
+          <a:chOff x="0" y="0"/>
+          <a:chExt cx="0" cy="0"/>
+        </a:xfrm>
+      </p:grpSpPr>
+      <p:pic>
+        <p:nvPicPr>
+          <p:cNvPr id="6" name="Picture Placeholder 5" descr="A person watering plants in a window&#10;&#10;Description automatically generated">
+            <a:extLst>
+              <a:ext uri="{FF2B5EF4-FFF2-40B4-BE49-F238E27FC236}">
+                <a16:creationId xmlns:a16="http://schemas.microsoft.com/office/drawing/2014/main" id="{1517EB22-C1CF-ECC9-2643-DD5B6A2F602B}"/>
+              </a:ext>
+            </a:extLst>
+          </p:cNvPr>
+          <p:cNvPicPr>
+            <a:picLocks noGrp="1" noChangeAspect="1"/>
+          </p:cNvPicPr>
+          <p:nvPr>
+            <p:ph type="pic" sz="quarter" idx="17"/>
+          </p:nvPr>
+        </p:nvPicPr>
+        <p:blipFill>
+          <a:blip r:embed="rId2"/>
+          <a:srcRect t="5556" b="5556"/>
+          <a:stretch>
+            <a:fillRect/>
+          </a:stretch>
+        </p:blipFill>
+        <p:spPr/>
+      </p:pic>
+      <p:sp>
+        <p:nvSpPr>
+          <p:cNvPr id="3" name="Title 2">
+            <a:extLst>
+              <a:ext uri="{FF2B5EF4-FFF2-40B4-BE49-F238E27FC236}">
+                <a16:creationId xmlns:a16="http://schemas.microsoft.com/office/drawing/2014/main" id="{912BF2E8-6283-A97E-2A91-2A0DF03D96A6}"/>
+              </a:ext>
+            </a:extLst>
+          </p:cNvPr>
+          <p:cNvSpPr>
+            <a:spLocks noGrp="1"/>
+          </p:cNvSpPr>
+          <p:nvPr>
+            <p:ph type="title"/>
+          </p:nvPr>
+        </p:nvSpPr>
+        <p:spPr>
+          <a:xfrm>
+            <a:off x="590560" y="3198627"/>
+            <a:ext cx="10387368" cy="732995"/>
+          </a:xfrm>
+        </p:spPr>
+        <p:txBody>
+          <a:bodyPr/>
+          <a:lstStyle/>
+          <a:p>
+            <a:r>
+              <a:rPr lang="en-NL"/>
+              <a:t>Setting the scene for the evolution to next state</a:t>
+            </a:r>
+          </a:p>
+        </p:txBody>
+      </p:sp>
+    </p:spTree>
+    <p:extLst>
+      <p:ext uri="{BB962C8B-B14F-4D97-AF65-F5344CB8AC3E}">
+        <p14:creationId xmlns:p14="http://schemas.microsoft.com/office/powerpoint/2010/main" val="77516380"/>
+      </p:ext>
+    </p:extLst>
+  </p:cSld>
+  <p:clrMapOvr>
+    <a:masterClrMapping/>
+  </p:clrMapOvr>
+</p:sld>
+</file>
+
+<file path=ppt/slides/slide22.xml><?xml version="1.0" encoding="utf-8"?>
+<p:sld xmlns:a="http://schemas.openxmlformats.org/drawingml/2006/main" xmlns:r="http://schemas.openxmlformats.org/officeDocument/2006/relationships" xmlns:p="http://schemas.openxmlformats.org/presentationml/2006/main">
+  <p:cSld>
+    <p:spTree>
+      <p:nvGrpSpPr>
+        <p:cNvPr id="1" name=""/>
+        <p:cNvGrpSpPr/>
+        <p:nvPr/>
+      </p:nvGrpSpPr>
+      <p:grpSpPr>
+        <a:xfrm>
+          <a:off x="0" y="0"/>
+          <a:ext cx="0" cy="0"/>
+          <a:chOff x="0" y="0"/>
+          <a:chExt cx="0" cy="0"/>
+        </a:xfrm>
+      </p:grpSpPr>
+      <p:sp>
+        <p:nvSpPr>
+          <p:cNvPr id="9" name="Tijdelijke aanduiding voor inhoud 8">
+            <a:extLst>
+              <a:ext uri="{FF2B5EF4-FFF2-40B4-BE49-F238E27FC236}">
+                <a16:creationId xmlns:a16="http://schemas.microsoft.com/office/drawing/2014/main" id="{1E6401E5-F86E-F987-365F-93E472185969}"/>
+              </a:ext>
+            </a:extLst>
+          </p:cNvPr>
+          <p:cNvSpPr>
+            <a:spLocks noGrp="1"/>
+          </p:cNvSpPr>
+          <p:nvPr>
+            <p:ph idx="1"/>
+          </p:nvPr>
+        </p:nvSpPr>
+        <p:spPr/>
+        <p:txBody>
+          <a:bodyPr/>
+          <a:lstStyle/>
+          <a:p>
+            <a:pPr marL="539750" indent="-350838">
+              <a:lnSpc>
+                <a:spcPct val="150000"/>
+              </a:lnSpc>
+            </a:pPr>
+            <a:r>
+              <a:rPr lang="en-US"/>
+              <a:t>Testing shows the presence of defects, </a:t>
+            </a:r>
+            <a:r>
+              <a:rPr lang="en-US" b="1"/>
+              <a:t>not their absence</a:t>
+            </a:r>
+          </a:p>
+          <a:p>
+            <a:pPr marL="539750" indent="-350838">
+              <a:lnSpc>
+                <a:spcPct val="150000"/>
+              </a:lnSpc>
+            </a:pPr>
+            <a:r>
+              <a:rPr lang="en-US" b="1"/>
+              <a:t>Exhaustive</a:t>
+            </a:r>
+            <a:r>
+              <a:rPr lang="en-US"/>
+              <a:t> testing is </a:t>
+            </a:r>
+            <a:r>
+              <a:rPr lang="en-US" b="1"/>
+              <a:t>impossible</a:t>
+            </a:r>
+          </a:p>
+          <a:p>
+            <a:pPr marL="539750" indent="-350838">
+              <a:lnSpc>
+                <a:spcPct val="150000"/>
+              </a:lnSpc>
+            </a:pPr>
+            <a:r>
+              <a:rPr lang="en-US" b="1"/>
+              <a:t>Early testing </a:t>
+            </a:r>
+            <a:r>
+              <a:rPr lang="en-US"/>
+              <a:t>saves time and money</a:t>
+            </a:r>
+          </a:p>
+          <a:p>
+            <a:pPr marL="539750" indent="-350838">
+              <a:lnSpc>
+                <a:spcPct val="150000"/>
+              </a:lnSpc>
+            </a:pPr>
+            <a:r>
+              <a:rPr lang="en-US"/>
+              <a:t>Defects </a:t>
+            </a:r>
+            <a:r>
+              <a:rPr lang="en-US" b="1"/>
+              <a:t>cluster together</a:t>
+            </a:r>
+          </a:p>
+          <a:p>
+            <a:pPr marL="539750" indent="-350838">
+              <a:lnSpc>
+                <a:spcPct val="150000"/>
+              </a:lnSpc>
+            </a:pPr>
+            <a:r>
+              <a:rPr lang="en-US"/>
+              <a:t>Beware of the </a:t>
+            </a:r>
+            <a:r>
+              <a:rPr lang="en-US" b="1">
+                <a:hlinkClick r:id="rId3"/>
+              </a:rPr>
+              <a:t>pesticide paradox</a:t>
+            </a:r>
+            <a:r>
+              <a:rPr lang="en-US"/>
+              <a:t>, periodically revisit and revise tests</a:t>
+            </a:r>
+          </a:p>
+          <a:p>
+            <a:pPr marL="539750" indent="-350838">
+              <a:lnSpc>
+                <a:spcPct val="150000"/>
+              </a:lnSpc>
+            </a:pPr>
+            <a:r>
+              <a:rPr lang="en-US"/>
+              <a:t>Testing is </a:t>
+            </a:r>
+            <a:r>
+              <a:rPr lang="en-US" b="1"/>
+              <a:t>context</a:t>
+            </a:r>
+            <a:r>
+              <a:rPr lang="en-US"/>
+              <a:t>-dependent</a:t>
+            </a:r>
+          </a:p>
+          <a:p>
+            <a:pPr marL="539750" indent="-350838">
+              <a:lnSpc>
+                <a:spcPct val="150000"/>
+              </a:lnSpc>
+            </a:pPr>
+            <a:r>
+              <a:rPr lang="en-US" b="1"/>
+              <a:t>Absence-of-errors</a:t>
+            </a:r>
+            <a:r>
+              <a:rPr lang="en-US"/>
+              <a:t> is a </a:t>
+            </a:r>
+            <a:r>
+              <a:rPr lang="en-US" b="1"/>
+              <a:t>fallacy</a:t>
+            </a:r>
+          </a:p>
+        </p:txBody>
+      </p:sp>
+      <p:sp>
+        <p:nvSpPr>
+          <p:cNvPr id="8" name="Titel 7">
+            <a:extLst>
+              <a:ext uri="{FF2B5EF4-FFF2-40B4-BE49-F238E27FC236}">
+                <a16:creationId xmlns:a16="http://schemas.microsoft.com/office/drawing/2014/main" id="{E088D4D9-55A6-7655-56A2-0543E5BB93CF}"/>
+              </a:ext>
+            </a:extLst>
+          </p:cNvPr>
+          <p:cNvSpPr>
+            <a:spLocks noGrp="1"/>
+          </p:cNvSpPr>
+          <p:nvPr>
+            <p:ph type="title"/>
+          </p:nvPr>
+        </p:nvSpPr>
+        <p:spPr>
+          <a:xfrm>
+            <a:off x="659008" y="325235"/>
+            <a:ext cx="10875600" cy="711828"/>
+          </a:xfrm>
+        </p:spPr>
+        <p:txBody>
+          <a:bodyPr anchor="ctr"/>
+          <a:lstStyle/>
+          <a:p>
+            <a:r>
+              <a:rPr lang="en-US"/>
+              <a:t>Seven principles of testing (</a:t>
+            </a:r>
+            <a:r>
+              <a:rPr lang="en-US">
+                <a:hlinkClick r:id="rId4"/>
+              </a:rPr>
+              <a:t>ISTQB Foundation</a:t>
+            </a:r>
+            <a:r>
+              <a:rPr lang="en-US"/>
+              <a:t>)</a:t>
+            </a:r>
+          </a:p>
+        </p:txBody>
+      </p:sp>
+    </p:spTree>
+    <p:extLst>
+      <p:ext uri="{BB962C8B-B14F-4D97-AF65-F5344CB8AC3E}">
+        <p14:creationId xmlns:p14="http://schemas.microsoft.com/office/powerpoint/2010/main" val="2701163081"/>
+      </p:ext>
+    </p:extLst>
+  </p:cSld>
+  <p:clrMapOvr>
+    <a:masterClrMapping/>
+  </p:clrMapOvr>
+  <p:extLst>
+    <p:ext uri="{6950BFC3-D8DA-4A85-94F7-54DA5524770B}">
+      <p188:commentRel xmlns:p188="http://schemas.microsoft.com/office/powerpoint/2018/8/main" r:id="rId2"/>
+    </p:ext>
+  </p:extLst>
+</p:sld>
+</file>
+
+<file path=ppt/slides/slide23.xml><?xml version="1.0" encoding="utf-8"?>
+<p:sld xmlns:a="http://schemas.openxmlformats.org/drawingml/2006/main" xmlns:r="http://schemas.openxmlformats.org/officeDocument/2006/relationships" xmlns:p="http://schemas.openxmlformats.org/presentationml/2006/main">
+  <p:cSld>
+    <p:spTree>
+      <p:nvGrpSpPr>
+        <p:cNvPr id="1" name=""/>
+        <p:cNvGrpSpPr/>
+        <p:nvPr/>
+      </p:nvGrpSpPr>
+      <p:grpSpPr>
+        <a:xfrm>
+          <a:off x="0" y="0"/>
+          <a:ext cx="0" cy="0"/>
+          <a:chOff x="0" y="0"/>
+          <a:chExt cx="0" cy="0"/>
+        </a:xfrm>
+      </p:grpSpPr>
+      <p:sp>
+        <p:nvSpPr>
+          <p:cNvPr id="6" name="Title 5"/>
+          <p:cNvSpPr>
+            <a:spLocks noGrp="1"/>
+          </p:cNvSpPr>
+          <p:nvPr>
+            <p:ph type="title"/>
+          </p:nvPr>
+        </p:nvSpPr>
+        <p:spPr>
+          <a:xfrm>
+            <a:off x="270402" y="230754"/>
+            <a:ext cx="11653895" cy="707249"/>
+          </a:xfrm>
+        </p:spPr>
+        <p:txBody>
+          <a:bodyPr anchor="ctr">
+            <a:normAutofit fontScale="90000"/>
+          </a:bodyPr>
+          <a:lstStyle/>
+          <a:p>
+            <a:r>
+              <a:rPr lang="en-US"/>
+              <a:t>The continuous role of testing in the Software Development Lifecycle</a:t>
+            </a:r>
+          </a:p>
+        </p:txBody>
+      </p:sp>
+      <p:grpSp>
+        <p:nvGrpSpPr>
+          <p:cNvPr id="156" name="Groep 155">
+            <a:extLst>
+              <a:ext uri="{FF2B5EF4-FFF2-40B4-BE49-F238E27FC236}">
+                <a16:creationId xmlns:a16="http://schemas.microsoft.com/office/drawing/2014/main" id="{311D1F66-9724-40D4-DB4B-A191D57A42E2}"/>
+              </a:ext>
+            </a:extLst>
+          </p:cNvPr>
+          <p:cNvGrpSpPr/>
+          <p:nvPr/>
+        </p:nvGrpSpPr>
+        <p:grpSpPr>
+          <a:xfrm>
+            <a:off x="120073" y="1442323"/>
+            <a:ext cx="12021042" cy="4372961"/>
+            <a:chOff x="120073" y="1442323"/>
+            <a:chExt cx="12021042" cy="4372961"/>
+          </a:xfrm>
+        </p:grpSpPr>
+        <p:sp>
+          <p:nvSpPr>
+            <p:cNvPr id="52" name="Rounded Rectangle 51"/>
+            <p:cNvSpPr/>
+            <p:nvPr/>
+          </p:nvSpPr>
+          <p:spPr bwMode="auto">
+            <a:xfrm>
+              <a:off x="1289873" y="3552975"/>
+              <a:ext cx="979406" cy="569752"/>
+            </a:xfrm>
+            <a:prstGeom prst="roundRect">
+              <a:avLst/>
+            </a:prstGeom>
+            <a:solidFill>
+              <a:schemeClr val="accent4">
+                <a:lumMod val="50000"/>
+              </a:schemeClr>
+            </a:solidFill>
+            <a:ln w="9525" cap="flat" cmpd="sng" algn="ctr">
+              <a:solidFill>
+                <a:srgbClr val="00AFBE">
+                  <a:shade val="95000"/>
+                  <a:satMod val="105000"/>
+                </a:srgbClr>
+              </a:solidFill>
+              <a:prstDash val="solid"/>
+            </a:ln>
+            <a:effectLst>
+              <a:outerShdw blurRad="40000" dist="20000" dir="5400000" rotWithShape="0">
+                <a:srgbClr val="000000">
+                  <a:alpha val="38000"/>
+                </a:srgbClr>
+              </a:outerShdw>
+            </a:effectLst>
+          </p:spPr>
+          <p:txBody>
+            <a:bodyPr rot="0" spcFirstLastPara="0" vertOverflow="overflow" horzOverflow="overflow" vert="horz" wrap="square" lIns="0" tIns="0" rIns="0" bIns="0" numCol="1" spcCol="0" rtlCol="0" fromWordArt="0" anchor="ctr" anchorCtr="0" forceAA="0" compatLnSpc="1">
+              <a:prstTxWarp prst="textNoShape">
+                <a:avLst/>
+              </a:prstTxWarp>
+              <a:noAutofit/>
+            </a:bodyPr>
+            <a:lstStyle/>
+            <a:p>
+              <a:r>
+                <a:rPr lang="en-IN" sz="1000" kern="0">
+                  <a:solidFill>
+                    <a:schemeClr val="bg1"/>
+                  </a:solidFill>
+                  <a:latin typeface="Calibri" panose="020F0502020204030204"/>
+                </a:rPr>
+                <a:t>Test platform design/enhance</a:t>
+              </a:r>
+            </a:p>
+          </p:txBody>
+        </p:sp>
+        <p:sp>
+          <p:nvSpPr>
+            <p:cNvPr id="75" name="Rounded Rectangle 74"/>
+            <p:cNvSpPr/>
+            <p:nvPr/>
+          </p:nvSpPr>
+          <p:spPr bwMode="auto">
+            <a:xfrm>
+              <a:off x="8906761" y="3530944"/>
+              <a:ext cx="972990" cy="424169"/>
+            </a:xfrm>
+            <a:prstGeom prst="roundRect">
+              <a:avLst/>
+            </a:prstGeom>
+            <a:solidFill>
+              <a:schemeClr val="accent4">
+                <a:lumMod val="50000"/>
+              </a:schemeClr>
+            </a:solidFill>
+            <a:ln w="9525" cap="flat" cmpd="sng" algn="ctr">
+              <a:solidFill>
+                <a:srgbClr val="00AFBE">
+                  <a:shade val="95000"/>
+                  <a:satMod val="105000"/>
+                </a:srgbClr>
+              </a:solidFill>
+              <a:prstDash val="solid"/>
+            </a:ln>
+            <a:effectLst>
+              <a:outerShdw blurRad="40000" dist="20000" dir="5400000" rotWithShape="0">
+                <a:srgbClr val="000000">
+                  <a:alpha val="38000"/>
+                </a:srgbClr>
+              </a:outerShdw>
+            </a:effectLst>
+          </p:spPr>
+          <p:txBody>
+            <a:bodyPr rot="0" spcFirstLastPara="0" vertOverflow="overflow" horzOverflow="overflow" vert="horz" wrap="square" lIns="0" tIns="0" rIns="0" bIns="0" numCol="1" spcCol="0" rtlCol="0" fromWordArt="0" anchor="ctr" anchorCtr="0" forceAA="0" compatLnSpc="1">
+              <a:prstTxWarp prst="textNoShape">
+                <a:avLst/>
+              </a:prstTxWarp>
+              <a:noAutofit/>
+            </a:bodyPr>
+            <a:lstStyle/>
+            <a:p>
+              <a:r>
+                <a:rPr lang="en-IN" sz="1000" kern="0">
+                  <a:solidFill>
+                    <a:schemeClr val="bg1"/>
+                  </a:solidFill>
+                  <a:latin typeface="Calibri" panose="020F0502020204030204"/>
+                </a:rPr>
+                <a:t>Compatibility Testing</a:t>
+              </a:r>
+            </a:p>
+          </p:txBody>
+        </p:sp>
+        <p:sp>
+          <p:nvSpPr>
+            <p:cNvPr id="74" name="Rounded Rectangle 73"/>
+            <p:cNvSpPr/>
+            <p:nvPr/>
+          </p:nvSpPr>
+          <p:spPr bwMode="auto">
+            <a:xfrm>
+              <a:off x="8910431" y="3475399"/>
+              <a:ext cx="968759" cy="409318"/>
+            </a:xfrm>
+            <a:prstGeom prst="roundRect">
+              <a:avLst/>
+            </a:prstGeom>
+            <a:solidFill>
+              <a:schemeClr val="accent4">
+                <a:lumMod val="50000"/>
+              </a:schemeClr>
+            </a:solidFill>
+            <a:ln w="9525" cap="flat" cmpd="sng" algn="ctr">
+              <a:solidFill>
+                <a:srgbClr val="00AFBE">
+                  <a:shade val="95000"/>
+                  <a:satMod val="105000"/>
+                </a:srgbClr>
+              </a:solidFill>
+              <a:prstDash val="solid"/>
+            </a:ln>
+            <a:effectLst>
+              <a:outerShdw blurRad="40000" dist="20000" dir="5400000" rotWithShape="0">
+                <a:srgbClr val="000000">
+                  <a:alpha val="38000"/>
+                </a:srgbClr>
+              </a:outerShdw>
+            </a:effectLst>
+          </p:spPr>
+          <p:txBody>
+            <a:bodyPr rot="0" spcFirstLastPara="0" vertOverflow="overflow" horzOverflow="overflow" vert="horz" wrap="square" lIns="0" tIns="0" rIns="0" bIns="0" numCol="1" spcCol="0" rtlCol="0" fromWordArt="0" anchor="ctr" anchorCtr="0" forceAA="0" compatLnSpc="1">
+              <a:prstTxWarp prst="textNoShape">
+                <a:avLst/>
+              </a:prstTxWarp>
+              <a:noAutofit/>
+            </a:bodyPr>
+            <a:lstStyle/>
+            <a:p>
+              <a:r>
+                <a:rPr lang="en-IN" sz="1000" kern="0">
+                  <a:solidFill>
+                    <a:schemeClr val="bg1"/>
+                  </a:solidFill>
+                  <a:latin typeface="Calibri" panose="020F0502020204030204"/>
+                </a:rPr>
+                <a:t>Accessibility Testing</a:t>
+              </a:r>
+            </a:p>
+          </p:txBody>
+        </p:sp>
+        <p:sp>
+          <p:nvSpPr>
+            <p:cNvPr id="73" name="Rounded Rectangle 72"/>
+            <p:cNvSpPr/>
+            <p:nvPr/>
+          </p:nvSpPr>
+          <p:spPr bwMode="auto">
+            <a:xfrm>
+              <a:off x="8898763" y="3403981"/>
+              <a:ext cx="985561" cy="404276"/>
+            </a:xfrm>
+            <a:prstGeom prst="roundRect">
+              <a:avLst/>
+            </a:prstGeom>
+            <a:solidFill>
+              <a:schemeClr val="accent4">
+                <a:lumMod val="50000"/>
+              </a:schemeClr>
+            </a:solidFill>
+            <a:ln w="9525" cap="flat" cmpd="sng" algn="ctr">
+              <a:solidFill>
+                <a:srgbClr val="00AFBE">
+                  <a:shade val="95000"/>
+                  <a:satMod val="105000"/>
+                </a:srgbClr>
+              </a:solidFill>
+              <a:prstDash val="solid"/>
+            </a:ln>
+            <a:effectLst>
+              <a:outerShdw blurRad="40000" dist="20000" dir="5400000" rotWithShape="0">
+                <a:srgbClr val="000000">
+                  <a:alpha val="38000"/>
+                </a:srgbClr>
+              </a:outerShdw>
+            </a:effectLst>
+          </p:spPr>
+          <p:txBody>
+            <a:bodyPr rot="0" spcFirstLastPara="0" vertOverflow="overflow" horzOverflow="overflow" vert="horz" wrap="square" lIns="0" tIns="0" rIns="0" bIns="0" numCol="1" spcCol="0" rtlCol="0" fromWordArt="0" anchor="ctr" anchorCtr="0" forceAA="0" compatLnSpc="1">
+              <a:prstTxWarp prst="textNoShape">
+                <a:avLst/>
+              </a:prstTxWarp>
+              <a:noAutofit/>
+            </a:bodyPr>
+            <a:lstStyle/>
+            <a:p>
+              <a:r>
+                <a:rPr lang="en-IN" sz="1000" kern="0">
+                  <a:solidFill>
+                    <a:schemeClr val="bg1"/>
+                  </a:solidFill>
+                  <a:latin typeface="Calibri" panose="020F0502020204030204"/>
+                </a:rPr>
+                <a:t>System Testing</a:t>
+              </a:r>
+            </a:p>
+          </p:txBody>
+        </p:sp>
+        <p:sp>
+          <p:nvSpPr>
+            <p:cNvPr id="71" name="Rounded Rectangle 70"/>
+            <p:cNvSpPr/>
+            <p:nvPr/>
+          </p:nvSpPr>
+          <p:spPr bwMode="auto">
+            <a:xfrm>
+              <a:off x="6707160" y="3672305"/>
+              <a:ext cx="1129886" cy="405334"/>
+            </a:xfrm>
+            <a:prstGeom prst="roundRect">
+              <a:avLst/>
+            </a:prstGeom>
+            <a:solidFill>
+              <a:schemeClr val="accent4">
+                <a:lumMod val="50000"/>
+              </a:schemeClr>
+            </a:solidFill>
+            <a:ln w="9525" cap="flat" cmpd="sng" algn="ctr">
+              <a:solidFill>
+                <a:srgbClr val="00AFBE">
+                  <a:shade val="95000"/>
+                  <a:satMod val="105000"/>
+                </a:srgbClr>
+              </a:solidFill>
+              <a:prstDash val="solid"/>
+            </a:ln>
+            <a:effectLst>
+              <a:outerShdw blurRad="40000" dist="20000" dir="5400000" rotWithShape="0">
+                <a:srgbClr val="000000">
+                  <a:alpha val="38000"/>
+                </a:srgbClr>
+              </a:outerShdw>
+            </a:effectLst>
+          </p:spPr>
+          <p:txBody>
+            <a:bodyPr rot="0" spcFirstLastPara="0" vertOverflow="overflow" horzOverflow="overflow" vert="horz" wrap="square" lIns="0" tIns="0" rIns="0" bIns="0" numCol="1" spcCol="0" rtlCol="0" fromWordArt="0" anchor="ctr" anchorCtr="0" forceAA="0" compatLnSpc="1">
+              <a:prstTxWarp prst="textNoShape">
+                <a:avLst/>
+              </a:prstTxWarp>
+              <a:noAutofit/>
+            </a:bodyPr>
+            <a:lstStyle/>
+            <a:p>
+              <a:pPr algn="ctr"/>
+              <a:r>
+                <a:rPr lang="en-IN" sz="1000" kern="0">
+                  <a:solidFill>
+                    <a:schemeClr val="bg1"/>
+                  </a:solidFill>
+                  <a:latin typeface="Calibri" panose="020F0502020204030204"/>
+                </a:rPr>
+                <a:t>UAT</a:t>
+              </a:r>
+            </a:p>
+          </p:txBody>
+        </p:sp>
+        <p:sp>
+          <p:nvSpPr>
+            <p:cNvPr id="112" name="Rounded Rectangle 111"/>
+            <p:cNvSpPr/>
+            <p:nvPr/>
+          </p:nvSpPr>
+          <p:spPr bwMode="auto">
+            <a:xfrm>
+              <a:off x="6691500" y="3510339"/>
+              <a:ext cx="1129886" cy="436406"/>
+            </a:xfrm>
+            <a:prstGeom prst="roundRect">
+              <a:avLst/>
+            </a:prstGeom>
+            <a:solidFill>
+              <a:schemeClr val="accent4">
+                <a:lumMod val="50000"/>
+              </a:schemeClr>
+            </a:solidFill>
+            <a:ln w="9525" cap="flat" cmpd="sng" algn="ctr">
+              <a:solidFill>
+                <a:srgbClr val="00AFBE">
+                  <a:shade val="95000"/>
+                  <a:satMod val="105000"/>
+                </a:srgbClr>
+              </a:solidFill>
+              <a:prstDash val="solid"/>
+            </a:ln>
+            <a:effectLst>
+              <a:outerShdw blurRad="40000" dist="20000" dir="5400000" rotWithShape="0">
+                <a:srgbClr val="000000">
+                  <a:alpha val="38000"/>
+                </a:srgbClr>
+              </a:outerShdw>
+            </a:effectLst>
+          </p:spPr>
+          <p:txBody>
+            <a:bodyPr rot="0" spcFirstLastPara="0" vertOverflow="overflow" horzOverflow="overflow" vert="horz" wrap="square" lIns="0" tIns="0" rIns="0" bIns="0" numCol="1" spcCol="0" rtlCol="0" fromWordArt="0" anchor="ctr" anchorCtr="0" forceAA="0" compatLnSpc="1">
+              <a:prstTxWarp prst="textNoShape">
+                <a:avLst/>
+              </a:prstTxWarp>
+              <a:noAutofit/>
+            </a:bodyPr>
+            <a:lstStyle/>
+            <a:p>
+              <a:r>
+                <a:rPr lang="en-IN" sz="1000" kern="0">
+                  <a:solidFill>
+                    <a:schemeClr val="bg1"/>
+                  </a:solidFill>
+                  <a:latin typeface="Calibri" panose="020F0502020204030204"/>
+                </a:rPr>
+                <a:t>Persona Testing</a:t>
+              </a:r>
+            </a:p>
+          </p:txBody>
+        </p:sp>
+        <p:sp>
+          <p:nvSpPr>
+            <p:cNvPr id="64" name="Rounded Rectangle 63"/>
+            <p:cNvSpPr/>
+            <p:nvPr/>
+          </p:nvSpPr>
+          <p:spPr bwMode="auto">
+            <a:xfrm>
+              <a:off x="6691754" y="3397824"/>
+              <a:ext cx="1159672" cy="402651"/>
+            </a:xfrm>
+            <a:prstGeom prst="roundRect">
+              <a:avLst/>
+            </a:prstGeom>
+            <a:solidFill>
+              <a:schemeClr val="accent4">
+                <a:lumMod val="50000"/>
+              </a:schemeClr>
+            </a:solidFill>
+            <a:ln w="9525" cap="flat" cmpd="sng" algn="ctr">
+              <a:solidFill>
+                <a:srgbClr val="00AFBE">
+                  <a:shade val="95000"/>
+                  <a:satMod val="105000"/>
+                </a:srgbClr>
+              </a:solidFill>
+              <a:prstDash val="solid"/>
+            </a:ln>
+            <a:effectLst>
+              <a:outerShdw blurRad="40000" dist="20000" dir="5400000" rotWithShape="0">
+                <a:srgbClr val="000000">
+                  <a:alpha val="38000"/>
+                </a:srgbClr>
+              </a:outerShdw>
+            </a:effectLst>
+          </p:spPr>
+          <p:txBody>
+            <a:bodyPr rot="0" spcFirstLastPara="0" vertOverflow="overflow" horzOverflow="overflow" vert="horz" wrap="square" lIns="0" tIns="0" rIns="0" bIns="0" numCol="1" spcCol="0" rtlCol="0" fromWordArt="0" anchor="ctr" anchorCtr="0" forceAA="0" compatLnSpc="1">
+              <a:prstTxWarp prst="textNoShape">
+                <a:avLst/>
+              </a:prstTxWarp>
+              <a:noAutofit/>
+            </a:bodyPr>
+            <a:lstStyle/>
+            <a:p>
+              <a:r>
+                <a:rPr lang="en-IN" sz="1000" kern="0">
+                  <a:solidFill>
+                    <a:schemeClr val="bg1"/>
+                  </a:solidFill>
+                  <a:latin typeface="Calibri" panose="020F0502020204030204"/>
+                </a:rPr>
+                <a:t>GUI Testing</a:t>
+              </a:r>
+            </a:p>
+          </p:txBody>
+        </p:sp>
+        <p:sp>
+          <p:nvSpPr>
+            <p:cNvPr id="7" name="Rectangle 6"/>
+            <p:cNvSpPr/>
+            <p:nvPr/>
+          </p:nvSpPr>
+          <p:spPr>
+            <a:xfrm>
+              <a:off x="6681161" y="2920875"/>
+              <a:ext cx="1070153" cy="250306"/>
+            </a:xfrm>
+            <a:prstGeom prst="rect">
+              <a:avLst/>
+            </a:prstGeom>
+            <a:solidFill>
+              <a:schemeClr val="accent1"/>
+            </a:solidFill>
+            <a:ln w="6350">
+              <a:solidFill>
+                <a:schemeClr val="accent1"/>
+              </a:solidFill>
+            </a:ln>
+          </p:spPr>
+          <p:style>
+            <a:lnRef idx="2">
+              <a:schemeClr val="accent1">
+                <a:shade val="50000"/>
+              </a:schemeClr>
+            </a:lnRef>
+            <a:fillRef idx="1">
+              <a:schemeClr val="accent1"/>
+            </a:fillRef>
+            <a:effectRef idx="0">
+              <a:schemeClr val="accent1"/>
+            </a:effectRef>
+            <a:fontRef idx="minor">
+              <a:schemeClr val="lt1"/>
+            </a:fontRef>
+          </p:style>
+          <p:txBody>
+            <a:bodyPr rot="0" spcFirstLastPara="0" vertOverflow="overflow" horzOverflow="overflow" vert="horz" wrap="square" lIns="36000" tIns="36000" rIns="36000" bIns="36000" numCol="1" spcCol="0" rtlCol="0" fromWordArt="0" anchor="ctr" anchorCtr="0" forceAA="0" compatLnSpc="1">
+              <a:prstTxWarp prst="textNoShape">
+                <a:avLst/>
+              </a:prstTxWarp>
+              <a:noAutofit/>
+            </a:bodyPr>
+            <a:lstStyle/>
+            <a:p>
+              <a:pPr algn="ctr"/>
+              <a:r>
+                <a:rPr lang="en-IN" sz="1100">
+                  <a:solidFill>
+                    <a:schemeClr val="lt1"/>
+                  </a:solidFill>
+                </a:rPr>
+                <a:t>Functional</a:t>
+              </a:r>
+            </a:p>
+          </p:txBody>
+        </p:sp>
+        <p:sp>
+          <p:nvSpPr>
+            <p:cNvPr id="8" name="Rectangle 7"/>
+            <p:cNvSpPr/>
+            <p:nvPr/>
+          </p:nvSpPr>
+          <p:spPr>
+            <a:xfrm>
+              <a:off x="7824185" y="2930139"/>
+              <a:ext cx="1004249" cy="249552"/>
+            </a:xfrm>
+            <a:prstGeom prst="rect">
+              <a:avLst/>
+            </a:prstGeom>
+            <a:solidFill>
+              <a:schemeClr val="accent1"/>
+            </a:solidFill>
+            <a:ln w="6350">
+              <a:solidFill>
+                <a:schemeClr val="accent1"/>
+              </a:solidFill>
+            </a:ln>
+          </p:spPr>
+          <p:style>
+            <a:lnRef idx="2">
+              <a:schemeClr val="accent1">
+                <a:shade val="50000"/>
+              </a:schemeClr>
+            </a:lnRef>
+            <a:fillRef idx="1">
+              <a:schemeClr val="accent1"/>
+            </a:fillRef>
+            <a:effectRef idx="0">
+              <a:schemeClr val="accent1"/>
+            </a:effectRef>
+            <a:fontRef idx="minor">
+              <a:schemeClr val="lt1"/>
+            </a:fontRef>
+          </p:style>
+          <p:txBody>
+            <a:bodyPr rot="0" spcFirstLastPara="0" vertOverflow="overflow" horzOverflow="overflow" vert="horz" wrap="square" lIns="36000" tIns="36000" rIns="36000" bIns="36000" numCol="1" spcCol="0" rtlCol="0" fromWordArt="0" anchor="ctr" anchorCtr="0" forceAA="0" compatLnSpc="1">
+              <a:prstTxWarp prst="textNoShape">
+                <a:avLst/>
+              </a:prstTxWarp>
+              <a:noAutofit/>
+            </a:bodyPr>
+            <a:lstStyle/>
+            <a:p>
+              <a:pPr algn="ctr"/>
+              <a:r>
+                <a:rPr lang="en-IN" sz="1100">
+                  <a:solidFill>
+                    <a:schemeClr val="lt1"/>
+                  </a:solidFill>
+                </a:rPr>
+                <a:t>NFR</a:t>
+              </a:r>
+            </a:p>
+          </p:txBody>
+        </p:sp>
+        <p:cxnSp>
+          <p:nvCxnSpPr>
+            <p:cNvPr id="15" name="Elbow Connector 14"/>
+            <p:cNvCxnSpPr>
+              <a:cxnSpLocks/>
+              <a:stCxn id="55" idx="3"/>
+              <a:endCxn id="56" idx="1"/>
+            </p:cNvCxnSpPr>
+            <p:nvPr/>
+          </p:nvCxnSpPr>
+          <p:spPr bwMode="auto">
+            <a:xfrm flipV="1">
+              <a:off x="3828633" y="3142332"/>
+              <a:ext cx="140248" cy="496560"/>
+            </a:xfrm>
+            <a:prstGeom prst="bentConnector3">
+              <a:avLst>
+                <a:gd name="adj1" fmla="val 50000"/>
+              </a:avLst>
+            </a:prstGeom>
+            <a:ln w="19050">
+              <a:solidFill>
+                <a:schemeClr val="tx1"/>
+              </a:solidFill>
+              <a:tailEnd type="triangle"/>
+            </a:ln>
+          </p:spPr>
+          <p:style>
+            <a:lnRef idx="1">
+              <a:schemeClr val="accent1"/>
+            </a:lnRef>
+            <a:fillRef idx="0">
+              <a:schemeClr val="accent1"/>
+            </a:fillRef>
+            <a:effectRef idx="0">
+              <a:schemeClr val="accent1"/>
+            </a:effectRef>
+            <a:fontRef idx="minor">
+              <a:schemeClr val="tx1"/>
+            </a:fontRef>
+          </p:style>
+        </p:cxnSp>
+        <p:sp>
+          <p:nvSpPr>
+            <p:cNvPr id="32" name="Rectangle 31"/>
+            <p:cNvSpPr/>
+            <p:nvPr/>
+          </p:nvSpPr>
+          <p:spPr bwMode="auto">
+            <a:xfrm>
+              <a:off x="120073" y="1965771"/>
+              <a:ext cx="2187350" cy="212411"/>
+            </a:xfrm>
+            <a:prstGeom prst="rect">
+              <a:avLst/>
+            </a:prstGeom>
+            <a:solidFill>
+              <a:schemeClr val="accent1"/>
+            </a:solidFill>
+            <a:ln w="6350">
+              <a:solidFill>
+                <a:schemeClr val="accent1"/>
+              </a:solidFill>
+            </a:ln>
+          </p:spPr>
+          <p:style>
+            <a:lnRef idx="2">
+              <a:schemeClr val="accent1">
+                <a:shade val="50000"/>
+              </a:schemeClr>
+            </a:lnRef>
+            <a:fillRef idx="1">
+              <a:schemeClr val="accent1"/>
+            </a:fillRef>
+            <a:effectRef idx="0">
+              <a:schemeClr val="accent1"/>
+            </a:effectRef>
+            <a:fontRef idx="minor">
+              <a:schemeClr val="lt1"/>
+            </a:fontRef>
+          </p:style>
+          <p:txBody>
+            <a:bodyPr rot="0" spcFirstLastPara="0" vertOverflow="overflow" horzOverflow="overflow" vert="horz" wrap="square" lIns="36000" tIns="36000" rIns="36000" bIns="36000" numCol="1" spcCol="0" rtlCol="0" fromWordArt="0" anchor="ctr" anchorCtr="0" forceAA="0" compatLnSpc="1">
+              <a:prstTxWarp prst="textNoShape">
+                <a:avLst/>
+              </a:prstTxWarp>
+              <a:noAutofit/>
+            </a:bodyPr>
+            <a:lstStyle/>
+            <a:p>
+              <a:pPr algn="ctr"/>
+              <a:r>
+                <a:rPr lang="en-US" sz="1100">
+                  <a:solidFill>
+                    <a:schemeClr val="lt1"/>
+                  </a:solidFill>
+                </a:rPr>
+                <a:t>Continuous Planning</a:t>
+              </a:r>
+            </a:p>
+          </p:txBody>
+        </p:sp>
+        <p:sp>
+          <p:nvSpPr>
+            <p:cNvPr id="33" name="Rectangle 32"/>
+            <p:cNvSpPr/>
+            <p:nvPr/>
+          </p:nvSpPr>
+          <p:spPr bwMode="auto">
+            <a:xfrm>
+              <a:off x="2852125" y="1970893"/>
+              <a:ext cx="2742144" cy="234656"/>
+            </a:xfrm>
+            <a:prstGeom prst="rect">
+              <a:avLst/>
+            </a:prstGeom>
+            <a:solidFill>
+              <a:schemeClr val="accent1"/>
+            </a:solidFill>
+            <a:ln w="6350">
+              <a:solidFill>
+                <a:schemeClr val="accent1"/>
+              </a:solidFill>
+            </a:ln>
+          </p:spPr>
+          <p:style>
+            <a:lnRef idx="2">
+              <a:schemeClr val="accent1">
+                <a:shade val="50000"/>
+              </a:schemeClr>
+            </a:lnRef>
+            <a:fillRef idx="1">
+              <a:schemeClr val="accent1"/>
+            </a:fillRef>
+            <a:effectRef idx="0">
+              <a:schemeClr val="accent1"/>
+            </a:effectRef>
+            <a:fontRef idx="minor">
+              <a:schemeClr val="lt1"/>
+            </a:fontRef>
+          </p:style>
+          <p:txBody>
+            <a:bodyPr rot="0" spcFirstLastPara="0" vertOverflow="overflow" horzOverflow="overflow" vert="horz" wrap="square" lIns="36000" tIns="36000" rIns="36000" bIns="36000" numCol="1" spcCol="0" rtlCol="0" fromWordArt="0" anchor="ctr" anchorCtr="0" forceAA="0" compatLnSpc="1">
+              <a:prstTxWarp prst="textNoShape">
+                <a:avLst/>
+              </a:prstTxWarp>
+              <a:noAutofit/>
+            </a:bodyPr>
+            <a:lstStyle/>
+            <a:p>
+              <a:pPr algn="ctr"/>
+              <a:r>
+                <a:rPr lang="en-US" sz="1100">
+                  <a:solidFill>
+                    <a:schemeClr val="lt1"/>
+                  </a:solidFill>
+                </a:rPr>
+                <a:t>Continuous Integration</a:t>
+              </a:r>
+            </a:p>
+          </p:txBody>
+        </p:sp>
+        <p:sp>
+          <p:nvSpPr>
+            <p:cNvPr id="34" name="Rectangle 33"/>
+            <p:cNvSpPr/>
+            <p:nvPr/>
+          </p:nvSpPr>
+          <p:spPr bwMode="auto">
+            <a:xfrm>
+              <a:off x="6710288" y="2003331"/>
+              <a:ext cx="3205929" cy="240699"/>
+            </a:xfrm>
+            <a:prstGeom prst="rect">
+              <a:avLst/>
+            </a:prstGeom>
+            <a:solidFill>
+              <a:schemeClr val="accent1"/>
+            </a:solidFill>
+            <a:ln w="6350">
+              <a:solidFill>
+                <a:schemeClr val="accent1"/>
+              </a:solidFill>
+            </a:ln>
+          </p:spPr>
+          <p:style>
+            <a:lnRef idx="2">
+              <a:schemeClr val="accent1">
+                <a:shade val="50000"/>
+              </a:schemeClr>
+            </a:lnRef>
+            <a:fillRef idx="1">
+              <a:schemeClr val="accent1"/>
+            </a:fillRef>
+            <a:effectRef idx="0">
+              <a:schemeClr val="accent1"/>
+            </a:effectRef>
+            <a:fontRef idx="minor">
+              <a:schemeClr val="lt1"/>
+            </a:fontRef>
+          </p:style>
+          <p:txBody>
+            <a:bodyPr rot="0" spcFirstLastPara="0" vertOverflow="overflow" horzOverflow="overflow" vert="horz" wrap="square" lIns="36000" tIns="36000" rIns="36000" bIns="36000" numCol="1" spcCol="0" rtlCol="0" fromWordArt="0" anchor="ctr" anchorCtr="0" forceAA="0" compatLnSpc="1">
+              <a:prstTxWarp prst="textNoShape">
+                <a:avLst/>
+              </a:prstTxWarp>
+              <a:noAutofit/>
+            </a:bodyPr>
+            <a:lstStyle/>
+            <a:p>
+              <a:pPr algn="ctr"/>
+              <a:r>
+                <a:rPr lang="en-US" sz="1100">
+                  <a:solidFill>
+                    <a:schemeClr val="lt1"/>
+                  </a:solidFill>
+                </a:rPr>
+                <a:t>Continuous Testing</a:t>
+              </a:r>
+            </a:p>
+          </p:txBody>
+        </p:sp>
+        <p:sp>
+          <p:nvSpPr>
+            <p:cNvPr id="48" name="Rounded Rectangle 47"/>
+            <p:cNvSpPr/>
+            <p:nvPr/>
+          </p:nvSpPr>
+          <p:spPr bwMode="auto">
+            <a:xfrm>
+              <a:off x="306566" y="3184615"/>
+              <a:ext cx="963564" cy="495443"/>
+            </a:xfrm>
+            <a:prstGeom prst="roundRect">
+              <a:avLst/>
+            </a:prstGeom>
+            <a:solidFill>
+              <a:schemeClr val="accent6">
+                <a:lumMod val="75000"/>
+              </a:schemeClr>
+            </a:solidFill>
+            <a:ln w="9525" cap="flat" cmpd="sng" algn="ctr">
+              <a:solidFill>
+                <a:schemeClr val="accent6">
+                  <a:lumMod val="75000"/>
+                </a:schemeClr>
+              </a:solidFill>
+              <a:prstDash val="solid"/>
+            </a:ln>
+            <a:effectLst>
+              <a:outerShdw blurRad="40000" dist="20000" dir="5400000" rotWithShape="0">
+                <a:srgbClr val="000000">
+                  <a:alpha val="38000"/>
+                </a:srgbClr>
+              </a:outerShdw>
+            </a:effectLst>
+          </p:spPr>
+          <p:txBody>
+            <a:bodyPr rot="0" spcFirstLastPara="0" vertOverflow="overflow" horzOverflow="overflow" vert="horz" wrap="square" lIns="0" tIns="0" rIns="0" bIns="0" numCol="1" spcCol="0" rtlCol="0" fromWordArt="0" anchor="ctr" anchorCtr="0" forceAA="0" compatLnSpc="1">
+              <a:prstTxWarp prst="textNoShape">
+                <a:avLst/>
+              </a:prstTxWarp>
+              <a:noAutofit/>
+            </a:bodyPr>
+            <a:lstStyle/>
+            <a:p>
+              <a:r>
+                <a:rPr lang="en-US" sz="1000" kern="0">
+                  <a:solidFill>
+                    <a:schemeClr val="bg1"/>
+                  </a:solidFill>
+                  <a:latin typeface="Calibri" panose="020F0502020204030204"/>
+                </a:rPr>
+                <a:t>Requirements</a:t>
+              </a:r>
+            </a:p>
+          </p:txBody>
+        </p:sp>
+        <p:sp>
+          <p:nvSpPr>
+            <p:cNvPr id="51" name="Rounded Rectangle 50"/>
+            <p:cNvSpPr/>
+            <p:nvPr/>
+          </p:nvSpPr>
+          <p:spPr bwMode="auto">
+            <a:xfrm>
+              <a:off x="1306469" y="2898545"/>
+              <a:ext cx="979230" cy="603576"/>
+            </a:xfrm>
+            <a:prstGeom prst="roundRect">
+              <a:avLst/>
+            </a:prstGeom>
+            <a:solidFill>
+              <a:schemeClr val="accent6">
+                <a:lumMod val="75000"/>
+              </a:schemeClr>
+            </a:solidFill>
+            <a:ln w="9525" cap="flat" cmpd="sng" algn="ctr">
+              <a:solidFill>
+                <a:schemeClr val="accent6">
+                  <a:lumMod val="75000"/>
+                </a:schemeClr>
+              </a:solidFill>
+              <a:prstDash val="solid"/>
+            </a:ln>
+            <a:effectLst>
+              <a:outerShdw blurRad="40000" dist="20000" dir="5400000" rotWithShape="0">
+                <a:srgbClr val="000000">
+                  <a:alpha val="38000"/>
+                </a:srgbClr>
+              </a:outerShdw>
+            </a:effectLst>
+          </p:spPr>
+          <p:txBody>
+            <a:bodyPr rot="0" spcFirstLastPara="0" vertOverflow="overflow" horzOverflow="overflow" vert="horz" wrap="square" lIns="0" tIns="0" rIns="0" bIns="0" numCol="1" spcCol="0" rtlCol="0" fromWordArt="0" anchor="ctr" anchorCtr="0" forceAA="0" compatLnSpc="1">
+              <a:prstTxWarp prst="textNoShape">
+                <a:avLst/>
+              </a:prstTxWarp>
+              <a:noAutofit/>
+            </a:bodyPr>
+            <a:lstStyle/>
+            <a:p>
+              <a:r>
+                <a:rPr lang="en-IN" sz="1000" kern="0">
+                  <a:solidFill>
+                    <a:schemeClr val="bg1"/>
+                  </a:solidFill>
+                  <a:latin typeface="Calibri" panose="020F0502020204030204"/>
+                </a:rPr>
+                <a:t>Enterprise Application design/enhance</a:t>
+              </a:r>
+            </a:p>
+          </p:txBody>
+        </p:sp>
+        <p:sp>
+          <p:nvSpPr>
+            <p:cNvPr id="53" name="Rounded Rectangle 52"/>
+            <p:cNvSpPr/>
+            <p:nvPr/>
+          </p:nvSpPr>
+          <p:spPr bwMode="auto">
+            <a:xfrm>
+              <a:off x="2758728" y="2851458"/>
+              <a:ext cx="1072549" cy="517956"/>
+            </a:xfrm>
+            <a:prstGeom prst="roundRect">
+              <a:avLst/>
+            </a:prstGeom>
+            <a:solidFill>
+              <a:schemeClr val="accent4">
+                <a:lumMod val="50000"/>
+              </a:schemeClr>
+            </a:solidFill>
+            <a:ln w="9525" cap="flat" cmpd="sng" algn="ctr">
+              <a:solidFill>
+                <a:srgbClr val="00AFBE">
+                  <a:shade val="95000"/>
+                  <a:satMod val="105000"/>
+                </a:srgbClr>
+              </a:solidFill>
+              <a:prstDash val="solid"/>
+            </a:ln>
+            <a:effectLst>
+              <a:outerShdw blurRad="40000" dist="20000" dir="5400000" rotWithShape="0">
+                <a:srgbClr val="000000">
+                  <a:alpha val="38000"/>
+                </a:srgbClr>
+              </a:outerShdw>
+            </a:effectLst>
+          </p:spPr>
+          <p:txBody>
+            <a:bodyPr rot="0" spcFirstLastPara="0" vertOverflow="overflow" horzOverflow="overflow" vert="horz" wrap="square" lIns="0" tIns="0" rIns="0" bIns="0" numCol="1" spcCol="0" rtlCol="0" fromWordArt="0" anchor="ctr" anchorCtr="0" forceAA="0" compatLnSpc="1">
+              <a:prstTxWarp prst="textNoShape">
+                <a:avLst/>
+              </a:prstTxWarp>
+              <a:noAutofit/>
+            </a:bodyPr>
+            <a:lstStyle/>
+            <a:p>
+              <a:pPr marL="0" marR="0" lvl="0" indent="0" defTabSz="914400" eaLnBrk="1" fontAlgn="auto" latinLnBrk="0" hangingPunct="1">
+                <a:lnSpc>
+                  <a:spcPct val="100000"/>
+                </a:lnSpc>
+                <a:spcBef>
+                  <a:spcPts val="0"/>
+                </a:spcBef>
+                <a:spcAft>
+                  <a:spcPts val="0"/>
+                </a:spcAft>
+                <a:buClrTx/>
+                <a:buSzTx/>
+                <a:buFontTx/>
+                <a:buNone/>
+                <a:tabLst/>
+                <a:defRPr/>
+              </a:pPr>
+              <a:r>
+                <a:rPr kumimoji="0" lang="en-IN" sz="1000" i="0" u="none" strike="noStrike" kern="0" cap="none" spc="0" normalizeH="0" baseline="0" noProof="0">
+                  <a:ln>
+                    <a:noFill/>
+                  </a:ln>
+                  <a:solidFill>
+                    <a:schemeClr val="bg1"/>
+                  </a:solidFill>
+                  <a:effectLst/>
+                  <a:uLnTx/>
+                  <a:uFillTx/>
+                  <a:latin typeface="Calibri" panose="020F0502020204030204"/>
+                  <a:ea typeface="+mn-ea"/>
+                  <a:cs typeface="+mn-cs"/>
+                </a:rPr>
+                <a:t>Feature development and TDD cases</a:t>
+              </a:r>
+            </a:p>
+          </p:txBody>
+        </p:sp>
+        <p:sp>
+          <p:nvSpPr>
+            <p:cNvPr id="54" name="Rounded Rectangle 53"/>
+            <p:cNvSpPr/>
+            <p:nvPr/>
+          </p:nvSpPr>
+          <p:spPr bwMode="auto">
+            <a:xfrm>
+              <a:off x="2755860" y="3900234"/>
+              <a:ext cx="1078286" cy="349831"/>
+            </a:xfrm>
+            <a:prstGeom prst="roundRect">
+              <a:avLst/>
+            </a:prstGeom>
+            <a:solidFill>
+              <a:schemeClr val="accent4">
+                <a:lumMod val="50000"/>
+              </a:schemeClr>
+            </a:solidFill>
+            <a:ln w="9525" cap="flat" cmpd="sng" algn="ctr">
+              <a:solidFill>
+                <a:srgbClr val="00AFBE">
+                  <a:shade val="95000"/>
+                  <a:satMod val="105000"/>
+                </a:srgbClr>
+              </a:solidFill>
+              <a:prstDash val="solid"/>
+            </a:ln>
+            <a:effectLst>
+              <a:outerShdw blurRad="40000" dist="20000" dir="5400000" rotWithShape="0">
+                <a:srgbClr val="000000">
+                  <a:alpha val="38000"/>
+                </a:srgbClr>
+              </a:outerShdw>
+            </a:effectLst>
+          </p:spPr>
+          <p:txBody>
+            <a:bodyPr rot="0" spcFirstLastPara="0" vertOverflow="overflow" horzOverflow="overflow" vert="horz" wrap="square" lIns="0" tIns="0" rIns="0" bIns="0" numCol="1" spcCol="0" rtlCol="0" fromWordArt="0" anchor="ctr" anchorCtr="0" forceAA="0" compatLnSpc="1">
+              <a:prstTxWarp prst="textNoShape">
+                <a:avLst/>
+              </a:prstTxWarp>
+              <a:noAutofit/>
+            </a:bodyPr>
+            <a:lstStyle/>
+            <a:p>
+              <a:r>
+                <a:rPr lang="en-IN" sz="1000" kern="0">
+                  <a:solidFill>
+                    <a:schemeClr val="bg1"/>
+                  </a:solidFill>
+                  <a:latin typeface="Calibri" panose="020F0502020204030204"/>
+                </a:rPr>
+                <a:t>BDD Test Cases</a:t>
+              </a:r>
+            </a:p>
+          </p:txBody>
+        </p:sp>
+        <p:sp>
+          <p:nvSpPr>
+            <p:cNvPr id="55" name="Rounded Rectangle 54"/>
+            <p:cNvSpPr/>
+            <p:nvPr/>
+          </p:nvSpPr>
+          <p:spPr bwMode="auto">
+            <a:xfrm>
+              <a:off x="2755860" y="3450747"/>
+              <a:ext cx="1072773" cy="376290"/>
+            </a:xfrm>
+            <a:prstGeom prst="roundRect">
+              <a:avLst/>
+            </a:prstGeom>
+            <a:solidFill>
+              <a:schemeClr val="accent6">
+                <a:lumMod val="75000"/>
+              </a:schemeClr>
+            </a:solidFill>
+            <a:ln w="9525" cap="flat" cmpd="sng" algn="ctr">
+              <a:solidFill>
+                <a:schemeClr val="accent6">
+                  <a:lumMod val="75000"/>
+                </a:schemeClr>
+              </a:solidFill>
+              <a:prstDash val="solid"/>
+            </a:ln>
+            <a:effectLst>
+              <a:outerShdw blurRad="40000" dist="20000" dir="5400000" rotWithShape="0">
+                <a:srgbClr val="000000">
+                  <a:alpha val="38000"/>
+                </a:srgbClr>
+              </a:outerShdw>
+            </a:effectLst>
+          </p:spPr>
+          <p:txBody>
+            <a:bodyPr rot="0" spcFirstLastPara="0" vertOverflow="overflow" horzOverflow="overflow" vert="horz" wrap="square" lIns="0" tIns="0" rIns="0" bIns="0" numCol="1" spcCol="0" rtlCol="0" fromWordArt="0" anchor="ctr" anchorCtr="0" forceAA="0" compatLnSpc="1">
+              <a:prstTxWarp prst="textNoShape">
+                <a:avLst/>
+              </a:prstTxWarp>
+              <a:noAutofit/>
+            </a:bodyPr>
+            <a:lstStyle/>
+            <a:p>
+              <a:r>
+                <a:rPr lang="en-IN" sz="1000" kern="0">
+                  <a:solidFill>
+                    <a:schemeClr val="bg1"/>
+                  </a:solidFill>
+                  <a:latin typeface="Calibri" panose="020F0502020204030204"/>
+                </a:rPr>
+                <a:t>Source code repository</a:t>
+              </a:r>
+            </a:p>
+          </p:txBody>
+        </p:sp>
+        <p:sp>
+          <p:nvSpPr>
+            <p:cNvPr id="56" name="Rounded Rectangle 55"/>
+            <p:cNvSpPr/>
+            <p:nvPr/>
+          </p:nvSpPr>
+          <p:spPr bwMode="auto">
+            <a:xfrm>
+              <a:off x="3968881" y="2950360"/>
+              <a:ext cx="1207666" cy="383944"/>
+            </a:xfrm>
+            <a:prstGeom prst="roundRect">
+              <a:avLst/>
+            </a:prstGeom>
+            <a:solidFill>
+              <a:schemeClr val="accent4">
+                <a:lumMod val="50000"/>
+              </a:schemeClr>
+            </a:solidFill>
+            <a:ln w="9525" cap="flat" cmpd="sng" algn="ctr">
+              <a:solidFill>
+                <a:srgbClr val="00AFBE">
+                  <a:shade val="95000"/>
+                  <a:satMod val="105000"/>
+                </a:srgbClr>
+              </a:solidFill>
+              <a:prstDash val="solid"/>
+            </a:ln>
+            <a:effectLst>
+              <a:outerShdw blurRad="40000" dist="20000" dir="5400000" rotWithShape="0">
+                <a:srgbClr val="000000">
+                  <a:alpha val="38000"/>
+                </a:srgbClr>
+              </a:outerShdw>
+            </a:effectLst>
+          </p:spPr>
+          <p:txBody>
+            <a:bodyPr rot="0" spcFirstLastPara="0" vertOverflow="overflow" horzOverflow="overflow" vert="horz" wrap="square" lIns="0" tIns="0" rIns="0" bIns="0" numCol="1" spcCol="0" rtlCol="0" fromWordArt="0" anchor="ctr" anchorCtr="0" forceAA="0" compatLnSpc="1">
+              <a:prstTxWarp prst="textNoShape">
+                <a:avLst/>
+              </a:prstTxWarp>
+              <a:noAutofit/>
+            </a:bodyPr>
+            <a:lstStyle/>
+            <a:p>
+              <a:r>
+                <a:rPr lang="en-IN" sz="1000" kern="0">
+                  <a:solidFill>
+                    <a:schemeClr val="bg1"/>
+                  </a:solidFill>
+                  <a:latin typeface="Calibri" panose="020F0502020204030204"/>
+                </a:rPr>
+                <a:t>Build (execution of Unit tests)</a:t>
+              </a:r>
+            </a:p>
+          </p:txBody>
+        </p:sp>
+        <p:sp>
+          <p:nvSpPr>
+            <p:cNvPr id="57" name="Rounded Rectangle 56"/>
+            <p:cNvSpPr/>
+            <p:nvPr/>
+          </p:nvSpPr>
+          <p:spPr bwMode="auto">
+            <a:xfrm>
+              <a:off x="3968924" y="3457043"/>
+              <a:ext cx="1217502" cy="291797"/>
+            </a:xfrm>
+            <a:prstGeom prst="roundRect">
+              <a:avLst/>
+            </a:prstGeom>
+            <a:solidFill>
+              <a:schemeClr val="accent4">
+                <a:lumMod val="50000"/>
+              </a:schemeClr>
+            </a:solidFill>
+            <a:ln w="9525" cap="flat" cmpd="sng" algn="ctr">
+              <a:solidFill>
+                <a:srgbClr val="00AFBE">
+                  <a:shade val="95000"/>
+                  <a:satMod val="105000"/>
+                </a:srgbClr>
+              </a:solidFill>
+              <a:prstDash val="solid"/>
+            </a:ln>
+            <a:effectLst>
+              <a:outerShdw blurRad="40000" dist="20000" dir="5400000" rotWithShape="0">
+                <a:srgbClr val="000000">
+                  <a:alpha val="38000"/>
+                </a:srgbClr>
+              </a:outerShdw>
+            </a:effectLst>
+          </p:spPr>
+          <p:txBody>
+            <a:bodyPr rot="0" spcFirstLastPara="0" vertOverflow="overflow" horzOverflow="overflow" vert="horz" wrap="square" lIns="0" tIns="0" rIns="0" bIns="0" numCol="1" spcCol="0" rtlCol="0" fromWordArt="0" anchor="ctr" anchorCtr="0" forceAA="0" compatLnSpc="1">
+              <a:prstTxWarp prst="textNoShape">
+                <a:avLst/>
+              </a:prstTxWarp>
+              <a:noAutofit/>
+            </a:bodyPr>
+            <a:lstStyle/>
+            <a:p>
+              <a:r>
+                <a:rPr lang="en-IN" sz="1000" kern="0">
+                  <a:solidFill>
+                    <a:schemeClr val="bg1"/>
+                  </a:solidFill>
+                  <a:latin typeface="Calibri" panose="020F0502020204030204"/>
+                </a:rPr>
+                <a:t>Static analysis</a:t>
+              </a:r>
+            </a:p>
+          </p:txBody>
+        </p:sp>
+        <p:cxnSp>
+          <p:nvCxnSpPr>
+            <p:cNvPr id="58" name="Straight Arrow Connector 57"/>
+            <p:cNvCxnSpPr>
+              <a:cxnSpLocks/>
+              <a:stCxn id="56" idx="2"/>
+              <a:endCxn id="57" idx="0"/>
+            </p:cNvCxnSpPr>
+            <p:nvPr/>
+          </p:nvCxnSpPr>
+          <p:spPr bwMode="auto">
+            <a:xfrm>
+              <a:off x="4572714" y="3334304"/>
+              <a:ext cx="4961" cy="122739"/>
+            </a:xfrm>
+            <a:prstGeom prst="straightConnector1">
+              <a:avLst/>
+            </a:prstGeom>
+            <a:solidFill>
+              <a:srgbClr val="C82323"/>
+            </a:solidFill>
+            <a:ln w="3175" cap="flat" cmpd="sng" algn="ctr">
+              <a:solidFill>
+                <a:srgbClr val="850909"/>
+              </a:solidFill>
+              <a:prstDash val="solid"/>
+              <a:miter lim="800000"/>
+              <a:headEnd type="none" w="sm" len="sm"/>
+              <a:tailEnd type="triangle"/>
+            </a:ln>
+            <a:effectLst/>
+          </p:spPr>
+        </p:cxnSp>
+        <p:cxnSp>
+          <p:nvCxnSpPr>
+            <p:cNvPr id="59" name="Straight Arrow Connector 58"/>
+            <p:cNvCxnSpPr>
+              <a:cxnSpLocks/>
+              <a:stCxn id="57" idx="2"/>
+              <a:endCxn id="60" idx="0"/>
+            </p:cNvCxnSpPr>
+            <p:nvPr/>
+          </p:nvCxnSpPr>
+          <p:spPr bwMode="auto">
+            <a:xfrm flipH="1">
+              <a:off x="4572939" y="3748840"/>
+              <a:ext cx="4736" cy="100025"/>
+            </a:xfrm>
+            <a:prstGeom prst="straightConnector1">
+              <a:avLst/>
+            </a:prstGeom>
+            <a:solidFill>
+              <a:srgbClr val="C82323"/>
+            </a:solidFill>
+            <a:ln w="3175" cap="flat" cmpd="sng" algn="ctr">
+              <a:solidFill>
+                <a:srgbClr val="850909"/>
+              </a:solidFill>
+              <a:prstDash val="solid"/>
+              <a:miter lim="800000"/>
+              <a:headEnd type="none" w="sm" len="sm"/>
+              <a:tailEnd type="triangle"/>
+            </a:ln>
+            <a:effectLst/>
+          </p:spPr>
+        </p:cxnSp>
+        <p:sp>
+          <p:nvSpPr>
+            <p:cNvPr id="60" name="Rounded Rectangle 59"/>
+            <p:cNvSpPr/>
+            <p:nvPr/>
+          </p:nvSpPr>
+          <p:spPr bwMode="auto">
+            <a:xfrm>
+              <a:off x="3968924" y="3848865"/>
+              <a:ext cx="1208030" cy="261381"/>
+            </a:xfrm>
+            <a:prstGeom prst="roundRect">
+              <a:avLst/>
+            </a:prstGeom>
+            <a:solidFill>
+              <a:schemeClr val="accent6">
+                <a:lumMod val="75000"/>
+              </a:schemeClr>
+            </a:solidFill>
+            <a:ln w="9525" cap="flat" cmpd="sng" algn="ctr">
+              <a:solidFill>
+                <a:schemeClr val="accent6">
+                  <a:lumMod val="75000"/>
+                </a:schemeClr>
+              </a:solidFill>
+              <a:prstDash val="solid"/>
+            </a:ln>
+            <a:effectLst>
+              <a:outerShdw blurRad="40000" dist="20000" dir="5400000" rotWithShape="0">
+                <a:srgbClr val="000000">
+                  <a:alpha val="38000"/>
+                </a:srgbClr>
+              </a:outerShdw>
+            </a:effectLst>
+          </p:spPr>
+          <p:txBody>
+            <a:bodyPr rot="0" spcFirstLastPara="0" vertOverflow="overflow" horzOverflow="overflow" vert="horz" wrap="square" lIns="0" tIns="0" rIns="0" bIns="0" numCol="1" spcCol="0" rtlCol="0" fromWordArt="0" anchor="ctr" anchorCtr="0" forceAA="0" compatLnSpc="1">
+              <a:prstTxWarp prst="textNoShape">
+                <a:avLst/>
+              </a:prstTxWarp>
+              <a:noAutofit/>
+            </a:bodyPr>
+            <a:lstStyle/>
+            <a:p>
+              <a:r>
+                <a:rPr lang="en-IN" sz="1000" kern="0" err="1">
+                  <a:solidFill>
+                    <a:schemeClr val="bg1"/>
+                  </a:solidFill>
+                  <a:latin typeface="Calibri" panose="020F0502020204030204"/>
+                </a:rPr>
+                <a:t>Artifact</a:t>
+              </a:r>
+              <a:r>
+                <a:rPr lang="en-IN" sz="1000" kern="0">
+                  <a:solidFill>
+                    <a:schemeClr val="bg1"/>
+                  </a:solidFill>
+                  <a:latin typeface="Calibri" panose="020F0502020204030204"/>
+                </a:rPr>
+                <a:t> repository</a:t>
+              </a:r>
+            </a:p>
+          </p:txBody>
+        </p:sp>
+        <p:sp>
+          <p:nvSpPr>
+            <p:cNvPr id="61" name="Rounded Rectangle 60"/>
+            <p:cNvSpPr/>
+            <p:nvPr/>
+          </p:nvSpPr>
+          <p:spPr bwMode="auto">
+            <a:xfrm>
+              <a:off x="5604689" y="2751078"/>
+              <a:ext cx="994975" cy="531411"/>
+            </a:xfrm>
+            <a:prstGeom prst="roundRect">
+              <a:avLst/>
+            </a:prstGeom>
+            <a:solidFill>
+              <a:srgbClr val="559BD1"/>
+            </a:solidFill>
+            <a:ln/>
+          </p:spPr>
+          <p:style>
+            <a:lnRef idx="1">
+              <a:schemeClr val="accent1"/>
+            </a:lnRef>
+            <a:fillRef idx="2">
+              <a:schemeClr val="accent1"/>
+            </a:fillRef>
+            <a:effectRef idx="1">
+              <a:schemeClr val="accent1"/>
+            </a:effectRef>
+            <a:fontRef idx="minor">
+              <a:schemeClr val="dk1"/>
+            </a:fontRef>
+          </p:style>
+          <p:txBody>
+            <a:bodyPr rot="0" spcFirstLastPara="0" vertOverflow="overflow" horzOverflow="overflow" vert="horz" wrap="square" lIns="0" tIns="0" rIns="0" bIns="0" numCol="1" spcCol="0" rtlCol="0" fromWordArt="0" anchor="ctr" anchorCtr="0" forceAA="0" compatLnSpc="1">
+              <a:prstTxWarp prst="textNoShape">
+                <a:avLst/>
+              </a:prstTxWarp>
+              <a:noAutofit/>
+            </a:bodyPr>
+            <a:lstStyle/>
+            <a:p>
+              <a:pPr marL="0" marR="0" lvl="0" indent="0" defTabSz="914400" eaLnBrk="1" fontAlgn="auto" latinLnBrk="0" hangingPunct="1">
+                <a:lnSpc>
+                  <a:spcPct val="100000"/>
+                </a:lnSpc>
+                <a:spcBef>
+                  <a:spcPts val="0"/>
+                </a:spcBef>
+                <a:spcAft>
+                  <a:spcPts val="0"/>
+                </a:spcAft>
+                <a:buClrTx/>
+                <a:buSzTx/>
+                <a:buFontTx/>
+                <a:buNone/>
+                <a:tabLst/>
+                <a:defRPr/>
+              </a:pPr>
+              <a:r>
+                <a:rPr kumimoji="0" lang="en-IN" sz="1100" b="1" i="0" u="none" strike="noStrike" kern="0" cap="none" spc="0" normalizeH="0" baseline="0" noProof="0">
+                  <a:ln>
+                    <a:noFill/>
+                  </a:ln>
+                  <a:solidFill>
+                    <a:prstClr val="black"/>
+                  </a:solidFill>
+                  <a:effectLst/>
+                  <a:uLnTx/>
+                  <a:uFillTx/>
+                  <a:latin typeface="Calibri" panose="020F0502020204030204"/>
+                  <a:ea typeface="+mn-ea"/>
+                  <a:cs typeface="+mn-cs"/>
+                </a:rPr>
+                <a:t>On-demand Test Container</a:t>
+              </a:r>
+            </a:p>
+          </p:txBody>
+        </p:sp>
+        <p:sp>
+          <p:nvSpPr>
+            <p:cNvPr id="63" name="Rounded Rectangle 62"/>
+            <p:cNvSpPr/>
+            <p:nvPr/>
+          </p:nvSpPr>
+          <p:spPr bwMode="auto">
+            <a:xfrm>
+              <a:off x="6691261" y="3253987"/>
+              <a:ext cx="1153504" cy="407336"/>
+            </a:xfrm>
+            <a:prstGeom prst="roundRect">
+              <a:avLst/>
+            </a:prstGeom>
+            <a:solidFill>
+              <a:schemeClr val="accent4">
+                <a:lumMod val="50000"/>
+              </a:schemeClr>
+            </a:solidFill>
+            <a:ln w="9525" cap="flat" cmpd="sng" algn="ctr">
+              <a:solidFill>
+                <a:srgbClr val="00AFBE">
+                  <a:shade val="95000"/>
+                  <a:satMod val="105000"/>
+                </a:srgbClr>
+              </a:solidFill>
+              <a:prstDash val="solid"/>
+            </a:ln>
+            <a:effectLst>
+              <a:outerShdw blurRad="40000" dist="20000" dir="5400000" rotWithShape="0">
+                <a:srgbClr val="000000">
+                  <a:alpha val="38000"/>
+                </a:srgbClr>
+              </a:outerShdw>
+            </a:effectLst>
+          </p:spPr>
+          <p:txBody>
+            <a:bodyPr rot="0" spcFirstLastPara="0" vertOverflow="overflow" horzOverflow="overflow" vert="horz" wrap="square" lIns="0" tIns="0" rIns="0" bIns="0" numCol="1" spcCol="0" rtlCol="0" fromWordArt="0" anchor="ctr" anchorCtr="0" forceAA="0" compatLnSpc="1">
+              <a:prstTxWarp prst="textNoShape">
+                <a:avLst/>
+              </a:prstTxWarp>
+              <a:noAutofit/>
+            </a:bodyPr>
+            <a:lstStyle/>
+            <a:p>
+              <a:r>
+                <a:rPr lang="en-IN" sz="1000" kern="0">
+                  <a:solidFill>
+                    <a:schemeClr val="bg1"/>
+                  </a:solidFill>
+                  <a:latin typeface="Calibri" panose="020F0502020204030204"/>
+                </a:rPr>
+                <a:t>Integration Testing</a:t>
+              </a:r>
+            </a:p>
+          </p:txBody>
+        </p:sp>
+        <p:sp>
+          <p:nvSpPr>
+            <p:cNvPr id="65" name="Rectangle 64"/>
+            <p:cNvSpPr/>
+            <p:nvPr/>
+          </p:nvSpPr>
+          <p:spPr>
+            <a:xfrm>
+              <a:off x="10971948" y="2468660"/>
+              <a:ext cx="952349" cy="260148"/>
+            </a:xfrm>
+            <a:prstGeom prst="rect">
+              <a:avLst/>
+            </a:prstGeom>
+            <a:solidFill>
+              <a:schemeClr val="accent1"/>
+            </a:solidFill>
+            <a:ln w="6350">
+              <a:solidFill>
+                <a:schemeClr val="accent1"/>
+              </a:solidFill>
+            </a:ln>
+          </p:spPr>
+          <p:style>
+            <a:lnRef idx="2">
+              <a:schemeClr val="accent1">
+                <a:shade val="50000"/>
+              </a:schemeClr>
+            </a:lnRef>
+            <a:fillRef idx="1">
+              <a:schemeClr val="accent1"/>
+            </a:fillRef>
+            <a:effectRef idx="0">
+              <a:schemeClr val="accent1"/>
+            </a:effectRef>
+            <a:fontRef idx="minor">
+              <a:schemeClr val="lt1"/>
+            </a:fontRef>
+          </p:style>
+          <p:txBody>
+            <a:bodyPr rot="0" spcFirstLastPara="0" vertOverflow="overflow" horzOverflow="overflow" vert="horz" wrap="square" lIns="36000" tIns="36000" rIns="36000" bIns="36000" numCol="1" spcCol="0" rtlCol="0" fromWordArt="0" anchor="ctr" anchorCtr="0" forceAA="0" compatLnSpc="1">
+              <a:prstTxWarp prst="textNoShape">
+                <a:avLst/>
+              </a:prstTxWarp>
+              <a:noAutofit/>
+            </a:bodyPr>
+            <a:lstStyle/>
+            <a:p>
+              <a:pPr algn="ctr"/>
+              <a:r>
+                <a:rPr lang="en-IN" sz="1100" b="1">
+                  <a:solidFill>
+                    <a:schemeClr val="lt1"/>
+                  </a:solidFill>
+                </a:rPr>
+                <a:t>Deployment</a:t>
+              </a:r>
+            </a:p>
+          </p:txBody>
+        </p:sp>
+        <p:sp>
+          <p:nvSpPr>
+            <p:cNvPr id="67" name="Rounded Rectangle 66"/>
+            <p:cNvSpPr/>
+            <p:nvPr/>
+          </p:nvSpPr>
+          <p:spPr bwMode="auto">
+            <a:xfrm>
+              <a:off x="7881104" y="3258792"/>
+              <a:ext cx="988577" cy="414942"/>
+            </a:xfrm>
+            <a:prstGeom prst="roundRect">
+              <a:avLst/>
+            </a:prstGeom>
+            <a:solidFill>
+              <a:schemeClr val="accent4">
+                <a:lumMod val="50000"/>
+              </a:schemeClr>
+            </a:solidFill>
+            <a:ln w="9525" cap="flat" cmpd="sng" algn="ctr">
+              <a:solidFill>
+                <a:srgbClr val="00AFBE">
+                  <a:shade val="95000"/>
+                  <a:satMod val="105000"/>
+                </a:srgbClr>
+              </a:solidFill>
+              <a:prstDash val="solid"/>
+            </a:ln>
+            <a:effectLst>
+              <a:outerShdw blurRad="40000" dist="20000" dir="5400000" rotWithShape="0">
+                <a:srgbClr val="000000">
+                  <a:alpha val="38000"/>
+                </a:srgbClr>
+              </a:outerShdw>
+            </a:effectLst>
+          </p:spPr>
+          <p:txBody>
+            <a:bodyPr rot="0" spcFirstLastPara="0" vertOverflow="overflow" horzOverflow="overflow" vert="horz" wrap="square" lIns="0" tIns="0" rIns="0" bIns="0" numCol="1" spcCol="0" rtlCol="0" fromWordArt="0" anchor="ctr" anchorCtr="0" forceAA="0" compatLnSpc="1">
+              <a:prstTxWarp prst="textNoShape">
+                <a:avLst/>
+              </a:prstTxWarp>
+              <a:noAutofit/>
+            </a:bodyPr>
+            <a:lstStyle/>
+            <a:p>
+              <a:r>
+                <a:rPr lang="en-IN" sz="1000" kern="0">
+                  <a:solidFill>
+                    <a:schemeClr val="bg1"/>
+                  </a:solidFill>
+                  <a:latin typeface="Calibri" panose="020F0502020204030204"/>
+                </a:rPr>
+                <a:t>Security Testing</a:t>
+              </a:r>
+            </a:p>
+          </p:txBody>
+        </p:sp>
+        <p:sp>
+          <p:nvSpPr>
+            <p:cNvPr id="69" name="Rounded Rectangle 68"/>
+            <p:cNvSpPr/>
+            <p:nvPr/>
+          </p:nvSpPr>
+          <p:spPr bwMode="auto">
+            <a:xfrm>
+              <a:off x="10953553" y="3133980"/>
+              <a:ext cx="1075209" cy="326620"/>
+            </a:xfrm>
+            <a:prstGeom prst="roundRect">
+              <a:avLst/>
+            </a:prstGeom>
+            <a:solidFill>
+              <a:schemeClr val="accent4">
+                <a:lumMod val="50000"/>
+              </a:schemeClr>
+            </a:solidFill>
+            <a:ln w="9525" cap="flat" cmpd="sng" algn="ctr">
+              <a:solidFill>
+                <a:srgbClr val="00AFBE">
+                  <a:shade val="95000"/>
+                  <a:satMod val="105000"/>
+                </a:srgbClr>
+              </a:solidFill>
+              <a:prstDash val="solid"/>
+            </a:ln>
+            <a:effectLst>
+              <a:outerShdw blurRad="40000" dist="20000" dir="5400000" rotWithShape="0">
+                <a:srgbClr val="000000">
+                  <a:alpha val="38000"/>
+                </a:srgbClr>
+              </a:outerShdw>
+            </a:effectLst>
+          </p:spPr>
+          <p:txBody>
+            <a:bodyPr rot="0" spcFirstLastPara="0" vertOverflow="overflow" horzOverflow="overflow" vert="horz" wrap="square" lIns="0" tIns="0" rIns="0" bIns="0" numCol="1" spcCol="0" rtlCol="0" fromWordArt="0" anchor="ctr" anchorCtr="0" forceAA="0" compatLnSpc="1">
+              <a:prstTxWarp prst="textNoShape">
+                <a:avLst/>
+              </a:prstTxWarp>
+              <a:noAutofit/>
+            </a:bodyPr>
+            <a:lstStyle/>
+            <a:p>
+              <a:r>
+                <a:rPr lang="en-IN" sz="1000" kern="0">
+                  <a:solidFill>
+                    <a:schemeClr val="bg1"/>
+                  </a:solidFill>
+                  <a:latin typeface="Calibri" panose="020F0502020204030204"/>
+                </a:rPr>
+                <a:t>Chaos Testing</a:t>
+              </a:r>
+            </a:p>
+          </p:txBody>
+        </p:sp>
+        <p:sp>
+          <p:nvSpPr>
+            <p:cNvPr id="70" name="Rectangle 69"/>
+            <p:cNvSpPr/>
+            <p:nvPr/>
+          </p:nvSpPr>
+          <p:spPr>
+            <a:xfrm>
+              <a:off x="6707160" y="4192451"/>
+              <a:ext cx="3109337" cy="219550"/>
+            </a:xfrm>
+            <a:prstGeom prst="rect">
+              <a:avLst/>
+            </a:prstGeom>
+            <a:solidFill>
+              <a:schemeClr val="accent1"/>
+            </a:solidFill>
+            <a:ln w="6350">
+              <a:solidFill>
+                <a:schemeClr val="accent1"/>
+              </a:solidFill>
+            </a:ln>
+          </p:spPr>
+          <p:style>
+            <a:lnRef idx="2">
+              <a:schemeClr val="accent1">
+                <a:shade val="50000"/>
+              </a:schemeClr>
+            </a:lnRef>
+            <a:fillRef idx="1">
+              <a:schemeClr val="accent1"/>
+            </a:fillRef>
+            <a:effectRef idx="0">
+              <a:schemeClr val="accent1"/>
+            </a:effectRef>
+            <a:fontRef idx="minor">
+              <a:schemeClr val="lt1"/>
+            </a:fontRef>
+          </p:style>
+          <p:txBody>
+            <a:bodyPr rot="0" spcFirstLastPara="0" vertOverflow="overflow" horzOverflow="overflow" vert="horz" wrap="square" lIns="36000" tIns="36000" rIns="36000" bIns="36000" numCol="1" spcCol="0" rtlCol="0" fromWordArt="0" anchor="ctr" anchorCtr="0" forceAA="0" compatLnSpc="1">
+              <a:prstTxWarp prst="textNoShape">
+                <a:avLst/>
+              </a:prstTxWarp>
+              <a:noAutofit/>
+            </a:bodyPr>
+            <a:lstStyle/>
+            <a:p>
+              <a:pPr algn="ctr"/>
+              <a:r>
+                <a:rPr lang="en-IN" sz="1100">
+                  <a:solidFill>
+                    <a:schemeClr val="lt1"/>
+                  </a:solidFill>
+                </a:rPr>
+                <a:t>Test Data Management</a:t>
+              </a:r>
+            </a:p>
+          </p:txBody>
+        </p:sp>
+        <p:sp>
+          <p:nvSpPr>
+            <p:cNvPr id="72" name="Rounded Rectangle 71"/>
+            <p:cNvSpPr/>
+            <p:nvPr/>
+          </p:nvSpPr>
+          <p:spPr bwMode="auto">
+            <a:xfrm>
+              <a:off x="8921068" y="3275341"/>
+              <a:ext cx="948210" cy="391845"/>
+            </a:xfrm>
+            <a:prstGeom prst="roundRect">
+              <a:avLst/>
+            </a:prstGeom>
+            <a:solidFill>
+              <a:schemeClr val="accent4">
+                <a:lumMod val="50000"/>
+              </a:schemeClr>
+            </a:solidFill>
+            <a:ln w="9525" cap="flat" cmpd="sng" algn="ctr">
+              <a:solidFill>
+                <a:srgbClr val="00AFBE">
+                  <a:shade val="95000"/>
+                  <a:satMod val="105000"/>
+                </a:srgbClr>
+              </a:solidFill>
+              <a:prstDash val="solid"/>
+            </a:ln>
+            <a:effectLst>
+              <a:outerShdw blurRad="40000" dist="20000" dir="5400000" rotWithShape="0">
+                <a:srgbClr val="000000">
+                  <a:alpha val="38000"/>
+                </a:srgbClr>
+              </a:outerShdw>
+            </a:effectLst>
+          </p:spPr>
+          <p:txBody>
+            <a:bodyPr rot="0" spcFirstLastPara="0" vertOverflow="overflow" horzOverflow="overflow" vert="horz" wrap="square" lIns="0" tIns="0" rIns="0" bIns="0" numCol="1" spcCol="0" rtlCol="0" fromWordArt="0" anchor="ctr" anchorCtr="0" forceAA="0" compatLnSpc="1">
+              <a:prstTxWarp prst="textNoShape">
+                <a:avLst/>
+              </a:prstTxWarp>
+              <a:noAutofit/>
+            </a:bodyPr>
+            <a:lstStyle/>
+            <a:p>
+              <a:r>
+                <a:rPr lang="en-IN" sz="1000" kern="0">
+                  <a:solidFill>
+                    <a:schemeClr val="bg1"/>
+                  </a:solidFill>
+                  <a:latin typeface="Calibri" panose="020F0502020204030204"/>
+                </a:rPr>
+                <a:t>E2E Testing</a:t>
+              </a:r>
+            </a:p>
+          </p:txBody>
+        </p:sp>
+        <p:sp>
+          <p:nvSpPr>
+            <p:cNvPr id="76" name="Rounded Rectangle 75"/>
+            <p:cNvSpPr/>
+            <p:nvPr/>
+          </p:nvSpPr>
+          <p:spPr bwMode="auto">
+            <a:xfrm>
+              <a:off x="10949466" y="3914935"/>
+              <a:ext cx="1074818" cy="419260"/>
+            </a:xfrm>
+            <a:prstGeom prst="roundRect">
+              <a:avLst/>
+            </a:prstGeom>
+            <a:solidFill>
+              <a:schemeClr val="accent4">
+                <a:lumMod val="50000"/>
+              </a:schemeClr>
+            </a:solidFill>
+            <a:ln w="9525" cap="flat" cmpd="sng" algn="ctr">
+              <a:solidFill>
+                <a:srgbClr val="00AFBE">
+                  <a:shade val="95000"/>
+                  <a:satMod val="105000"/>
+                </a:srgbClr>
+              </a:solidFill>
+              <a:prstDash val="solid"/>
+            </a:ln>
+            <a:effectLst>
+              <a:outerShdw blurRad="40000" dist="20000" dir="5400000" rotWithShape="0">
+                <a:srgbClr val="000000">
+                  <a:alpha val="38000"/>
+                </a:srgbClr>
+              </a:outerShdw>
+            </a:effectLst>
+          </p:spPr>
+          <p:txBody>
+            <a:bodyPr rot="0" spcFirstLastPara="0" vertOverflow="overflow" horzOverflow="overflow" vert="horz" wrap="square" lIns="0" tIns="0" rIns="0" bIns="0" numCol="1" spcCol="0" rtlCol="0" fromWordArt="0" anchor="ctr" anchorCtr="0" forceAA="0" compatLnSpc="1">
+              <a:prstTxWarp prst="textNoShape">
+                <a:avLst/>
+              </a:prstTxWarp>
+              <a:noAutofit/>
+            </a:bodyPr>
+            <a:lstStyle/>
+            <a:p>
+              <a:r>
+                <a:rPr lang="en-IN" sz="1000" kern="0">
+                  <a:solidFill>
+                    <a:schemeClr val="bg1"/>
+                  </a:solidFill>
+                  <a:latin typeface="Calibri" panose="020F0502020204030204"/>
+                </a:rPr>
+                <a:t>Canary Deployments, A/B Testing</a:t>
+              </a:r>
+            </a:p>
+          </p:txBody>
+        </p:sp>
+        <p:sp>
+          <p:nvSpPr>
+            <p:cNvPr id="77" name="Rounded Rectangle 76"/>
+            <p:cNvSpPr/>
+            <p:nvPr/>
+          </p:nvSpPr>
+          <p:spPr bwMode="auto">
+            <a:xfrm>
+              <a:off x="10941514" y="3518091"/>
+              <a:ext cx="1089086" cy="326620"/>
+            </a:xfrm>
+            <a:prstGeom prst="roundRect">
+              <a:avLst/>
+            </a:prstGeom>
+            <a:solidFill>
+              <a:schemeClr val="accent4">
+                <a:lumMod val="50000"/>
+              </a:schemeClr>
+            </a:solidFill>
+            <a:ln w="9525" cap="flat" cmpd="sng" algn="ctr">
+              <a:solidFill>
+                <a:srgbClr val="00AFBE">
+                  <a:shade val="95000"/>
+                  <a:satMod val="105000"/>
+                </a:srgbClr>
+              </a:solidFill>
+              <a:prstDash val="solid"/>
+            </a:ln>
+            <a:effectLst>
+              <a:outerShdw blurRad="40000" dist="20000" dir="5400000" rotWithShape="0">
+                <a:srgbClr val="000000">
+                  <a:alpha val="38000"/>
+                </a:srgbClr>
+              </a:outerShdw>
+            </a:effectLst>
+          </p:spPr>
+          <p:txBody>
+            <a:bodyPr rot="0" spcFirstLastPara="0" vertOverflow="overflow" horzOverflow="overflow" vert="horz" wrap="square" lIns="0" tIns="0" rIns="0" bIns="0" numCol="1" spcCol="0" rtlCol="0" fromWordArt="0" anchor="ctr" anchorCtr="0" forceAA="0" compatLnSpc="1">
+              <a:prstTxWarp prst="textNoShape">
+                <a:avLst/>
+              </a:prstTxWarp>
+              <a:noAutofit/>
+            </a:bodyPr>
+            <a:lstStyle/>
+            <a:p>
+              <a:r>
+                <a:rPr lang="en-IN" sz="1000" kern="0">
+                  <a:solidFill>
+                    <a:schemeClr val="bg1"/>
+                  </a:solidFill>
+                  <a:latin typeface="Calibri" panose="020F0502020204030204"/>
+                </a:rPr>
+                <a:t>Smoke Testing</a:t>
+              </a:r>
+            </a:p>
+          </p:txBody>
+        </p:sp>
+        <p:sp>
+          <p:nvSpPr>
+            <p:cNvPr id="79" name="Rectangle 78"/>
+            <p:cNvSpPr/>
+            <p:nvPr/>
+          </p:nvSpPr>
+          <p:spPr bwMode="auto">
+            <a:xfrm>
+              <a:off x="10494769" y="2019526"/>
+              <a:ext cx="1646346" cy="274404"/>
+            </a:xfrm>
+            <a:prstGeom prst="rect">
+              <a:avLst/>
+            </a:prstGeom>
+            <a:solidFill>
+              <a:schemeClr val="accent1"/>
+            </a:solidFill>
+            <a:ln w="6350">
+              <a:solidFill>
+                <a:schemeClr val="accent1"/>
+              </a:solidFill>
+            </a:ln>
+          </p:spPr>
+          <p:style>
+            <a:lnRef idx="2">
+              <a:schemeClr val="accent1">
+                <a:shade val="50000"/>
+              </a:schemeClr>
+            </a:lnRef>
+            <a:fillRef idx="1">
+              <a:schemeClr val="accent1"/>
+            </a:fillRef>
+            <a:effectRef idx="0">
+              <a:schemeClr val="accent1"/>
+            </a:effectRef>
+            <a:fontRef idx="minor">
+              <a:schemeClr val="lt1"/>
+            </a:fontRef>
+          </p:style>
+          <p:txBody>
+            <a:bodyPr rot="0" spcFirstLastPara="0" vertOverflow="overflow" horzOverflow="overflow" vert="horz" wrap="square" lIns="36000" tIns="36000" rIns="36000" bIns="36000" numCol="1" spcCol="0" rtlCol="0" fromWordArt="0" anchor="ctr" anchorCtr="0" forceAA="0" compatLnSpc="1">
+              <a:prstTxWarp prst="textNoShape">
+                <a:avLst/>
+              </a:prstTxWarp>
+              <a:noAutofit/>
+            </a:bodyPr>
+            <a:lstStyle/>
+            <a:p>
+              <a:pPr algn="ctr"/>
+              <a:r>
+                <a:rPr lang="en-US" sz="1100" b="1">
+                  <a:solidFill>
+                    <a:schemeClr val="lt1"/>
+                  </a:solidFill>
+                </a:rPr>
+                <a:t>Continuous Deployment</a:t>
+              </a:r>
+            </a:p>
+          </p:txBody>
+        </p:sp>
+        <p:sp>
+          <p:nvSpPr>
+            <p:cNvPr id="84" name="Rectangle 83"/>
+            <p:cNvSpPr/>
+            <p:nvPr/>
+          </p:nvSpPr>
+          <p:spPr>
+            <a:xfrm>
+              <a:off x="8878552" y="2914234"/>
+              <a:ext cx="955922" cy="272512"/>
+            </a:xfrm>
+            <a:prstGeom prst="rect">
+              <a:avLst/>
+            </a:prstGeom>
+            <a:solidFill>
+              <a:schemeClr val="accent1"/>
+            </a:solidFill>
+            <a:ln w="6350">
+              <a:solidFill>
+                <a:schemeClr val="accent1"/>
+              </a:solidFill>
+            </a:ln>
+          </p:spPr>
+          <p:style>
+            <a:lnRef idx="2">
+              <a:schemeClr val="accent1">
+                <a:shade val="50000"/>
+              </a:schemeClr>
+            </a:lnRef>
+            <a:fillRef idx="1">
+              <a:schemeClr val="accent1"/>
+            </a:fillRef>
+            <a:effectRef idx="0">
+              <a:schemeClr val="accent1"/>
+            </a:effectRef>
+            <a:fontRef idx="minor">
+              <a:schemeClr val="lt1"/>
+            </a:fontRef>
+          </p:style>
+          <p:txBody>
+            <a:bodyPr rot="0" spcFirstLastPara="0" vertOverflow="overflow" horzOverflow="overflow" vert="horz" wrap="square" lIns="36000" tIns="36000" rIns="36000" bIns="36000" numCol="1" spcCol="0" rtlCol="0" fromWordArt="0" anchor="ctr" anchorCtr="0" forceAA="0" compatLnSpc="1">
+              <a:prstTxWarp prst="textNoShape">
+                <a:avLst/>
+              </a:prstTxWarp>
+              <a:noAutofit/>
+            </a:bodyPr>
+            <a:lstStyle/>
+            <a:p>
+              <a:pPr algn="ctr"/>
+              <a:r>
+                <a:rPr lang="en-IN" sz="1100">
+                  <a:solidFill>
+                    <a:schemeClr val="lt1"/>
+                  </a:solidFill>
+                </a:rPr>
+                <a:t>Regression</a:t>
+              </a:r>
+            </a:p>
+          </p:txBody>
+        </p:sp>
+        <p:sp>
+          <p:nvSpPr>
+            <p:cNvPr id="89" name="Rectangle 88"/>
+            <p:cNvSpPr/>
+            <p:nvPr/>
+          </p:nvSpPr>
+          <p:spPr>
+            <a:xfrm>
+              <a:off x="10001400" y="3552975"/>
+              <a:ext cx="802467" cy="291736"/>
+            </a:xfrm>
+            <a:prstGeom prst="rect">
+              <a:avLst/>
+            </a:prstGeom>
+            <a:gradFill rotWithShape="1">
+              <a:gsLst>
+                <a:gs pos="0">
+                  <a:srgbClr val="00AFBE">
+                    <a:tint val="50000"/>
+                    <a:satMod val="300000"/>
+                  </a:srgbClr>
+                </a:gs>
+                <a:gs pos="35000">
+                  <a:srgbClr val="00AFBE">
+                    <a:tint val="37000"/>
+                    <a:satMod val="300000"/>
+                  </a:srgbClr>
+                </a:gs>
+                <a:gs pos="100000">
+                  <a:srgbClr val="00AFBE">
+                    <a:tint val="15000"/>
+                    <a:satMod val="350000"/>
+                  </a:srgbClr>
+                </a:gs>
+              </a:gsLst>
+              <a:lin ang="16200000" scaled="1"/>
+            </a:gradFill>
+            <a:ln w="9525" cap="flat" cmpd="sng" algn="ctr">
+              <a:solidFill>
+                <a:srgbClr val="00AFBE">
+                  <a:shade val="95000"/>
+                  <a:satMod val="105000"/>
+                </a:srgbClr>
+              </a:solidFill>
+              <a:prstDash val="solid"/>
+            </a:ln>
+            <a:effectLst>
+              <a:outerShdw blurRad="40000" dist="20000" dir="5400000" rotWithShape="0">
+                <a:srgbClr val="000000">
+                  <a:alpha val="38000"/>
+                </a:srgbClr>
+              </a:outerShdw>
+            </a:effectLst>
+          </p:spPr>
+          <p:txBody>
+            <a:bodyPr rot="0" spcFirstLastPara="0" vertOverflow="overflow" horzOverflow="overflow" vert="horz" wrap="square" lIns="0" tIns="0" rIns="0" bIns="0" numCol="1" spcCol="0" rtlCol="0" fromWordArt="0" anchor="ctr" anchorCtr="0" forceAA="0" compatLnSpc="1">
+              <a:prstTxWarp prst="textNoShape">
+                <a:avLst/>
+              </a:prstTxWarp>
+              <a:noAutofit/>
+            </a:bodyPr>
+            <a:lstStyle/>
+            <a:p>
+              <a:pPr algn="ctr"/>
+              <a:r>
+                <a:rPr lang="en-IN" sz="1000" kern="0">
+                  <a:solidFill>
+                    <a:prstClr val="black"/>
+                  </a:solidFill>
+                  <a:latin typeface="Calibri" panose="020F0502020204030204"/>
+                </a:rPr>
+                <a:t>Metrics</a:t>
+              </a:r>
+            </a:p>
+          </p:txBody>
+        </p:sp>
+        <p:sp>
+          <p:nvSpPr>
+            <p:cNvPr id="95" name="Rounded Rectangle 94"/>
+            <p:cNvSpPr/>
+            <p:nvPr/>
+          </p:nvSpPr>
+          <p:spPr bwMode="auto">
+            <a:xfrm>
+              <a:off x="5615964" y="3324105"/>
+              <a:ext cx="968004" cy="476959"/>
+            </a:xfrm>
+            <a:prstGeom prst="roundRect">
+              <a:avLst/>
+            </a:prstGeom>
+            <a:solidFill>
+              <a:srgbClr val="559BD1"/>
+            </a:solidFill>
+            <a:ln>
+              <a:noFill/>
+            </a:ln>
+            <a:effectLst/>
+          </p:spPr>
+          <p:txBody>
+            <a:bodyPr rot="0" spcFirstLastPara="0" vertOverflow="overflow" horzOverflow="overflow" vert="horz" wrap="square" lIns="0" tIns="0" rIns="0" bIns="0" numCol="1" spcCol="0" rtlCol="0" fromWordArt="0" anchor="ctr" anchorCtr="0" forceAA="0" compatLnSpc="1">
+              <a:prstTxWarp prst="textNoShape">
+                <a:avLst/>
+              </a:prstTxWarp>
+              <a:noAutofit/>
+            </a:bodyPr>
+            <a:lstStyle/>
+            <a:p>
+              <a:pPr marL="0" marR="0" lvl="0" indent="0" defTabSz="914400" eaLnBrk="1" fontAlgn="auto" latinLnBrk="0" hangingPunct="1">
+                <a:lnSpc>
+                  <a:spcPct val="100000"/>
+                </a:lnSpc>
+                <a:spcBef>
+                  <a:spcPts val="0"/>
+                </a:spcBef>
+                <a:spcAft>
+                  <a:spcPts val="0"/>
+                </a:spcAft>
+                <a:buClrTx/>
+                <a:buSzTx/>
+                <a:buFontTx/>
+                <a:buNone/>
+                <a:tabLst/>
+                <a:defRPr/>
+              </a:pPr>
+              <a:r>
+                <a:rPr kumimoji="0" lang="en-IN" sz="1100" b="1" i="0" u="none" strike="noStrike" kern="0" cap="none" spc="0" normalizeH="0" baseline="0" noProof="0">
+                  <a:ln>
+                    <a:noFill/>
+                  </a:ln>
+                  <a:effectLst/>
+                  <a:uLnTx/>
+                  <a:uFillTx/>
+                  <a:latin typeface="Calibri" panose="020F0502020204030204"/>
+                  <a:ea typeface="+mn-ea"/>
+                  <a:cs typeface="+mn-cs"/>
+                </a:rPr>
+                <a:t>API Contract Testing</a:t>
+              </a:r>
+            </a:p>
+          </p:txBody>
+        </p:sp>
+        <p:sp>
+          <p:nvSpPr>
+            <p:cNvPr id="96" name="Rounded Rectangle 95"/>
+            <p:cNvSpPr/>
+            <p:nvPr/>
+          </p:nvSpPr>
+          <p:spPr bwMode="auto">
+            <a:xfrm>
+              <a:off x="5604913" y="3827417"/>
+              <a:ext cx="972866" cy="419260"/>
+            </a:xfrm>
+            <a:prstGeom prst="roundRect">
+              <a:avLst/>
+            </a:prstGeom>
+            <a:solidFill>
+              <a:srgbClr val="559BD1"/>
+            </a:solidFill>
+            <a:ln>
+              <a:noFill/>
+            </a:ln>
+            <a:effectLst/>
+          </p:spPr>
+          <p:txBody>
+            <a:bodyPr rot="0" spcFirstLastPara="0" vertOverflow="overflow" horzOverflow="overflow" vert="horz" wrap="square" lIns="0" tIns="0" rIns="0" bIns="0" numCol="1" spcCol="0" rtlCol="0" fromWordArt="0" anchor="ctr" anchorCtr="0" forceAA="0" compatLnSpc="1">
+              <a:prstTxWarp prst="textNoShape">
+                <a:avLst/>
+              </a:prstTxWarp>
+              <a:noAutofit/>
+            </a:bodyPr>
+            <a:lstStyle/>
+            <a:p>
+              <a:pPr marL="0" marR="0" lvl="0" indent="0" defTabSz="914400" eaLnBrk="1" fontAlgn="auto" latinLnBrk="0" hangingPunct="1">
+                <a:lnSpc>
+                  <a:spcPct val="100000"/>
+                </a:lnSpc>
+                <a:spcBef>
+                  <a:spcPts val="0"/>
+                </a:spcBef>
+                <a:spcAft>
+                  <a:spcPts val="0"/>
+                </a:spcAft>
+                <a:buClrTx/>
+                <a:buSzTx/>
+                <a:buFontTx/>
+                <a:buNone/>
+                <a:tabLst/>
+                <a:defRPr/>
+              </a:pPr>
+              <a:r>
+                <a:rPr kumimoji="0" lang="en-IN" sz="1100" b="1" i="0" u="none" strike="noStrike" kern="0" cap="none" spc="0" normalizeH="0" baseline="0" noProof="0">
+                  <a:ln>
+                    <a:noFill/>
+                  </a:ln>
+                  <a:effectLst/>
+                  <a:uLnTx/>
+                  <a:uFillTx/>
+                  <a:latin typeface="Calibri" panose="020F0502020204030204"/>
+                  <a:ea typeface="+mn-ea"/>
+                  <a:cs typeface="+mn-cs"/>
+                </a:rPr>
+                <a:t>Integration Testing</a:t>
+              </a:r>
+            </a:p>
+          </p:txBody>
+        </p:sp>
+        <p:sp>
+          <p:nvSpPr>
+            <p:cNvPr id="154" name="Rounded Rectangle 153"/>
+            <p:cNvSpPr/>
+            <p:nvPr/>
+          </p:nvSpPr>
+          <p:spPr bwMode="auto">
+            <a:xfrm>
+              <a:off x="6710289" y="2439309"/>
+              <a:ext cx="3109337" cy="261575"/>
+            </a:xfrm>
+            <a:prstGeom prst="roundRect">
+              <a:avLst/>
+            </a:prstGeom>
+            <a:solidFill>
+              <a:schemeClr val="accent1"/>
+            </a:solidFill>
+            <a:ln w="6350">
+              <a:solidFill>
+                <a:schemeClr val="accent1"/>
+              </a:solidFill>
+            </a:ln>
+          </p:spPr>
+          <p:style>
+            <a:lnRef idx="2">
+              <a:schemeClr val="accent1">
+                <a:shade val="50000"/>
+              </a:schemeClr>
+            </a:lnRef>
+            <a:fillRef idx="1">
+              <a:schemeClr val="accent1"/>
+            </a:fillRef>
+            <a:effectRef idx="0">
+              <a:schemeClr val="accent1"/>
+            </a:effectRef>
+            <a:fontRef idx="minor">
+              <a:schemeClr val="lt1"/>
+            </a:fontRef>
+          </p:style>
+          <p:txBody>
+            <a:bodyPr rot="0" spcFirstLastPara="0" vertOverflow="overflow" horzOverflow="overflow" vert="horz" wrap="square" lIns="36000" tIns="36000" rIns="36000" bIns="36000" numCol="1" spcCol="0" rtlCol="0" fromWordArt="0" anchor="ctr" anchorCtr="0" forceAA="0" compatLnSpc="1">
+              <a:prstTxWarp prst="textNoShape">
+                <a:avLst/>
+              </a:prstTxWarp>
+              <a:noAutofit/>
+            </a:bodyPr>
+            <a:lstStyle/>
+            <a:p>
+              <a:pPr algn="ctr"/>
+              <a:r>
+                <a:rPr lang="en-IN" sz="1100">
+                  <a:solidFill>
+                    <a:schemeClr val="lt1"/>
+                  </a:solidFill>
+                </a:rPr>
+                <a:t>Environment Provisioning</a:t>
+              </a:r>
+            </a:p>
+          </p:txBody>
+        </p:sp>
+        <p:sp>
+          <p:nvSpPr>
+            <p:cNvPr id="162" name="Rounded Rectangle 161"/>
+            <p:cNvSpPr/>
+            <p:nvPr/>
+          </p:nvSpPr>
+          <p:spPr bwMode="auto">
+            <a:xfrm>
+              <a:off x="6755108" y="2450204"/>
+              <a:ext cx="557271" cy="208850"/>
+            </a:xfrm>
+            <a:prstGeom prst="roundRect">
+              <a:avLst/>
+            </a:prstGeom>
+            <a:solidFill>
+              <a:schemeClr val="bg1">
+                <a:lumMod val="85000"/>
+              </a:schemeClr>
+            </a:solidFill>
+            <a:ln>
+              <a:noFill/>
+            </a:ln>
+            <a:effectLst/>
+          </p:spPr>
+          <p:txBody>
+            <a:bodyPr rot="0" spcFirstLastPara="0" vertOverflow="overflow" horzOverflow="overflow" vert="horz" wrap="square" lIns="0" tIns="0" rIns="0" bIns="0" numCol="1" spcCol="0" rtlCol="0" fromWordArt="0" anchor="ctr" anchorCtr="0" forceAA="0" compatLnSpc="1">
+              <a:prstTxWarp prst="textNoShape">
+                <a:avLst/>
+              </a:prstTxWarp>
+              <a:noAutofit/>
+            </a:bodyPr>
+            <a:lstStyle/>
+            <a:p>
+              <a:pPr marL="0" marR="0" lvl="0" indent="0" algn="ctr" defTabSz="914400" eaLnBrk="1" fontAlgn="auto" latinLnBrk="0" hangingPunct="1">
+                <a:lnSpc>
+                  <a:spcPct val="100000"/>
+                </a:lnSpc>
+                <a:spcBef>
+                  <a:spcPts val="0"/>
+                </a:spcBef>
+                <a:spcAft>
+                  <a:spcPts val="0"/>
+                </a:spcAft>
+                <a:buClrTx/>
+                <a:buSzTx/>
+                <a:buFontTx/>
+                <a:buNone/>
+                <a:tabLst/>
+                <a:defRPr/>
+              </a:pPr>
+              <a:r>
+                <a:rPr kumimoji="0" lang="en-IN" sz="1000" b="0" i="0" u="none" strike="noStrike" kern="0" cap="none" spc="0" normalizeH="0" baseline="0" noProof="0">
+                  <a:ln>
+                    <a:noFill/>
+                  </a:ln>
+                  <a:solidFill>
+                    <a:prstClr val="black"/>
+                  </a:solidFill>
+                  <a:effectLst/>
+                  <a:uLnTx/>
+                  <a:uFillTx/>
+                  <a:latin typeface="Calibri" panose="020F0502020204030204"/>
+                  <a:ea typeface="+mn-ea"/>
+                  <a:cs typeface="+mn-cs"/>
+                </a:rPr>
+                <a:t>Staging</a:t>
+              </a:r>
+            </a:p>
+          </p:txBody>
+        </p:sp>
+        <p:sp>
+          <p:nvSpPr>
+            <p:cNvPr id="164" name="Rounded Rectangle 163"/>
+            <p:cNvSpPr/>
+            <p:nvPr/>
+          </p:nvSpPr>
+          <p:spPr bwMode="auto">
+            <a:xfrm>
+              <a:off x="5605689" y="4274554"/>
+              <a:ext cx="951535" cy="311966"/>
+            </a:xfrm>
+            <a:prstGeom prst="roundRect">
+              <a:avLst/>
+            </a:prstGeom>
+            <a:solidFill>
+              <a:srgbClr val="559BD1"/>
+            </a:solidFill>
+            <a:ln>
+              <a:noFill/>
+            </a:ln>
+            <a:effectLst/>
+          </p:spPr>
+          <p:txBody>
+            <a:bodyPr rot="0" spcFirstLastPara="0" vertOverflow="overflow" horzOverflow="overflow" vert="horz" wrap="square" lIns="0" tIns="0" rIns="0" bIns="0" numCol="1" spcCol="0" rtlCol="0" fromWordArt="0" anchor="ctr" anchorCtr="0" forceAA="0" compatLnSpc="1">
+              <a:prstTxWarp prst="textNoShape">
+                <a:avLst/>
+              </a:prstTxWarp>
+              <a:noAutofit/>
+            </a:bodyPr>
+            <a:lstStyle/>
+            <a:p>
+              <a:r>
+                <a:rPr lang="en-IN" sz="1100" b="1" kern="0">
+                  <a:latin typeface="Calibri" panose="020F0502020204030204"/>
+                </a:rPr>
+                <a:t>Security Testing</a:t>
+              </a:r>
+            </a:p>
+          </p:txBody>
+        </p:sp>
+        <p:cxnSp>
+          <p:nvCxnSpPr>
+            <p:cNvPr id="203" name="Elbow Connector 202"/>
+            <p:cNvCxnSpPr>
+              <a:cxnSpLocks/>
+              <a:stCxn id="60" idx="2"/>
+              <a:endCxn id="61" idx="1"/>
+            </p:cNvCxnSpPr>
+            <p:nvPr/>
+          </p:nvCxnSpPr>
+          <p:spPr>
+            <a:xfrm rot="5400000" flipH="1" flipV="1">
+              <a:off x="4542083" y="3047640"/>
+              <a:ext cx="1093462" cy="1031750"/>
+            </a:xfrm>
+            <a:prstGeom prst="bentConnector4">
+              <a:avLst>
+                <a:gd name="adj1" fmla="val -20906"/>
+                <a:gd name="adj2" fmla="val 79271"/>
+              </a:avLst>
+            </a:prstGeom>
+            <a:ln w="19050">
+              <a:solidFill>
+                <a:schemeClr val="tx1"/>
+              </a:solidFill>
+              <a:prstDash val="dash"/>
+              <a:tailEnd type="triangle"/>
+            </a:ln>
+          </p:spPr>
+          <p:style>
+            <a:lnRef idx="1">
+              <a:schemeClr val="accent1"/>
+            </a:lnRef>
+            <a:fillRef idx="0">
+              <a:schemeClr val="accent1"/>
+            </a:fillRef>
+            <a:effectRef idx="0">
+              <a:schemeClr val="accent1"/>
+            </a:effectRef>
+            <a:fontRef idx="minor">
+              <a:schemeClr val="tx1"/>
+            </a:fontRef>
+          </p:style>
+        </p:cxnSp>
+        <p:sp>
+          <p:nvSpPr>
+            <p:cNvPr id="172" name="Arrow: Left 31">
+              <a:extLst>
+                <a:ext uri="{FF2B5EF4-FFF2-40B4-BE49-F238E27FC236}">
+                  <a16:creationId xmlns:a16="http://schemas.microsoft.com/office/drawing/2014/main" id="{7D5C7F09-236D-414D-BFF3-AE416AB9275C}"/>
+                </a:ext>
+              </a:extLst>
+            </p:cNvPr>
+            <p:cNvSpPr/>
+            <p:nvPr/>
+          </p:nvSpPr>
+          <p:spPr>
+            <a:xfrm>
+              <a:off x="271065" y="1442323"/>
+              <a:ext cx="11524887" cy="337955"/>
+            </a:xfrm>
+            <a:prstGeom prst="leftArrow">
+              <a:avLst>
+                <a:gd name="adj1" fmla="val 67992"/>
+                <a:gd name="adj2" fmla="val 50000"/>
+              </a:avLst>
+            </a:prstGeom>
+            <a:gradFill flip="none" rotWithShape="1">
+              <a:gsLst>
+                <a:gs pos="0">
+                  <a:schemeClr val="accent1">
+                    <a:lumMod val="0"/>
+                    <a:lumOff val="100000"/>
+                  </a:schemeClr>
+                </a:gs>
+                <a:gs pos="35000">
+                  <a:schemeClr val="accent1">
+                    <a:lumMod val="0"/>
+                    <a:lumOff val="100000"/>
+                  </a:schemeClr>
+                </a:gs>
+                <a:gs pos="100000">
+                  <a:schemeClr val="accent1">
+                    <a:lumMod val="100000"/>
+                  </a:schemeClr>
+                </a:gs>
+              </a:gsLst>
+              <a:path path="circle">
+                <a:fillToRect l="100000" t="100000"/>
+              </a:path>
+              <a:tileRect r="-100000" b="-100000"/>
+            </a:gradFill>
+            <a:ln w="6350">
+              <a:solidFill>
+                <a:srgbClr val="FF6200"/>
+              </a:solidFill>
+            </a:ln>
+          </p:spPr>
+          <p:style>
+            <a:lnRef idx="2">
+              <a:schemeClr val="accent1">
+                <a:shade val="50000"/>
+              </a:schemeClr>
+            </a:lnRef>
+            <a:fillRef idx="1">
+              <a:schemeClr val="accent1"/>
+            </a:fillRef>
+            <a:effectRef idx="0">
+              <a:schemeClr val="accent1"/>
+            </a:effectRef>
+            <a:fontRef idx="minor">
+              <a:schemeClr val="lt1"/>
+            </a:fontRef>
+          </p:style>
+          <p:txBody>
+            <a:bodyPr rot="0" spcFirstLastPara="0" vertOverflow="overflow" horzOverflow="overflow" vert="horz" wrap="square" lIns="36000" tIns="36000" rIns="36000" bIns="36000" numCol="1" spcCol="0" rtlCol="0" fromWordArt="0" anchor="t" anchorCtr="0" forceAA="0" compatLnSpc="1">
+              <a:prstTxWarp prst="textNoShape">
+                <a:avLst/>
+              </a:prstTxWarp>
+              <a:noAutofit/>
+            </a:bodyPr>
+            <a:lstStyle/>
+            <a:p>
+              <a:pPr marL="0" marR="0" lvl="0" indent="0" algn="ctr" defTabSz="914400" rtl="0" eaLnBrk="1" fontAlgn="auto" latinLnBrk="0" hangingPunct="1">
+                <a:lnSpc>
+                  <a:spcPct val="90000"/>
+                </a:lnSpc>
+                <a:spcBef>
+                  <a:spcPts val="0"/>
+                </a:spcBef>
+                <a:spcAft>
+                  <a:spcPts val="0"/>
+                </a:spcAft>
+                <a:buClrTx/>
+                <a:buSzTx/>
+                <a:buFontTx/>
+                <a:buNone/>
+                <a:tabLst/>
+                <a:defRPr/>
+              </a:pPr>
+              <a:r>
+                <a:rPr kumimoji="0" lang="en-US" sz="1400" b="1" i="0" u="none" strike="noStrike" kern="1200" cap="none" spc="0" normalizeH="0" baseline="0" noProof="0">
+                  <a:ln>
+                    <a:noFill/>
+                  </a:ln>
+                  <a:solidFill>
+                    <a:schemeClr val="tx1"/>
+                  </a:solidFill>
+                  <a:effectLst/>
+                  <a:uLnTx/>
+                  <a:uFillTx/>
+                  <a:latin typeface="ING Me"/>
+                  <a:ea typeface="+mn-ea"/>
+                  <a:cs typeface="+mn-cs"/>
+                </a:rPr>
+                <a:t>Shift Left Testing</a:t>
+              </a:r>
+              <a:endParaRPr kumimoji="0" lang="nl-NL" sz="1400" b="1" i="0" u="none" strike="noStrike" kern="1200" cap="none" spc="0" normalizeH="0" baseline="0" noProof="0">
+                <a:ln>
+                  <a:noFill/>
+                </a:ln>
+                <a:solidFill>
+                  <a:schemeClr val="tx1"/>
+                </a:solidFill>
+                <a:effectLst/>
+                <a:uLnTx/>
+                <a:uFillTx/>
+                <a:latin typeface="ING Me"/>
+                <a:ea typeface="+mn-ea"/>
+                <a:cs typeface="+mn-cs"/>
+              </a:endParaRPr>
+            </a:p>
+          </p:txBody>
+        </p:sp>
+        <p:pic>
+          <p:nvPicPr>
+            <p:cNvPr id="1028" name="Picture 4" descr="Image result for docker container icon">
+              <a:extLst>
+                <a:ext uri="{FF2B5EF4-FFF2-40B4-BE49-F238E27FC236}">
+                  <a16:creationId xmlns:a16="http://schemas.microsoft.com/office/drawing/2014/main" id="{502BB359-2891-48AE-9346-6BD274C9FD9F}"/>
+                </a:ext>
+              </a:extLst>
+            </p:cNvPr>
+            <p:cNvPicPr>
+              <a:picLocks noChangeAspect="1" noChangeArrowheads="1"/>
+            </p:cNvPicPr>
+            <p:nvPr/>
+          </p:nvPicPr>
+          <p:blipFill>
+            <a:blip r:embed="rId4">
+              <a:extLst>
+                <a:ext uri="{28A0092B-C50C-407E-A947-70E740481C1C}">
+                  <a14:useLocalDpi xmlns:a14="http://schemas.microsoft.com/office/drawing/2010/main" val="0"/>
+                </a:ext>
+              </a:extLst>
+            </a:blip>
+            <a:srcRect/>
+            <a:stretch>
+              <a:fillRect/>
+            </a:stretch>
+          </p:blipFill>
+          <p:spPr bwMode="auto">
+            <a:xfrm>
+              <a:off x="6041554" y="2423836"/>
+              <a:ext cx="407559" cy="317936"/>
+            </a:xfrm>
+            <a:prstGeom prst="rect">
+              <a:avLst/>
+            </a:prstGeom>
+            <a:noFill/>
+            <a:extLst>
+              <a:ext uri="{909E8E84-426E-40DD-AFC4-6F175D3DCCD1}">
+                <a14:hiddenFill xmlns:a14="http://schemas.microsoft.com/office/drawing/2010/main">
+                  <a:solidFill>
+                    <a:srgbClr val="FFFFFF"/>
+                  </a:solidFill>
+                </a14:hiddenFill>
+              </a:ext>
+            </a:extLst>
+          </p:spPr>
+        </p:pic>
+        <p:sp>
+          <p:nvSpPr>
+            <p:cNvPr id="188" name="Arrow: Chevron 187">
+              <a:extLst>
+                <a:ext uri="{FF2B5EF4-FFF2-40B4-BE49-F238E27FC236}">
+                  <a16:creationId xmlns:a16="http://schemas.microsoft.com/office/drawing/2014/main" id="{0DBC2F59-8326-4032-9A4D-8D8B69A59B9C}"/>
+                </a:ext>
+              </a:extLst>
+            </p:cNvPr>
+            <p:cNvSpPr/>
+            <p:nvPr/>
+          </p:nvSpPr>
+          <p:spPr>
+            <a:xfrm>
+              <a:off x="2367424" y="1933506"/>
+              <a:ext cx="364112" cy="300919"/>
+            </a:xfrm>
+            <a:prstGeom prst="chevron">
+              <a:avLst/>
+            </a:prstGeom>
+            <a:solidFill>
+              <a:schemeClr val="bg1"/>
+            </a:solidFill>
+            <a:ln w="6350">
+              <a:solidFill>
+                <a:schemeClr val="accent1"/>
+              </a:solidFill>
+            </a:ln>
+          </p:spPr>
+          <p:style>
+            <a:lnRef idx="2">
+              <a:schemeClr val="accent1">
+                <a:shade val="50000"/>
+              </a:schemeClr>
+            </a:lnRef>
+            <a:fillRef idx="1">
+              <a:schemeClr val="accent1"/>
+            </a:fillRef>
+            <a:effectRef idx="0">
+              <a:schemeClr val="accent1"/>
+            </a:effectRef>
+            <a:fontRef idx="minor">
+              <a:schemeClr val="lt1"/>
+            </a:fontRef>
+          </p:style>
+          <p:txBody>
+            <a:bodyPr rot="0" spcFirstLastPara="0" vertOverflow="overflow" horzOverflow="overflow" vert="horz" wrap="square" lIns="36000" tIns="36000" rIns="36000" bIns="36000" numCol="1" spcCol="0" rtlCol="0" fromWordArt="0" anchor="t" anchorCtr="0" forceAA="0" compatLnSpc="1">
+              <a:prstTxWarp prst="textNoShape">
+                <a:avLst/>
+              </a:prstTxWarp>
+              <a:noAutofit/>
+            </a:bodyPr>
+            <a:lstStyle/>
+            <a:p>
+              <a:pPr algn="ctr">
+                <a:lnSpc>
+                  <a:spcPct val="90000"/>
+                </a:lnSpc>
+              </a:pPr>
+              <a:endParaRPr lang="en-US" sz="1600" err="1">
+                <a:solidFill>
+                  <a:schemeClr val="tx1"/>
+                </a:solidFill>
+              </a:endParaRPr>
+            </a:p>
+          </p:txBody>
+        </p:sp>
+        <p:sp>
+          <p:nvSpPr>
+            <p:cNvPr id="202" name="Arrow: Chevron 201">
+              <a:extLst>
+                <a:ext uri="{FF2B5EF4-FFF2-40B4-BE49-F238E27FC236}">
+                  <a16:creationId xmlns:a16="http://schemas.microsoft.com/office/drawing/2014/main" id="{E3BF02EA-8E58-4A32-AA61-7B62498FD968}"/>
+                </a:ext>
+              </a:extLst>
+            </p:cNvPr>
+            <p:cNvSpPr/>
+            <p:nvPr/>
+          </p:nvSpPr>
+          <p:spPr>
+            <a:xfrm>
+              <a:off x="10038522" y="2004420"/>
+              <a:ext cx="364112" cy="300919"/>
+            </a:xfrm>
+            <a:prstGeom prst="chevron">
+              <a:avLst/>
+            </a:prstGeom>
+            <a:solidFill>
+              <a:schemeClr val="bg1"/>
+            </a:solidFill>
+            <a:ln w="6350">
+              <a:solidFill>
+                <a:schemeClr val="accent1"/>
+              </a:solidFill>
+            </a:ln>
+          </p:spPr>
+          <p:style>
+            <a:lnRef idx="2">
+              <a:schemeClr val="accent1">
+                <a:shade val="50000"/>
+              </a:schemeClr>
+            </a:lnRef>
+            <a:fillRef idx="1">
+              <a:schemeClr val="accent1"/>
+            </a:fillRef>
+            <a:effectRef idx="0">
+              <a:schemeClr val="accent1"/>
+            </a:effectRef>
+            <a:fontRef idx="minor">
+              <a:schemeClr val="lt1"/>
+            </a:fontRef>
+          </p:style>
+          <p:txBody>
+            <a:bodyPr rot="0" spcFirstLastPara="0" vertOverflow="overflow" horzOverflow="overflow" vert="horz" wrap="square" lIns="36000" tIns="36000" rIns="36000" bIns="36000" numCol="1" spcCol="0" rtlCol="0" fromWordArt="0" anchor="t" anchorCtr="0" forceAA="0" compatLnSpc="1">
+              <a:prstTxWarp prst="textNoShape">
+                <a:avLst/>
+              </a:prstTxWarp>
+              <a:noAutofit/>
+            </a:bodyPr>
+            <a:lstStyle/>
+            <a:p>
+              <a:pPr algn="ctr">
+                <a:lnSpc>
+                  <a:spcPct val="90000"/>
+                </a:lnSpc>
+              </a:pPr>
+              <a:endParaRPr lang="en-US" sz="1600" err="1">
+                <a:solidFill>
+                  <a:schemeClr val="tx1"/>
+                </a:solidFill>
+              </a:endParaRPr>
+            </a:p>
+          </p:txBody>
+        </p:sp>
+        <p:sp>
+          <p:nvSpPr>
+            <p:cNvPr id="204" name="Arrow: Chevron 203">
+              <a:extLst>
+                <a:ext uri="{FF2B5EF4-FFF2-40B4-BE49-F238E27FC236}">
+                  <a16:creationId xmlns:a16="http://schemas.microsoft.com/office/drawing/2014/main" id="{AEDC0151-D3CC-4099-AEC7-CAC12B70F053}"/>
+                </a:ext>
+              </a:extLst>
+            </p:cNvPr>
+            <p:cNvSpPr/>
+            <p:nvPr/>
+          </p:nvSpPr>
+          <p:spPr>
+            <a:xfrm>
+              <a:off x="6061037" y="1979394"/>
+              <a:ext cx="364112" cy="300919"/>
+            </a:xfrm>
+            <a:prstGeom prst="chevron">
+              <a:avLst/>
+            </a:prstGeom>
+            <a:solidFill>
+              <a:schemeClr val="bg1"/>
+            </a:solidFill>
+            <a:ln w="6350">
+              <a:solidFill>
+                <a:schemeClr val="accent1"/>
+              </a:solidFill>
+            </a:ln>
+          </p:spPr>
+          <p:style>
+            <a:lnRef idx="2">
+              <a:schemeClr val="accent1">
+                <a:shade val="50000"/>
+              </a:schemeClr>
+            </a:lnRef>
+            <a:fillRef idx="1">
+              <a:schemeClr val="accent1"/>
+            </a:fillRef>
+            <a:effectRef idx="0">
+              <a:schemeClr val="accent1"/>
+            </a:effectRef>
+            <a:fontRef idx="minor">
+              <a:schemeClr val="lt1"/>
+            </a:fontRef>
+          </p:style>
+          <p:txBody>
+            <a:bodyPr rot="0" spcFirstLastPara="0" vertOverflow="overflow" horzOverflow="overflow" vert="horz" wrap="square" lIns="36000" tIns="36000" rIns="36000" bIns="36000" numCol="1" spcCol="0" rtlCol="0" fromWordArt="0" anchor="t" anchorCtr="0" forceAA="0" compatLnSpc="1">
+              <a:prstTxWarp prst="textNoShape">
+                <a:avLst/>
+              </a:prstTxWarp>
+              <a:noAutofit/>
+            </a:bodyPr>
+            <a:lstStyle/>
+            <a:p>
+              <a:pPr algn="ctr">
+                <a:lnSpc>
+                  <a:spcPct val="90000"/>
+                </a:lnSpc>
+              </a:pPr>
+              <a:endParaRPr lang="en-US" sz="1600" err="1">
+                <a:solidFill>
+                  <a:schemeClr val="tx1"/>
+                </a:solidFill>
+              </a:endParaRPr>
+            </a:p>
+          </p:txBody>
+        </p:sp>
+        <p:sp>
+          <p:nvSpPr>
+            <p:cNvPr id="173" name="Rounded Rectangle 172"/>
+            <p:cNvSpPr/>
+            <p:nvPr/>
+          </p:nvSpPr>
+          <p:spPr bwMode="auto">
+            <a:xfrm>
+              <a:off x="10941514" y="4372196"/>
+              <a:ext cx="1082770" cy="359541"/>
+            </a:xfrm>
+            <a:prstGeom prst="roundRect">
+              <a:avLst/>
+            </a:prstGeom>
+            <a:solidFill>
+              <a:schemeClr val="accent4">
+                <a:lumMod val="50000"/>
+              </a:schemeClr>
+            </a:solidFill>
+            <a:ln w="9525" cap="flat" cmpd="sng" algn="ctr">
+              <a:solidFill>
+                <a:srgbClr val="00AFBE">
+                  <a:shade val="95000"/>
+                  <a:satMod val="105000"/>
+                </a:srgbClr>
+              </a:solidFill>
+              <a:prstDash val="solid"/>
+            </a:ln>
+            <a:effectLst>
+              <a:outerShdw blurRad="40000" dist="20000" dir="5400000" rotWithShape="0">
+                <a:srgbClr val="000000">
+                  <a:alpha val="38000"/>
+                </a:srgbClr>
+              </a:outerShdw>
+            </a:effectLst>
+          </p:spPr>
+          <p:txBody>
+            <a:bodyPr rot="0" spcFirstLastPara="0" vertOverflow="overflow" horzOverflow="overflow" vert="horz" wrap="square" lIns="0" tIns="0" rIns="0" bIns="0" numCol="1" spcCol="0" rtlCol="0" fromWordArt="0" anchor="ctr" anchorCtr="0" forceAA="0" compatLnSpc="1">
+              <a:prstTxWarp prst="textNoShape">
+                <a:avLst/>
+              </a:prstTxWarp>
+              <a:noAutofit/>
+            </a:bodyPr>
+            <a:lstStyle/>
+            <a:p>
+              <a:r>
+                <a:rPr lang="en-IN" sz="1000" kern="0">
+                  <a:solidFill>
+                    <a:schemeClr val="bg1"/>
+                  </a:solidFill>
+                  <a:latin typeface="Calibri" panose="020F0502020204030204"/>
+                </a:rPr>
+                <a:t>Performance Testing</a:t>
+              </a:r>
+            </a:p>
+          </p:txBody>
+        </p:sp>
+        <p:sp>
+          <p:nvSpPr>
+            <p:cNvPr id="175" name="Rounded Rectangle 174"/>
+            <p:cNvSpPr/>
+            <p:nvPr/>
+          </p:nvSpPr>
+          <p:spPr bwMode="auto">
+            <a:xfrm>
+              <a:off x="5605688" y="4610101"/>
+              <a:ext cx="951535" cy="311966"/>
+            </a:xfrm>
+            <a:prstGeom prst="roundRect">
+              <a:avLst/>
+            </a:prstGeom>
+            <a:solidFill>
+              <a:srgbClr val="559BD1"/>
+            </a:solidFill>
+            <a:ln>
+              <a:noFill/>
+            </a:ln>
+            <a:effectLst/>
+          </p:spPr>
+          <p:txBody>
+            <a:bodyPr rot="0" spcFirstLastPara="0" vertOverflow="overflow" horzOverflow="overflow" vert="horz" wrap="square" lIns="0" tIns="0" rIns="0" bIns="0" numCol="1" spcCol="0" rtlCol="0" fromWordArt="0" anchor="ctr" anchorCtr="0" forceAA="0" compatLnSpc="1">
+              <a:prstTxWarp prst="textNoShape">
+                <a:avLst/>
+              </a:prstTxWarp>
+              <a:noAutofit/>
+            </a:bodyPr>
+            <a:lstStyle/>
+            <a:p>
+              <a:r>
+                <a:rPr lang="en-IN" sz="1100" b="1" kern="0">
+                  <a:latin typeface="Calibri" panose="020F0502020204030204"/>
+                </a:rPr>
+                <a:t>Performance Testing</a:t>
+              </a:r>
+            </a:p>
+          </p:txBody>
+        </p:sp>
+        <p:pic>
+          <p:nvPicPr>
+            <p:cNvPr id="5" name="Picture 4"/>
+            <p:cNvPicPr>
+              <a:picLocks noChangeAspect="1"/>
+            </p:cNvPicPr>
+            <p:nvPr/>
+          </p:nvPicPr>
+          <p:blipFill>
+            <a:blip r:embed="rId5"/>
+            <a:stretch>
+              <a:fillRect/>
+            </a:stretch>
+          </p:blipFill>
+          <p:spPr>
+            <a:xfrm>
+              <a:off x="5776045" y="2523212"/>
+              <a:ext cx="192988" cy="186250"/>
+            </a:xfrm>
+            <a:prstGeom prst="rect">
+              <a:avLst/>
+            </a:prstGeom>
+          </p:spPr>
+        </p:pic>
+        <p:sp>
+          <p:nvSpPr>
+            <p:cNvPr id="3" name="Arrow: Left 31">
+              <a:extLst>
+                <a:ext uri="{FF2B5EF4-FFF2-40B4-BE49-F238E27FC236}">
+                  <a16:creationId xmlns:a16="http://schemas.microsoft.com/office/drawing/2014/main" id="{EF8F840C-3AA0-9CD4-E3F0-A2209EE6F515}"/>
+                </a:ext>
+              </a:extLst>
+            </p:cNvPr>
+            <p:cNvSpPr/>
+            <p:nvPr/>
+          </p:nvSpPr>
+          <p:spPr>
+            <a:xfrm flipH="1">
+              <a:off x="271066" y="5477329"/>
+              <a:ext cx="11524887" cy="337955"/>
+            </a:xfrm>
+            <a:prstGeom prst="leftArrow">
+              <a:avLst>
+                <a:gd name="adj1" fmla="val 67992"/>
+                <a:gd name="adj2" fmla="val 50000"/>
+              </a:avLst>
+            </a:prstGeom>
+            <a:gradFill flip="none" rotWithShape="1">
+              <a:gsLst>
+                <a:gs pos="0">
+                  <a:schemeClr val="accent1">
+                    <a:lumMod val="0"/>
+                    <a:lumOff val="100000"/>
+                  </a:schemeClr>
+                </a:gs>
+                <a:gs pos="35000">
+                  <a:schemeClr val="accent1">
+                    <a:lumMod val="0"/>
+                    <a:lumOff val="100000"/>
+                  </a:schemeClr>
+                </a:gs>
+                <a:gs pos="100000">
+                  <a:schemeClr val="accent1">
+                    <a:lumMod val="100000"/>
+                  </a:schemeClr>
+                </a:gs>
+              </a:gsLst>
+              <a:path path="circle">
+                <a:fillToRect l="100000" t="100000"/>
+              </a:path>
+              <a:tileRect r="-100000" b="-100000"/>
+            </a:gradFill>
+            <a:ln w="6350">
+              <a:solidFill>
+                <a:srgbClr val="FF6200"/>
+              </a:solidFill>
+            </a:ln>
+          </p:spPr>
+          <p:style>
+            <a:lnRef idx="2">
+              <a:schemeClr val="accent1">
+                <a:shade val="50000"/>
+              </a:schemeClr>
+            </a:lnRef>
+            <a:fillRef idx="1">
+              <a:schemeClr val="accent1"/>
+            </a:fillRef>
+            <a:effectRef idx="0">
+              <a:schemeClr val="accent1"/>
+            </a:effectRef>
+            <a:fontRef idx="minor">
+              <a:schemeClr val="lt1"/>
+            </a:fontRef>
+          </p:style>
+          <p:txBody>
+            <a:bodyPr rot="0" spcFirstLastPara="0" vertOverflow="overflow" horzOverflow="overflow" vert="horz" wrap="square" lIns="36000" tIns="36000" rIns="36000" bIns="36000" numCol="1" spcCol="0" rtlCol="0" fromWordArt="0" anchor="t" anchorCtr="0" forceAA="0" compatLnSpc="1">
+              <a:prstTxWarp prst="textNoShape">
+                <a:avLst/>
+              </a:prstTxWarp>
+              <a:noAutofit/>
+            </a:bodyPr>
+            <a:lstStyle/>
+            <a:p>
+              <a:pPr marL="0" marR="0" lvl="0" indent="0" algn="ctr" defTabSz="914400" rtl="0" eaLnBrk="1" fontAlgn="auto" latinLnBrk="0" hangingPunct="1">
+                <a:lnSpc>
+                  <a:spcPct val="90000"/>
+                </a:lnSpc>
+                <a:spcBef>
+                  <a:spcPts val="0"/>
+                </a:spcBef>
+                <a:spcAft>
+                  <a:spcPts val="0"/>
+                </a:spcAft>
+                <a:buClrTx/>
+                <a:buSzTx/>
+                <a:buFontTx/>
+                <a:buNone/>
+                <a:tabLst/>
+                <a:defRPr/>
+              </a:pPr>
+              <a:r>
+                <a:rPr kumimoji="0" lang="en-US" sz="1400" b="1" i="0" u="none" strike="noStrike" kern="1200" cap="none" spc="0" normalizeH="0" baseline="0" noProof="0">
+                  <a:ln>
+                    <a:noFill/>
+                  </a:ln>
+                  <a:solidFill>
+                    <a:schemeClr val="tx1"/>
+                  </a:solidFill>
+                  <a:effectLst/>
+                  <a:uLnTx/>
+                  <a:uFillTx/>
+                  <a:latin typeface="ING Me"/>
+                  <a:ea typeface="+mn-ea"/>
+                  <a:cs typeface="+mn-cs"/>
+                </a:rPr>
+                <a:t>Shift right testing</a:t>
+              </a:r>
+              <a:endParaRPr kumimoji="0" lang="nl-NL" sz="1400" b="1" i="0" u="none" strike="noStrike" kern="1200" cap="none" spc="0" normalizeH="0" baseline="0" noProof="0">
+                <a:ln>
+                  <a:noFill/>
+                </a:ln>
+                <a:solidFill>
+                  <a:schemeClr val="tx1"/>
+                </a:solidFill>
+                <a:effectLst/>
+                <a:uLnTx/>
+                <a:uFillTx/>
+                <a:latin typeface="ING Me"/>
+                <a:ea typeface="+mn-ea"/>
+                <a:cs typeface="+mn-cs"/>
+              </a:endParaRPr>
+            </a:p>
+          </p:txBody>
+        </p:sp>
+      </p:grpSp>
+      <p:sp>
+        <p:nvSpPr>
+          <p:cNvPr id="2" name="Rounded Rectangle 1">
+            <a:extLst>
+              <a:ext uri="{FF2B5EF4-FFF2-40B4-BE49-F238E27FC236}">
+                <a16:creationId xmlns:a16="http://schemas.microsoft.com/office/drawing/2014/main" id="{DDC77B79-8BB1-C388-F66D-EAC021AF748F}"/>
+              </a:ext>
+            </a:extLst>
+          </p:cNvPr>
+          <p:cNvSpPr/>
+          <p:nvPr/>
+        </p:nvSpPr>
+        <p:spPr bwMode="auto">
+          <a:xfrm>
+            <a:off x="306565" y="5938733"/>
+            <a:ext cx="1385757" cy="349831"/>
+          </a:xfrm>
+          <a:prstGeom prst="roundRect">
+            <a:avLst/>
+          </a:prstGeom>
+          <a:solidFill>
+            <a:schemeClr val="accent4">
+              <a:lumMod val="50000"/>
+            </a:schemeClr>
+          </a:solidFill>
+          <a:ln w="9525" cap="flat" cmpd="sng" algn="ctr">
+            <a:solidFill>
+              <a:srgbClr val="00AFBE">
+                <a:shade val="95000"/>
+                <a:satMod val="105000"/>
+              </a:srgbClr>
+            </a:solidFill>
+            <a:prstDash val="solid"/>
+          </a:ln>
+          <a:effectLst>
+            <a:outerShdw blurRad="40000" dist="20000" dir="5400000" rotWithShape="0">
+              <a:srgbClr val="000000">
+                <a:alpha val="38000"/>
+              </a:srgbClr>
+            </a:outerShdw>
+          </a:effectLst>
+        </p:spPr>
+        <p:txBody>
+          <a:bodyPr rot="0" spcFirstLastPara="0" vertOverflow="overflow" horzOverflow="overflow" vert="horz" wrap="square" lIns="0" tIns="0" rIns="0" bIns="0" numCol="1" spcCol="0" rtlCol="0" fromWordArt="0" anchor="ctr" anchorCtr="0" forceAA="0" compatLnSpc="1">
+            <a:prstTxWarp prst="textNoShape">
+              <a:avLst/>
+            </a:prstTxWarp>
+            <a:noAutofit/>
+          </a:bodyPr>
+          <a:lstStyle/>
+          <a:p>
+            <a:r>
+              <a:rPr lang="en-IN" sz="1400" kern="0">
+                <a:solidFill>
+                  <a:schemeClr val="bg1"/>
+                </a:solidFill>
+                <a:latin typeface="Calibri" panose="020F0502020204030204"/>
+              </a:rPr>
+              <a:t>Test-related step</a:t>
+            </a:r>
+          </a:p>
+        </p:txBody>
+      </p:sp>
+      <p:sp>
+        <p:nvSpPr>
+          <p:cNvPr id="4" name="Rounded Rectangle 3">
+            <a:extLst>
+              <a:ext uri="{FF2B5EF4-FFF2-40B4-BE49-F238E27FC236}">
+                <a16:creationId xmlns:a16="http://schemas.microsoft.com/office/drawing/2014/main" id="{65A88D1D-1BF9-32B1-8FEC-A384D772ED96}"/>
+              </a:ext>
+            </a:extLst>
+          </p:cNvPr>
+          <p:cNvSpPr/>
+          <p:nvPr/>
+        </p:nvSpPr>
+        <p:spPr bwMode="auto">
+          <a:xfrm>
+            <a:off x="306565" y="6370546"/>
+            <a:ext cx="1385757" cy="337955"/>
+          </a:xfrm>
+          <a:prstGeom prst="roundRect">
+            <a:avLst/>
+          </a:prstGeom>
+          <a:solidFill>
+            <a:schemeClr val="accent6">
+              <a:lumMod val="75000"/>
+            </a:schemeClr>
+          </a:solidFill>
+          <a:ln w="9525" cap="flat" cmpd="sng" algn="ctr">
+            <a:solidFill>
+              <a:schemeClr val="accent6">
+                <a:lumMod val="75000"/>
+              </a:schemeClr>
+            </a:solidFill>
+            <a:prstDash val="solid"/>
+          </a:ln>
+          <a:effectLst>
+            <a:outerShdw blurRad="40000" dist="20000" dir="5400000" rotWithShape="0">
+              <a:srgbClr val="000000">
+                <a:alpha val="38000"/>
+              </a:srgbClr>
+            </a:outerShdw>
+          </a:effectLst>
+        </p:spPr>
+        <p:txBody>
+          <a:bodyPr rot="0" spcFirstLastPara="0" vertOverflow="overflow" horzOverflow="overflow" vert="horz" wrap="square" lIns="0" tIns="0" rIns="0" bIns="0" numCol="1" spcCol="0" rtlCol="0" fromWordArt="0" anchor="ctr" anchorCtr="0" forceAA="0" compatLnSpc="1">
+            <a:prstTxWarp prst="textNoShape">
+              <a:avLst/>
+            </a:prstTxWarp>
+            <a:noAutofit/>
+          </a:bodyPr>
+          <a:lstStyle/>
+          <a:p>
+            <a:r>
+              <a:rPr lang="en-IN" sz="1400" kern="0">
+                <a:solidFill>
+                  <a:schemeClr val="bg1"/>
+                </a:solidFill>
+                <a:latin typeface="Calibri" panose="020F0502020204030204"/>
+              </a:rPr>
+              <a:t>Other steps</a:t>
+            </a:r>
+          </a:p>
+        </p:txBody>
+      </p:sp>
+    </p:spTree>
+    <p:extLst>
+      <p:ext uri="{BB962C8B-B14F-4D97-AF65-F5344CB8AC3E}">
+        <p14:creationId xmlns:p14="http://schemas.microsoft.com/office/powerpoint/2010/main" val="104278889"/>
+      </p:ext>
+    </p:extLst>
+  </p:cSld>
+  <p:clrMapOvr>
+    <a:masterClrMapping/>
+  </p:clrMapOvr>
+  <p:extLst>
+    <p:ext uri="{6950BFC3-D8DA-4A85-94F7-54DA5524770B}">
+      <p188:commentRel xmlns:p188="http://schemas.microsoft.com/office/powerpoint/2018/8/main" r:id="rId3"/>
+    </p:ext>
+  </p:extLst>
+</p:sld>
+</file>
+
+<file path=ppt/slides/slide24.xml><?xml version="1.0" encoding="utf-8"?>
+<p:sld xmlns:a="http://schemas.openxmlformats.org/drawingml/2006/main" xmlns:r="http://schemas.openxmlformats.org/officeDocument/2006/relationships" xmlns:p="http://schemas.openxmlformats.org/presentationml/2006/main">
+  <p:cSld>
+    <p:spTree>
+      <p:nvGrpSpPr>
+        <p:cNvPr id="1" name="">
+          <a:extLst>
+            <a:ext uri="{FF2B5EF4-FFF2-40B4-BE49-F238E27FC236}">
+              <a16:creationId xmlns:a16="http://schemas.microsoft.com/office/drawing/2014/main" id="{7FC762EB-059F-DB26-1B52-DB5D9B28C781}"/>
+            </a:ext>
+          </a:extLst>
+        </p:cNvPr>
+        <p:cNvGrpSpPr/>
+        <p:nvPr/>
+      </p:nvGrpSpPr>
+      <p:grpSpPr>
+        <a:xfrm>
+          <a:off x="0" y="0"/>
+          <a:ext cx="0" cy="0"/>
+          <a:chOff x="0" y="0"/>
+          <a:chExt cx="0" cy="0"/>
+        </a:xfrm>
+      </p:grpSpPr>
+      <p:sp>
+        <p:nvSpPr>
+          <p:cNvPr id="2" name="Title 1">
+            <a:extLst>
+              <a:ext uri="{FF2B5EF4-FFF2-40B4-BE49-F238E27FC236}">
+                <a16:creationId xmlns:a16="http://schemas.microsoft.com/office/drawing/2014/main" id="{B0D76003-846C-8373-17A3-AF4452543986}"/>
+              </a:ext>
+            </a:extLst>
+          </p:cNvPr>
+          <p:cNvSpPr>
+            <a:spLocks noGrp="1"/>
+          </p:cNvSpPr>
+          <p:nvPr>
+            <p:ph type="title"/>
+          </p:nvPr>
+        </p:nvSpPr>
+        <p:spPr/>
+        <p:txBody>
+          <a:bodyPr>
+            <a:normAutofit fontScale="90000"/>
+          </a:bodyPr>
+          <a:lstStyle/>
+          <a:p>
+            <a:pPr>
+              <a:lnSpc>
+                <a:spcPct val="150000"/>
+              </a:lnSpc>
+            </a:pPr>
+            <a:r>
+              <a:rPr lang="en-NL"/>
+              <a:t>Types of tests</a:t>
+            </a:r>
+            <a:endParaRPr lang="en-NL" sz="2800">
+              <a:latin typeface="+mj-lt"/>
+            </a:endParaRPr>
+          </a:p>
+        </p:txBody>
+      </p:sp>
+      <p:sp>
+        <p:nvSpPr>
+          <p:cNvPr id="3" name="Content Placeholder 2">
+            <a:extLst>
+              <a:ext uri="{FF2B5EF4-FFF2-40B4-BE49-F238E27FC236}">
+                <a16:creationId xmlns:a16="http://schemas.microsoft.com/office/drawing/2014/main" id="{09CB6A80-6D7B-666D-5977-58D66836C154}"/>
+              </a:ext>
+            </a:extLst>
+          </p:cNvPr>
+          <p:cNvSpPr>
+            <a:spLocks noGrp="1"/>
+          </p:cNvSpPr>
+          <p:nvPr>
+            <p:ph idx="1"/>
+          </p:nvPr>
+        </p:nvSpPr>
+        <p:spPr>
+          <a:xfrm>
+            <a:off x="657391" y="1460310"/>
+            <a:ext cx="10970501" cy="5004849"/>
+          </a:xfrm>
+        </p:spPr>
+        <p:txBody>
+          <a:bodyPr>
+            <a:normAutofit fontScale="92500"/>
+          </a:bodyPr>
+          <a:lstStyle/>
+          <a:p>
+            <a:pPr>
+              <a:lnSpc>
+                <a:spcPct val="150000"/>
+              </a:lnSpc>
+            </a:pPr>
+            <a:r>
+              <a:rPr lang="en-US" sz="2000">
+                <a:solidFill>
+                  <a:srgbClr val="333333"/>
+                </a:solidFill>
+              </a:rPr>
+              <a:t>The owning team writes and maintains tests* </a:t>
+            </a:r>
+            <a:r>
+              <a:rPr lang="en-US" sz="2000" i="1">
+                <a:solidFill>
+                  <a:srgbClr val="333333"/>
+                </a:solidFill>
+              </a:rPr>
+              <a:t>of one or more of these types as appropriate to the service</a:t>
+            </a:r>
+            <a:r>
+              <a:rPr lang="en-US" sz="2000">
+                <a:solidFill>
+                  <a:srgbClr val="333333"/>
+                </a:solidFill>
+              </a:rPr>
+              <a:t>:</a:t>
+            </a:r>
+            <a:endParaRPr lang="en-US" sz="1800">
+              <a:solidFill>
+                <a:srgbClr val="333333"/>
+              </a:solidFill>
+            </a:endParaRPr>
+          </a:p>
+          <a:p>
+            <a:pPr marL="522900" lvl="1" indent="-342900">
+              <a:lnSpc>
+                <a:spcPct val="150000"/>
+              </a:lnSpc>
+              <a:buFont typeface="+mj-lt"/>
+              <a:buAutoNum type="arabicPeriod"/>
+            </a:pPr>
+            <a:r>
+              <a:rPr lang="en-US" sz="1800">
+                <a:solidFill>
+                  <a:srgbClr val="333333"/>
+                </a:solidFill>
+              </a:rPr>
+              <a:t>Unit tests</a:t>
+            </a:r>
+          </a:p>
+          <a:p>
+            <a:pPr marL="522900" lvl="1" indent="-342900">
+              <a:lnSpc>
+                <a:spcPct val="150000"/>
+              </a:lnSpc>
+              <a:buFont typeface="+mj-lt"/>
+              <a:buAutoNum type="arabicPeriod"/>
+            </a:pPr>
+            <a:r>
+              <a:rPr lang="en-US" sz="1800">
+                <a:solidFill>
+                  <a:srgbClr val="333333"/>
+                </a:solidFill>
+              </a:rPr>
+              <a:t>Integration tests</a:t>
+            </a:r>
+          </a:p>
+          <a:p>
+            <a:pPr marL="522900" lvl="1" indent="-342900">
+              <a:lnSpc>
+                <a:spcPct val="150000"/>
+              </a:lnSpc>
+              <a:buFont typeface="+mj-lt"/>
+              <a:buAutoNum type="arabicPeriod"/>
+            </a:pPr>
+            <a:r>
+              <a:rPr lang="en-US" sz="1800">
+                <a:solidFill>
+                  <a:srgbClr val="333333"/>
+                </a:solidFill>
+              </a:rPr>
+              <a:t>Mock tests to mock out platform and external dependencies</a:t>
+            </a:r>
+          </a:p>
+          <a:p>
+            <a:pPr marL="522900" lvl="1" indent="-342900">
+              <a:lnSpc>
+                <a:spcPct val="150000"/>
+              </a:lnSpc>
+              <a:buFont typeface="+mj-lt"/>
+              <a:buAutoNum type="arabicPeriod"/>
+            </a:pPr>
+            <a:r>
+              <a:rPr lang="en-US" sz="1800">
+                <a:solidFill>
+                  <a:srgbClr val="333333"/>
+                </a:solidFill>
+              </a:rPr>
+              <a:t>Contract tests</a:t>
+            </a:r>
+          </a:p>
+          <a:p>
+            <a:pPr marL="522900" lvl="1" indent="-342900">
+              <a:lnSpc>
+                <a:spcPct val="150000"/>
+              </a:lnSpc>
+              <a:buFont typeface="+mj-lt"/>
+              <a:buAutoNum type="arabicPeriod"/>
+            </a:pPr>
+            <a:r>
+              <a:rPr lang="en-US" sz="1800">
+                <a:solidFill>
+                  <a:srgbClr val="333333"/>
+                </a:solidFill>
+              </a:rPr>
+              <a:t>Load tests</a:t>
+            </a:r>
+          </a:p>
+          <a:p>
+            <a:pPr marL="522900" lvl="1" indent="-342900">
+              <a:lnSpc>
+                <a:spcPct val="150000"/>
+              </a:lnSpc>
+              <a:buFont typeface="+mj-lt"/>
+              <a:buAutoNum type="arabicPeriod"/>
+            </a:pPr>
+            <a:r>
+              <a:rPr lang="en-US" sz="1800">
+                <a:solidFill>
+                  <a:srgbClr val="333333"/>
+                </a:solidFill>
+              </a:rPr>
+              <a:t>Smoke tests</a:t>
+            </a:r>
+          </a:p>
+          <a:p>
+            <a:pPr marL="522900" lvl="1" indent="-342900">
+              <a:lnSpc>
+                <a:spcPct val="150000"/>
+              </a:lnSpc>
+              <a:buFont typeface="+mj-lt"/>
+              <a:buAutoNum type="arabicPeriod"/>
+            </a:pPr>
+            <a:r>
+              <a:rPr lang="en-US" sz="1800">
+                <a:solidFill>
+                  <a:srgbClr val="333333"/>
+                </a:solidFill>
+              </a:rPr>
+              <a:t>Penetration &amp; security tests</a:t>
+            </a:r>
+          </a:p>
+          <a:p>
+            <a:pPr marL="522900" lvl="1" indent="-342900">
+              <a:lnSpc>
+                <a:spcPct val="150000"/>
+              </a:lnSpc>
+              <a:buFont typeface="+mj-lt"/>
+              <a:buAutoNum type="arabicPeriod"/>
+            </a:pPr>
+            <a:r>
+              <a:rPr lang="en-US" sz="1800">
+                <a:solidFill>
+                  <a:srgbClr val="333333"/>
+                </a:solidFill>
+              </a:rPr>
+              <a:t>End to end tests including UI tests</a:t>
+            </a:r>
+          </a:p>
+          <a:p>
+            <a:pPr marL="522900" lvl="1" indent="-342900">
+              <a:lnSpc>
+                <a:spcPct val="150000"/>
+              </a:lnSpc>
+              <a:buFont typeface="+mj-lt"/>
+              <a:buAutoNum type="arabicPeriod"/>
+            </a:pPr>
+            <a:r>
+              <a:rPr lang="en-US" sz="1800">
+                <a:solidFill>
+                  <a:srgbClr val="333333"/>
+                </a:solidFill>
+              </a:rPr>
+              <a:t>User acceptance tests</a:t>
+            </a:r>
+          </a:p>
+          <a:p>
+            <a:pPr marL="522900" lvl="1" indent="-342900">
+              <a:lnSpc>
+                <a:spcPct val="150000"/>
+              </a:lnSpc>
+              <a:buFont typeface="+mj-lt"/>
+              <a:buAutoNum type="arabicPeriod"/>
+            </a:pPr>
+            <a:r>
+              <a:rPr lang="en-US" sz="1800">
+                <a:solidFill>
+                  <a:srgbClr val="333333"/>
+                </a:solidFill>
+              </a:rPr>
+              <a:t>Mobile device tests against connected backend </a:t>
+            </a:r>
+            <a:r>
+              <a:rPr lang="en-US" sz="1800" err="1">
+                <a:solidFill>
+                  <a:srgbClr val="333333"/>
+                </a:solidFill>
+              </a:rPr>
+              <a:t>envs</a:t>
+            </a:r>
+            <a:endParaRPr lang="en-US" sz="1800">
+              <a:solidFill>
+                <a:srgbClr val="333333"/>
+              </a:solidFill>
+            </a:endParaRPr>
+          </a:p>
+        </p:txBody>
+      </p:sp>
+      <p:sp>
+        <p:nvSpPr>
+          <p:cNvPr id="5" name="TextBox 4">
+            <a:extLst>
+              <a:ext uri="{FF2B5EF4-FFF2-40B4-BE49-F238E27FC236}">
+                <a16:creationId xmlns:a16="http://schemas.microsoft.com/office/drawing/2014/main" id="{5E0BB4C8-058C-A4AD-4C4E-D0E201F099A7}"/>
+              </a:ext>
+            </a:extLst>
+          </p:cNvPr>
+          <p:cNvSpPr txBox="1"/>
+          <p:nvPr/>
+        </p:nvSpPr>
+        <p:spPr>
+          <a:xfrm>
+            <a:off x="657392" y="6342328"/>
+            <a:ext cx="8468434" cy="380873"/>
+          </a:xfrm>
+          <a:prstGeom prst="rect">
+            <a:avLst/>
+          </a:prstGeom>
+          <a:noFill/>
+        </p:spPr>
+        <p:txBody>
+          <a:bodyPr wrap="square">
+            <a:spAutoFit/>
+          </a:bodyPr>
+          <a:lstStyle/>
+          <a:p>
+            <a:pPr>
+              <a:lnSpc>
+                <a:spcPct val="150000"/>
+              </a:lnSpc>
+            </a:pPr>
+            <a:r>
+              <a:rPr lang="en-US" sz="1400">
+                <a:solidFill>
+                  <a:srgbClr val="333333"/>
+                </a:solidFill>
+              </a:rPr>
+              <a:t>* See definition of each type of test in the </a:t>
+            </a:r>
+            <a:r>
+              <a:rPr lang="en-US" sz="1400">
+                <a:solidFill>
+                  <a:srgbClr val="333333"/>
+                </a:solidFill>
+                <a:hlinkClick r:id="" action="ppaction://noaction"/>
+              </a:rPr>
+              <a:t>glossary</a:t>
+            </a:r>
+            <a:r>
+              <a:rPr lang="en-US" sz="1400">
+                <a:solidFill>
+                  <a:srgbClr val="333333"/>
+                </a:solidFill>
+              </a:rPr>
+              <a:t> at the end of this deck.</a:t>
+            </a:r>
+          </a:p>
+        </p:txBody>
+      </p:sp>
+    </p:spTree>
+    <p:extLst>
+      <p:ext uri="{BB962C8B-B14F-4D97-AF65-F5344CB8AC3E}">
+        <p14:creationId xmlns:p14="http://schemas.microsoft.com/office/powerpoint/2010/main" val="2743235038"/>
+      </p:ext>
+    </p:extLst>
+  </p:cSld>
+  <p:clrMapOvr>
+    <a:masterClrMapping/>
+  </p:clrMapOvr>
+  <p:extLst>
+    <p:ext uri="{6950BFC3-D8DA-4A85-94F7-54DA5524770B}">
+      <p188:commentRel xmlns:p188="http://schemas.microsoft.com/office/powerpoint/2018/8/main" r:id="rId2"/>
+    </p:ext>
+  </p:extLst>
+</p:sld>
+</file>
+
+<file path=ppt/slides/slide25.xml><?xml version="1.0" encoding="utf-8"?>
+<p:sld xmlns:a="http://schemas.openxmlformats.org/drawingml/2006/main" xmlns:r="http://schemas.openxmlformats.org/officeDocument/2006/relationships" xmlns:p="http://schemas.openxmlformats.org/presentationml/2006/main">
+  <p:cSld>
+    <p:spTree>
+      <p:nvGrpSpPr>
+        <p:cNvPr id="1" name="">
+          <a:extLst>
+            <a:ext uri="{FF2B5EF4-FFF2-40B4-BE49-F238E27FC236}">
+              <a16:creationId xmlns:a16="http://schemas.microsoft.com/office/drawing/2014/main" id="{DF38A3A5-5420-E887-34FF-F3D025386B9E}"/>
+            </a:ext>
+          </a:extLst>
+        </p:cNvPr>
+        <p:cNvGrpSpPr/>
+        <p:nvPr/>
+      </p:nvGrpSpPr>
+      <p:grpSpPr>
+        <a:xfrm>
+          <a:off x="0" y="0"/>
+          <a:ext cx="0" cy="0"/>
+          <a:chOff x="0" y="0"/>
+          <a:chExt cx="0" cy="0"/>
+        </a:xfrm>
+      </p:grpSpPr>
+      <p:sp>
+        <p:nvSpPr>
+          <p:cNvPr id="2" name="Title 1">
+            <a:extLst>
+              <a:ext uri="{FF2B5EF4-FFF2-40B4-BE49-F238E27FC236}">
+                <a16:creationId xmlns:a16="http://schemas.microsoft.com/office/drawing/2014/main" id="{55A9FB6F-0728-3269-8D7F-FC1859966CC3}"/>
+              </a:ext>
+            </a:extLst>
+          </p:cNvPr>
+          <p:cNvSpPr>
+            <a:spLocks noGrp="1"/>
+          </p:cNvSpPr>
+          <p:nvPr>
+            <p:ph type="title"/>
+          </p:nvPr>
+        </p:nvSpPr>
+        <p:spPr/>
+        <p:txBody>
+          <a:bodyPr>
+            <a:normAutofit fontScale="90000"/>
+          </a:bodyPr>
+          <a:lstStyle/>
+          <a:p>
+            <a:pPr>
+              <a:lnSpc>
+                <a:spcPct val="150000"/>
+              </a:lnSpc>
+            </a:pPr>
+            <a:r>
+              <a:rPr lang="en-NL"/>
+              <a:t>Where to run tests?</a:t>
+            </a:r>
+            <a:endParaRPr lang="en-NL" sz="2800">
+              <a:latin typeface="+mj-lt"/>
+            </a:endParaRPr>
+          </a:p>
+        </p:txBody>
+      </p:sp>
+      <p:sp>
+        <p:nvSpPr>
+          <p:cNvPr id="3" name="Content Placeholder 2">
+            <a:extLst>
+              <a:ext uri="{FF2B5EF4-FFF2-40B4-BE49-F238E27FC236}">
+                <a16:creationId xmlns:a16="http://schemas.microsoft.com/office/drawing/2014/main" id="{D8F222BC-7DAB-2980-33DA-82744E4B9670}"/>
+              </a:ext>
+            </a:extLst>
+          </p:cNvPr>
+          <p:cNvSpPr>
+            <a:spLocks noGrp="1"/>
+          </p:cNvSpPr>
+          <p:nvPr>
+            <p:ph idx="1"/>
+          </p:nvPr>
+        </p:nvSpPr>
+        <p:spPr>
+          <a:xfrm>
+            <a:off x="659008" y="1505415"/>
+            <a:ext cx="10875600" cy="5027350"/>
+          </a:xfrm>
+        </p:spPr>
+        <p:txBody>
+          <a:bodyPr>
+            <a:normAutofit fontScale="47500" lnSpcReduction="20000"/>
+          </a:bodyPr>
+          <a:lstStyle/>
+          <a:p>
+            <a:pPr>
+              <a:lnSpc>
+                <a:spcPct val="150000"/>
+              </a:lnSpc>
+            </a:pPr>
+            <a:r>
+              <a:rPr lang="en-US" b="1">
+                <a:solidFill>
+                  <a:srgbClr val="FF6200"/>
+                </a:solidFill>
+              </a:rPr>
+              <a:t>CI/CD Pipeline</a:t>
+            </a:r>
+          </a:p>
+          <a:p>
+            <a:pPr marL="342900" indent="-342900">
+              <a:lnSpc>
+                <a:spcPct val="150000"/>
+              </a:lnSpc>
+              <a:buClr>
+                <a:srgbClr val="FF6200"/>
+              </a:buClr>
+              <a:buFont typeface="Arial" panose="020B0604020202020204" pitchFamily="34" charset="0"/>
+              <a:buChar char="•"/>
+            </a:pPr>
+            <a:r>
+              <a:rPr lang="en-US" sz="2000">
+                <a:solidFill>
+                  <a:srgbClr val="333333"/>
+                </a:solidFill>
+              </a:rPr>
+              <a:t>All automated tests: unit, smoke, integration, contract tests, etc. </a:t>
+            </a:r>
+            <a:r>
+              <a:rPr lang="en-US">
+                <a:solidFill>
+                  <a:srgbClr val="333333"/>
+                </a:solidFill>
+              </a:rPr>
+              <a:t>must run in the CI/CD pipeline whenever deploying to </a:t>
+            </a:r>
+            <a:r>
+              <a:rPr lang="en-US" b="1" i="1">
+                <a:solidFill>
+                  <a:srgbClr val="333333"/>
+                </a:solidFill>
+              </a:rPr>
+              <a:t>any</a:t>
+            </a:r>
+            <a:r>
+              <a:rPr lang="en-US">
+                <a:solidFill>
+                  <a:srgbClr val="333333"/>
+                </a:solidFill>
+              </a:rPr>
+              <a:t> env. Only if the test suite succeeds will the build artefact be created and deployed</a:t>
+            </a:r>
+          </a:p>
+          <a:p>
+            <a:pPr>
+              <a:lnSpc>
+                <a:spcPct val="150000"/>
+              </a:lnSpc>
+            </a:pPr>
+            <a:r>
+              <a:rPr lang="en-US" b="1">
+                <a:solidFill>
+                  <a:srgbClr val="FF6200"/>
+                </a:solidFill>
+              </a:rPr>
+              <a:t>Test </a:t>
+            </a:r>
+            <a:r>
+              <a:rPr lang="en-US" b="1" err="1">
+                <a:solidFill>
+                  <a:srgbClr val="FF6200"/>
+                </a:solidFill>
+              </a:rPr>
+              <a:t>envs</a:t>
+            </a:r>
+            <a:endParaRPr lang="en-US" b="1">
+              <a:solidFill>
+                <a:srgbClr val="FF6200"/>
+              </a:solidFill>
+            </a:endParaRPr>
+          </a:p>
+          <a:p>
+            <a:pPr marL="342900" indent="-342900">
+              <a:lnSpc>
+                <a:spcPct val="150000"/>
+              </a:lnSpc>
+              <a:buClr>
+                <a:srgbClr val="FF6200"/>
+              </a:buClr>
+              <a:buFont typeface="Arial" panose="020B0604020202020204" pitchFamily="34" charset="0"/>
+              <a:buChar char="•"/>
+            </a:pPr>
+            <a:r>
+              <a:rPr lang="en-US" sz="2000">
+                <a:solidFill>
+                  <a:srgbClr val="333333"/>
+                </a:solidFill>
+              </a:rPr>
+              <a:t>Manual test are </a:t>
+            </a:r>
+            <a:r>
+              <a:rPr lang="en-US">
+                <a:solidFill>
+                  <a:srgbClr val="333333"/>
+                </a:solidFill>
+              </a:rPr>
+              <a:t>done </a:t>
+            </a:r>
+            <a:r>
+              <a:rPr lang="en-US" sz="2000">
+                <a:solidFill>
+                  <a:srgbClr val="333333"/>
+                </a:solidFill>
+              </a:rPr>
+              <a:t>as appropriate in dev, test, and acc </a:t>
+            </a:r>
+            <a:r>
+              <a:rPr lang="en-US" sz="2000" err="1">
+                <a:solidFill>
+                  <a:srgbClr val="333333"/>
+                </a:solidFill>
+              </a:rPr>
+              <a:t>envs</a:t>
+            </a:r>
+            <a:endParaRPr lang="en-US" b="1">
+              <a:solidFill>
+                <a:srgbClr val="FF6200"/>
+              </a:solidFill>
+            </a:endParaRPr>
+          </a:p>
+          <a:p>
+            <a:pPr marL="342900" indent="-342900">
+              <a:lnSpc>
+                <a:spcPct val="150000"/>
+              </a:lnSpc>
+              <a:buClr>
+                <a:srgbClr val="FF6200"/>
+              </a:buClr>
+              <a:buFont typeface="Arial" panose="020B0604020202020204" pitchFamily="34" charset="0"/>
+              <a:buChar char="•"/>
+            </a:pPr>
+            <a:r>
+              <a:rPr lang="en-US" sz="1800">
+                <a:solidFill>
+                  <a:srgbClr val="333333"/>
+                </a:solidFill>
+              </a:rPr>
+              <a:t>Load tests</a:t>
+            </a:r>
+          </a:p>
+          <a:p>
+            <a:pPr marL="342900" indent="-342900">
+              <a:lnSpc>
+                <a:spcPct val="150000"/>
+              </a:lnSpc>
+              <a:buClr>
+                <a:srgbClr val="FF6200"/>
+              </a:buClr>
+              <a:buFont typeface="Arial" panose="020B0604020202020204" pitchFamily="34" charset="0"/>
+              <a:buChar char="•"/>
+            </a:pPr>
+            <a:r>
+              <a:rPr lang="en-US" sz="1800">
+                <a:solidFill>
+                  <a:srgbClr val="333333"/>
+                </a:solidFill>
+              </a:rPr>
+              <a:t>UI Tests (Selenium, etc.) run via the pipeline may connect to services in the test env</a:t>
+            </a:r>
+          </a:p>
+          <a:p>
+            <a:pPr>
+              <a:lnSpc>
+                <a:spcPct val="150000"/>
+              </a:lnSpc>
+            </a:pPr>
+            <a:r>
+              <a:rPr lang="en-NL" b="1">
+                <a:solidFill>
+                  <a:srgbClr val="FF6200"/>
+                </a:solidFill>
+              </a:rPr>
+              <a:t>Acceptance envs</a:t>
+            </a:r>
+          </a:p>
+          <a:p>
+            <a:pPr lvl="1">
+              <a:lnSpc>
+                <a:spcPct val="150000"/>
+              </a:lnSpc>
+              <a:buClr>
+                <a:srgbClr val="FF6200"/>
+              </a:buClr>
+              <a:buFont typeface="Arial" panose="020B0604020202020204" pitchFamily="34" charset="0"/>
+              <a:buChar char="•"/>
+            </a:pPr>
+            <a:r>
+              <a:rPr lang="en-NL">
+                <a:solidFill>
+                  <a:srgbClr val="333333"/>
+                </a:solidFill>
+              </a:rPr>
+              <a:t>User acceptance tests</a:t>
+            </a:r>
+          </a:p>
+          <a:p>
+            <a:pPr lvl="1">
+              <a:lnSpc>
+                <a:spcPct val="150000"/>
+              </a:lnSpc>
+              <a:buClr>
+                <a:srgbClr val="FF6200"/>
+              </a:buClr>
+              <a:buFont typeface="Arial" panose="020B0604020202020204" pitchFamily="34" charset="0"/>
+              <a:buChar char="•"/>
+            </a:pPr>
+            <a:r>
+              <a:rPr lang="en-NL">
+                <a:solidFill>
+                  <a:srgbClr val="333333"/>
+                </a:solidFill>
+              </a:rPr>
+              <a:t>Mobile device tests</a:t>
+            </a:r>
+          </a:p>
+          <a:p>
+            <a:pPr>
+              <a:lnSpc>
+                <a:spcPct val="150000"/>
+              </a:lnSpc>
+            </a:pPr>
+            <a:r>
+              <a:rPr lang="en-NL" b="1">
+                <a:solidFill>
+                  <a:srgbClr val="FF6200"/>
+                </a:solidFill>
+              </a:rPr>
+              <a:t>Production</a:t>
+            </a:r>
+          </a:p>
+          <a:p>
+            <a:pPr marL="342900" indent="-342900">
+              <a:lnSpc>
+                <a:spcPct val="150000"/>
+              </a:lnSpc>
+              <a:buClr>
+                <a:srgbClr val="FF6200"/>
+              </a:buClr>
+              <a:buFont typeface="Arial" panose="020B0604020202020204" pitchFamily="34" charset="0"/>
+              <a:buChar char="•"/>
+            </a:pPr>
+            <a:r>
+              <a:rPr lang="en-NL">
+                <a:solidFill>
+                  <a:srgbClr val="333333"/>
+                </a:solidFill>
+                <a:sym typeface="Wingdings" pitchFamily="2" charset="2"/>
+              </a:rPr>
+              <a:t>Sanity checks</a:t>
+            </a:r>
+          </a:p>
+          <a:p>
+            <a:pPr marL="342900" indent="-342900">
+              <a:lnSpc>
+                <a:spcPct val="150000"/>
+              </a:lnSpc>
+              <a:buClr>
+                <a:srgbClr val="FF6200"/>
+              </a:buClr>
+              <a:buFont typeface="Arial" panose="020B0604020202020204" pitchFamily="34" charset="0"/>
+              <a:buChar char="•"/>
+            </a:pPr>
+            <a:r>
+              <a:rPr lang="en-NL">
+                <a:solidFill>
+                  <a:srgbClr val="333333"/>
+                </a:solidFill>
+                <a:sym typeface="Wingdings" pitchFamily="2" charset="2"/>
+              </a:rPr>
+              <a:t>CMS content manual tests</a:t>
+            </a:r>
+          </a:p>
+          <a:p>
+            <a:pPr marL="342900" indent="-342900">
+              <a:lnSpc>
+                <a:spcPct val="150000"/>
+              </a:lnSpc>
+              <a:buClr>
+                <a:srgbClr val="FF6200"/>
+              </a:buClr>
+              <a:buFont typeface="Arial" panose="020B0604020202020204" pitchFamily="34" charset="0"/>
+              <a:buChar char="•"/>
+            </a:pPr>
+            <a:r>
+              <a:rPr lang="en-NL">
+                <a:solidFill>
+                  <a:srgbClr val="333333"/>
+                </a:solidFill>
+              </a:rPr>
+              <a:t>A B tests </a:t>
+            </a:r>
+            <a:r>
+              <a:rPr lang="en-NL">
+                <a:solidFill>
+                  <a:srgbClr val="333333"/>
+                </a:solidFill>
+                <a:sym typeface="Wingdings" pitchFamily="2" charset="2"/>
+              </a:rPr>
+              <a:t></a:t>
+            </a:r>
+          </a:p>
+        </p:txBody>
+      </p:sp>
+    </p:spTree>
+    <p:extLst>
+      <p:ext uri="{BB962C8B-B14F-4D97-AF65-F5344CB8AC3E}">
+        <p14:creationId xmlns:p14="http://schemas.microsoft.com/office/powerpoint/2010/main" val="3861439253"/>
+      </p:ext>
+    </p:extLst>
+  </p:cSld>
+  <p:clrMapOvr>
+    <a:masterClrMapping/>
+  </p:clrMapOvr>
+  <p:extLst>
+    <p:ext uri="{6950BFC3-D8DA-4A85-94F7-54DA5524770B}">
+      <p188:commentRel xmlns:p188="http://schemas.microsoft.com/office/powerpoint/2018/8/main" r:id="rId2"/>
+    </p:ext>
+  </p:extLst>
 </p:sld>
 </file>
 
